--- a/Netology_Презентация_Стерхов В.pptx
+++ b/Netology_Презентация_Стерхов В.pptx
@@ -129,6 +129,22 @@
       </a:defRPr>
     </a:lvl9pPr>
   </p:defaultTextStyle>
+  <p:extLst>
+    <p:ext uri="{EFAFB233-063F-42B5-8137-9DF3F51BA10A}">
+      <p15:sldGuideLst xmlns:p15="http://schemas.microsoft.com/office/powerpoint/2012/main">
+        <p15:guide id="1" orient="horz" pos="2160">
+          <p15:clr>
+            <a:srgbClr val="A4A3A4"/>
+          </p15:clr>
+        </p15:guide>
+        <p15:guide id="2" pos="2880">
+          <p15:clr>
+            <a:srgbClr val="A4A3A4"/>
+          </p15:clr>
+        </p15:guide>
+      </p15:sldGuideLst>
+    </p:ext>
+  </p:extLst>
 </p:presentation>
 </file>
 
@@ -221,7 +237,7 @@
             <a:fld id="{B6F1A6AF-CCE8-45EA-99A7-B72B1284A583}" type="datetimeFigureOut">
               <a:rPr lang="ru-RU" smtClean="0"/>
               <a:pPr/>
-              <a:t>21.06.2023</a:t>
+              <a:t>27.06.2023</a:t>
             </a:fld>
             <a:endParaRPr lang="ru-RU"/>
           </a:p>
@@ -1167,7 +1183,7 @@
             <a:fld id="{5B106E36-FD25-4E2D-B0AA-010F637433A0}" type="datetimeFigureOut">
               <a:rPr lang="ru-RU" smtClean="0"/>
               <a:pPr/>
-              <a:t>21.06.2023</a:t>
+              <a:t>27.06.2023</a:t>
             </a:fld>
             <a:endParaRPr lang="ru-RU"/>
           </a:p>
@@ -1334,7 +1350,7 @@
             <a:fld id="{5B106E36-FD25-4E2D-B0AA-010F637433A0}" type="datetimeFigureOut">
               <a:rPr lang="ru-RU" smtClean="0"/>
               <a:pPr/>
-              <a:t>21.06.2023</a:t>
+              <a:t>27.06.2023</a:t>
             </a:fld>
             <a:endParaRPr lang="ru-RU"/>
           </a:p>
@@ -1511,7 +1527,7 @@
             <a:fld id="{5B106E36-FD25-4E2D-B0AA-010F637433A0}" type="datetimeFigureOut">
               <a:rPr lang="ru-RU" smtClean="0"/>
               <a:pPr/>
-              <a:t>21.06.2023</a:t>
+              <a:t>27.06.2023</a:t>
             </a:fld>
             <a:endParaRPr lang="ru-RU"/>
           </a:p>
@@ -1592,7 +1608,7 @@
   </p:clrMapOvr>
   <p:extLst mod="1">
     <p:ext uri="{DCECCB84-F9BA-43D5-87BE-67443E8EF086}">
-      <p15:sldGuideLst xmlns="" xmlns:mc="http://schemas.openxmlformats.org/markup-compatibility/2006" xmlns:mv="urn:schemas-microsoft-com:mac:vml" xmlns:c="http://schemas.openxmlformats.org/drawingml/2006/chart" xmlns:dgm="http://schemas.openxmlformats.org/drawingml/2006/diagram" xmlns:o="urn:schemas-microsoft-com:office:office" xmlns:v="urn:schemas-microsoft-com:vml" xmlns:pvml="urn:schemas-microsoft-com:office:powerpoint" xmlns:com="http://schemas.openxmlformats.org/drawingml/2006/compatibility" xmlns:p14="http://schemas.microsoft.com/office/powerpoint/2010/main" xmlns:p15="http://schemas.microsoft.com/office/powerpoint/2012/main" xmlns:ahyp="http://schemas.microsoft.com/office/drawing/2018/hyperlinkcolor">
+      <p15:sldGuideLst xmlns:p15="http://schemas.microsoft.com/office/powerpoint/2012/main">
         <p15:guide id="1" orient="horz" pos="308">
           <p15:clr>
             <a:srgbClr val="0000FF"/>
@@ -1964,7 +1980,7 @@
             <a:fld id="{5B106E36-FD25-4E2D-B0AA-010F637433A0}" type="datetimeFigureOut">
               <a:rPr lang="ru-RU" smtClean="0"/>
               <a:pPr/>
-              <a:t>21.06.2023</a:t>
+              <a:t>27.06.2023</a:t>
             </a:fld>
             <a:endParaRPr lang="ru-RU"/>
           </a:p>
@@ -2207,7 +2223,7 @@
             <a:fld id="{5B106E36-FD25-4E2D-B0AA-010F637433A0}" type="datetimeFigureOut">
               <a:rPr lang="ru-RU" smtClean="0"/>
               <a:pPr/>
-              <a:t>21.06.2023</a:t>
+              <a:t>27.06.2023</a:t>
             </a:fld>
             <a:endParaRPr lang="ru-RU"/>
           </a:p>
@@ -2492,7 +2508,7 @@
             <a:fld id="{5B106E36-FD25-4E2D-B0AA-010F637433A0}" type="datetimeFigureOut">
               <a:rPr lang="ru-RU" smtClean="0"/>
               <a:pPr/>
-              <a:t>21.06.2023</a:t>
+              <a:t>27.06.2023</a:t>
             </a:fld>
             <a:endParaRPr lang="ru-RU"/>
           </a:p>
@@ -2911,7 +2927,7 @@
             <a:fld id="{5B106E36-FD25-4E2D-B0AA-010F637433A0}" type="datetimeFigureOut">
               <a:rPr lang="ru-RU" smtClean="0"/>
               <a:pPr/>
-              <a:t>21.06.2023</a:t>
+              <a:t>27.06.2023</a:t>
             </a:fld>
             <a:endParaRPr lang="ru-RU"/>
           </a:p>
@@ -3026,7 +3042,7 @@
             <a:fld id="{5B106E36-FD25-4E2D-B0AA-010F637433A0}" type="datetimeFigureOut">
               <a:rPr lang="ru-RU" smtClean="0"/>
               <a:pPr/>
-              <a:t>21.06.2023</a:t>
+              <a:t>27.06.2023</a:t>
             </a:fld>
             <a:endParaRPr lang="ru-RU"/>
           </a:p>
@@ -3118,7 +3134,7 @@
             <a:fld id="{5B106E36-FD25-4E2D-B0AA-010F637433A0}" type="datetimeFigureOut">
               <a:rPr lang="ru-RU" smtClean="0"/>
               <a:pPr/>
-              <a:t>21.06.2023</a:t>
+              <a:t>27.06.2023</a:t>
             </a:fld>
             <a:endParaRPr lang="ru-RU"/>
           </a:p>
@@ -3392,7 +3408,7 @@
             <a:fld id="{5B106E36-FD25-4E2D-B0AA-010F637433A0}" type="datetimeFigureOut">
               <a:rPr lang="ru-RU" smtClean="0"/>
               <a:pPr/>
-              <a:t>21.06.2023</a:t>
+              <a:t>27.06.2023</a:t>
             </a:fld>
             <a:endParaRPr lang="ru-RU"/>
           </a:p>
@@ -3642,7 +3658,7 @@
             <a:fld id="{5B106E36-FD25-4E2D-B0AA-010F637433A0}" type="datetimeFigureOut">
               <a:rPr lang="ru-RU" smtClean="0"/>
               <a:pPr/>
-              <a:t>21.06.2023</a:t>
+              <a:t>27.06.2023</a:t>
             </a:fld>
             <a:endParaRPr lang="ru-RU"/>
           </a:p>
@@ -3852,7 +3868,7 @@
             <a:fld id="{5B106E36-FD25-4E2D-B0AA-010F637433A0}" type="datetimeFigureOut">
               <a:rPr lang="ru-RU" smtClean="0"/>
               <a:pPr/>
-              <a:t>21.06.2023</a:t>
+              <a:t>27.06.2023</a:t>
             </a:fld>
             <a:endParaRPr lang="ru-RU"/>
           </a:p>
@@ -7548,7 +7564,7 @@
         <p:spPr>
           <a:xfrm>
             <a:off x="251520" y="116632"/>
-            <a:ext cx="6502806" cy="461665"/>
+            <a:ext cx="7120091" cy="461665"/>
           </a:xfrm>
           <a:prstGeom prst="rect">
             <a:avLst/>
@@ -7561,8 +7577,16 @@
           <a:lstStyle/>
           <a:p>
             <a:r>
+              <a:rPr lang="en-US" sz="2400" b="1" dirty="0"/>
+              <a:t>ADF. </a:t>
+            </a:r>
+            <a:r>
+              <a:rPr lang="ru-RU" sz="2400" b="1" dirty="0"/>
+              <a:t>Определим </a:t>
+            </a:r>
+            <a:r>
               <a:rPr lang="ru-RU" sz="2400" b="1" dirty="0" smtClean="0"/>
-              <a:t>Определим стационарность ряда после </a:t>
+              <a:t>стационарность ряда после </a:t>
             </a:r>
             <a:r>
               <a:rPr lang="en-US" sz="2400" b="1" dirty="0" err="1" smtClean="0"/>
@@ -9870,7 +9894,13 @@
             <a:tbl>
               <a:tblPr/>
               <a:tblGrid>
-                <a:gridCol w="5136232"/>
+                <a:gridCol w="5136232">
+                  <a:extLst>
+                    <a:ext uri="{9D8B030D-6E8A-4147-A177-3AD203B41FA5}">
+                      <a16:colId xmlns:a16="http://schemas.microsoft.com/office/drawing/2014/main" val="20000"/>
+                    </a:ext>
+                  </a:extLst>
+                </a:gridCol>
               </a:tblGrid>
               <a:tr h="320040">
                 <a:tc>
@@ -9899,6 +9929,11 @@
                     </a:lnB>
                   </a:tcPr>
                 </a:tc>
+                <a:extLst>
+                  <a:ext uri="{0D108BD9-81ED-4DB2-BD59-A6C34878D82A}">
+                    <a16:rowId xmlns:a16="http://schemas.microsoft.com/office/drawing/2014/main" val="10000"/>
+                  </a:ext>
+                </a:extLst>
               </a:tr>
             </a:tbl>
           </a:graphicData>
@@ -10001,7 +10036,13 @@
             <a:tbl>
               <a:tblPr/>
               <a:tblGrid>
-                <a:gridCol w="5136232"/>
+                <a:gridCol w="5136232">
+                  <a:extLst>
+                    <a:ext uri="{9D8B030D-6E8A-4147-A177-3AD203B41FA5}">
+                      <a16:colId xmlns:a16="http://schemas.microsoft.com/office/drawing/2014/main" val="20000"/>
+                    </a:ext>
+                  </a:extLst>
+                </a:gridCol>
               </a:tblGrid>
               <a:tr h="320040">
                 <a:tc>
@@ -10037,6 +10078,11 @@
                     </a:lnB>
                   </a:tcPr>
                 </a:tc>
+                <a:extLst>
+                  <a:ext uri="{0D108BD9-81ED-4DB2-BD59-A6C34878D82A}">
+                    <a16:rowId xmlns:a16="http://schemas.microsoft.com/office/drawing/2014/main" val="10000"/>
+                  </a:ext>
+                </a:extLst>
               </a:tr>
             </a:tbl>
           </a:graphicData>
@@ -10198,13 +10244,7 @@
               <a:rPr lang="ru-RU" sz="2000" dirty="0" smtClean="0">
                 <a:latin typeface="Proxima Nova"/>
               </a:rPr>
-              <a:t>минут в </a:t>
-            </a:r>
-            <a:r>
-              <a:rPr lang="ru-RU" sz="2000" dirty="0" smtClean="0">
-                <a:latin typeface="Proxima Nova"/>
-              </a:rPr>
-              <a:t>объекты: </a:t>
+              <a:t>минут в объекты: </a:t>
             </a:r>
             <a:r>
               <a:rPr lang="en-US" sz="2000" dirty="0" err="1" smtClean="0">
@@ -10450,16 +10490,7 @@
                 <a:cs typeface="Proxima Nova"/>
                 <a:sym typeface="Proxima Nova"/>
               </a:rPr>
-              <a:t>Корреляционная матриц </a:t>
-            </a:r>
-            <a:r>
-              <a:rPr lang="ru-RU" sz="2000" b="1" dirty="0" smtClean="0">
-                <a:latin typeface="Proxima Nova"/>
-                <a:ea typeface="Proxima Nova"/>
-                <a:cs typeface="Proxima Nova"/>
-                <a:sym typeface="Proxima Nova"/>
-              </a:rPr>
-              <a:t>параметров </a:t>
+              <a:t>Корреляционная матриц параметров </a:t>
             </a:r>
             <a:r>
               <a:rPr lang="en-US" sz="2000" b="1" dirty="0" err="1" smtClean="0">

--- a/Netology_Презентация_Стерхов В.pptx
+++ b/Netology_Презентация_Стерхов В.pptx
@@ -5,32 +5,38 @@
     <p:sldMasterId id="2147483934" r:id="rId1"/>
   </p:sldMasterIdLst>
   <p:notesMasterIdLst>
-    <p:notesMasterId r:id="rId25"/>
+    <p:notesMasterId r:id="rId31"/>
   </p:notesMasterIdLst>
   <p:sldIdLst>
     <p:sldId id="282" r:id="rId2"/>
-    <p:sldId id="270" r:id="rId3"/>
-    <p:sldId id="278" r:id="rId4"/>
-    <p:sldId id="263" r:id="rId5"/>
-    <p:sldId id="272" r:id="rId6"/>
-    <p:sldId id="261" r:id="rId7"/>
-    <p:sldId id="274" r:id="rId8"/>
-    <p:sldId id="283" r:id="rId9"/>
-    <p:sldId id="284" r:id="rId10"/>
-    <p:sldId id="296" r:id="rId11"/>
-    <p:sldId id="276" r:id="rId12"/>
-    <p:sldId id="266" r:id="rId13"/>
-    <p:sldId id="277" r:id="rId14"/>
-    <p:sldId id="297" r:id="rId15"/>
-    <p:sldId id="305" r:id="rId16"/>
-    <p:sldId id="301" r:id="rId17"/>
-    <p:sldId id="299" r:id="rId18"/>
-    <p:sldId id="294" r:id="rId19"/>
-    <p:sldId id="298" r:id="rId20"/>
-    <p:sldId id="303" r:id="rId21"/>
-    <p:sldId id="302" r:id="rId22"/>
-    <p:sldId id="304" r:id="rId23"/>
-    <p:sldId id="280" r:id="rId24"/>
+    <p:sldId id="310" r:id="rId3"/>
+    <p:sldId id="270" r:id="rId4"/>
+    <p:sldId id="278" r:id="rId5"/>
+    <p:sldId id="263" r:id="rId6"/>
+    <p:sldId id="272" r:id="rId7"/>
+    <p:sldId id="261" r:id="rId8"/>
+    <p:sldId id="274" r:id="rId9"/>
+    <p:sldId id="312" r:id="rId10"/>
+    <p:sldId id="311" r:id="rId11"/>
+    <p:sldId id="283" r:id="rId12"/>
+    <p:sldId id="284" r:id="rId13"/>
+    <p:sldId id="296" r:id="rId14"/>
+    <p:sldId id="276" r:id="rId15"/>
+    <p:sldId id="266" r:id="rId16"/>
+    <p:sldId id="277" r:id="rId17"/>
+    <p:sldId id="297" r:id="rId18"/>
+    <p:sldId id="305" r:id="rId19"/>
+    <p:sldId id="301" r:id="rId20"/>
+    <p:sldId id="299" r:id="rId21"/>
+    <p:sldId id="294" r:id="rId22"/>
+    <p:sldId id="298" r:id="rId23"/>
+    <p:sldId id="303" r:id="rId24"/>
+    <p:sldId id="302" r:id="rId25"/>
+    <p:sldId id="304" r:id="rId26"/>
+    <p:sldId id="307" r:id="rId27"/>
+    <p:sldId id="306" r:id="rId28"/>
+    <p:sldId id="314" r:id="rId29"/>
+    <p:sldId id="280" r:id="rId30"/>
   </p:sldIdLst>
   <p:sldSz cx="9144000" cy="6858000" type="screen4x3"/>
   <p:notesSz cx="6858000" cy="9144000"/>
@@ -237,7 +243,7 @@
             <a:fld id="{B6F1A6AF-CCE8-45EA-99A7-B72B1284A583}" type="datetimeFigureOut">
               <a:rPr lang="ru-RU" smtClean="0"/>
               <a:pPr/>
-              <a:t>27.06.2023</a:t>
+              <a:t>03.07.2023</a:t>
             </a:fld>
             <a:endParaRPr lang="ru-RU"/>
           </a:p>
@@ -675,7 +681,7 @@
             <a:fld id="{42A10BFA-C481-4F0D-AEED-739EC6C8A6EA}" type="slidenum">
               <a:rPr lang="ru-RU" smtClean="0"/>
               <a:pPr/>
-              <a:t>2</a:t>
+              <a:t>3</a:t>
             </a:fld>
             <a:endParaRPr lang="ru-RU"/>
           </a:p>
@@ -1183,7 +1189,7 @@
             <a:fld id="{5B106E36-FD25-4E2D-B0AA-010F637433A0}" type="datetimeFigureOut">
               <a:rPr lang="ru-RU" smtClean="0"/>
               <a:pPr/>
-              <a:t>27.06.2023</a:t>
+              <a:t>03.07.2023</a:t>
             </a:fld>
             <a:endParaRPr lang="ru-RU"/>
           </a:p>
@@ -1350,7 +1356,7 @@
             <a:fld id="{5B106E36-FD25-4E2D-B0AA-010F637433A0}" type="datetimeFigureOut">
               <a:rPr lang="ru-RU" smtClean="0"/>
               <a:pPr/>
-              <a:t>27.06.2023</a:t>
+              <a:t>03.07.2023</a:t>
             </a:fld>
             <a:endParaRPr lang="ru-RU"/>
           </a:p>
@@ -1527,7 +1533,7 @@
             <a:fld id="{5B106E36-FD25-4E2D-B0AA-010F637433A0}" type="datetimeFigureOut">
               <a:rPr lang="ru-RU" smtClean="0"/>
               <a:pPr/>
-              <a:t>27.06.2023</a:t>
+              <a:t>03.07.2023</a:t>
             </a:fld>
             <a:endParaRPr lang="ru-RU"/>
           </a:p>
@@ -1980,7 +1986,7 @@
             <a:fld id="{5B106E36-FD25-4E2D-B0AA-010F637433A0}" type="datetimeFigureOut">
               <a:rPr lang="ru-RU" smtClean="0"/>
               <a:pPr/>
-              <a:t>27.06.2023</a:t>
+              <a:t>03.07.2023</a:t>
             </a:fld>
             <a:endParaRPr lang="ru-RU"/>
           </a:p>
@@ -2223,7 +2229,7 @@
             <a:fld id="{5B106E36-FD25-4E2D-B0AA-010F637433A0}" type="datetimeFigureOut">
               <a:rPr lang="ru-RU" smtClean="0"/>
               <a:pPr/>
-              <a:t>27.06.2023</a:t>
+              <a:t>03.07.2023</a:t>
             </a:fld>
             <a:endParaRPr lang="ru-RU"/>
           </a:p>
@@ -2508,7 +2514,7 @@
             <a:fld id="{5B106E36-FD25-4E2D-B0AA-010F637433A0}" type="datetimeFigureOut">
               <a:rPr lang="ru-RU" smtClean="0"/>
               <a:pPr/>
-              <a:t>27.06.2023</a:t>
+              <a:t>03.07.2023</a:t>
             </a:fld>
             <a:endParaRPr lang="ru-RU"/>
           </a:p>
@@ -2927,7 +2933,7 @@
             <a:fld id="{5B106E36-FD25-4E2D-B0AA-010F637433A0}" type="datetimeFigureOut">
               <a:rPr lang="ru-RU" smtClean="0"/>
               <a:pPr/>
-              <a:t>27.06.2023</a:t>
+              <a:t>03.07.2023</a:t>
             </a:fld>
             <a:endParaRPr lang="ru-RU"/>
           </a:p>
@@ -3042,7 +3048,7 @@
             <a:fld id="{5B106E36-FD25-4E2D-B0AA-010F637433A0}" type="datetimeFigureOut">
               <a:rPr lang="ru-RU" smtClean="0"/>
               <a:pPr/>
-              <a:t>27.06.2023</a:t>
+              <a:t>03.07.2023</a:t>
             </a:fld>
             <a:endParaRPr lang="ru-RU"/>
           </a:p>
@@ -3134,7 +3140,7 @@
             <a:fld id="{5B106E36-FD25-4E2D-B0AA-010F637433A0}" type="datetimeFigureOut">
               <a:rPr lang="ru-RU" smtClean="0"/>
               <a:pPr/>
-              <a:t>27.06.2023</a:t>
+              <a:t>03.07.2023</a:t>
             </a:fld>
             <a:endParaRPr lang="ru-RU"/>
           </a:p>
@@ -3408,7 +3414,7 @@
             <a:fld id="{5B106E36-FD25-4E2D-B0AA-010F637433A0}" type="datetimeFigureOut">
               <a:rPr lang="ru-RU" smtClean="0"/>
               <a:pPr/>
-              <a:t>27.06.2023</a:t>
+              <a:t>03.07.2023</a:t>
             </a:fld>
             <a:endParaRPr lang="ru-RU"/>
           </a:p>
@@ -3658,7 +3664,7 @@
             <a:fld id="{5B106E36-FD25-4E2D-B0AA-010F637433A0}" type="datetimeFigureOut">
               <a:rPr lang="ru-RU" smtClean="0"/>
               <a:pPr/>
-              <a:t>27.06.2023</a:t>
+              <a:t>03.07.2023</a:t>
             </a:fld>
             <a:endParaRPr lang="ru-RU"/>
           </a:p>
@@ -3868,7 +3874,7 @@
             <a:fld id="{5B106E36-FD25-4E2D-B0AA-010F637433A0}" type="datetimeFigureOut">
               <a:rPr lang="ru-RU" smtClean="0"/>
               <a:pPr/>
-              <a:t>27.06.2023</a:t>
+              <a:t>03.07.2023</a:t>
             </a:fld>
             <a:endParaRPr lang="ru-RU"/>
           </a:p>
@@ -4494,49 +4500,16 @@
           <a:chExt cx="0" cy="0"/>
         </a:xfrm>
       </p:grpSpPr>
-      <p:pic>
-        <p:nvPicPr>
-          <p:cNvPr id="5122" name="Picture 2"/>
-          <p:cNvPicPr>
-            <a:picLocks noChangeAspect="1" noChangeArrowheads="1"/>
-          </p:cNvPicPr>
-          <p:nvPr/>
-        </p:nvPicPr>
-        <p:blipFill>
-          <a:blip r:embed="rId2" cstate="print"/>
-          <a:srcRect/>
-          <a:stretch>
-            <a:fillRect/>
-          </a:stretch>
-        </p:blipFill>
-        <p:spPr bwMode="auto">
-          <a:xfrm>
-            <a:off x="467544" y="836712"/>
-            <a:ext cx="7986127" cy="5282483"/>
-          </a:xfrm>
-          <a:prstGeom prst="rect">
-            <a:avLst/>
-          </a:prstGeom>
-          <a:noFill/>
-          <a:ln w="9525">
-            <a:noFill/>
-            <a:miter lim="800000"/>
-            <a:headEnd/>
-            <a:tailEnd/>
-          </a:ln>
-          <a:effectLst/>
-        </p:spPr>
-      </p:pic>
-      <p:sp>
-        <p:nvSpPr>
-          <p:cNvPr id="3" name="Прямоугольник 2"/>
+      <p:sp>
+        <p:nvSpPr>
+          <p:cNvPr id="2" name="Прямоугольник 1"/>
           <p:cNvSpPr/>
           <p:nvPr/>
         </p:nvSpPr>
         <p:spPr>
           <a:xfrm>
             <a:off x="251520" y="260648"/>
-            <a:ext cx="5111143" cy="387798"/>
+            <a:ext cx="7543027" cy="461665"/>
           </a:xfrm>
           <a:prstGeom prst="rect">
             <a:avLst/>
@@ -4548,11 +4521,6 @@
           </a:bodyPr>
           <a:lstStyle/>
           <a:p>
-            <a:pPr>
-              <a:lnSpc>
-                <a:spcPct val="80000"/>
-              </a:lnSpc>
-            </a:pPr>
             <a:r>
               <a:rPr lang="ru-RU" sz="2400" b="1" dirty="0" smtClean="0">
                 <a:latin typeface="Proxima Nova"/>
@@ -4560,18 +4528,75 @@
                 <a:cs typeface="Proxima Nova"/>
                 <a:sym typeface="Proxima Nova"/>
               </a:rPr>
-              <a:t>График стоимости криптовалют</a:t>
-            </a:r>
-            <a:endParaRPr lang="ru-RU" sz="2400" b="1" dirty="0">
-              <a:latin typeface="Proxima Nova"/>
-              <a:ea typeface="Proxima Nova"/>
-              <a:cs typeface="Proxima Nova"/>
-              <a:sym typeface="Proxima Nova"/>
-            </a:endParaRPr>
-          </a:p>
-        </p:txBody>
-      </p:sp>
+              <a:t>Формулы </a:t>
+            </a:r>
+            <a:r>
+              <a:rPr lang="ru-RU" sz="2400" b="1" dirty="0" smtClean="0">
+                <a:latin typeface="Proxima Nova"/>
+                <a:ea typeface="Proxima Nova"/>
+                <a:cs typeface="Proxima Nova"/>
+                <a:sym typeface="Proxima Nova"/>
+              </a:rPr>
+              <a:t>для расчета математических величин</a:t>
+            </a:r>
+            <a:endParaRPr lang="ru-RU" sz="2400" b="1" dirty="0"/>
+          </a:p>
+        </p:txBody>
+      </p:sp>
+      <p:pic>
+        <p:nvPicPr>
+          <p:cNvPr id="3" name="Рисунок 2"/>
+          <p:cNvPicPr>
+            <a:picLocks noChangeAspect="1"/>
+          </p:cNvPicPr>
+          <p:nvPr/>
+        </p:nvPicPr>
+        <p:blipFill>
+          <a:blip r:embed="rId2"/>
+          <a:stretch>
+            <a:fillRect/>
+          </a:stretch>
+        </p:blipFill>
+        <p:spPr>
+          <a:xfrm>
+            <a:off x="395536" y="836712"/>
+            <a:ext cx="7128792" cy="2442535"/>
+          </a:xfrm>
+          <a:prstGeom prst="rect">
+            <a:avLst/>
+          </a:prstGeom>
+        </p:spPr>
+      </p:pic>
+      <p:pic>
+        <p:nvPicPr>
+          <p:cNvPr id="4" name="Рисунок 3"/>
+          <p:cNvPicPr>
+            <a:picLocks noChangeAspect="1"/>
+          </p:cNvPicPr>
+          <p:nvPr/>
+        </p:nvPicPr>
+        <p:blipFill>
+          <a:blip r:embed="rId3"/>
+          <a:stretch>
+            <a:fillRect/>
+          </a:stretch>
+        </p:blipFill>
+        <p:spPr>
+          <a:xfrm>
+            <a:off x="251520" y="3573016"/>
+            <a:ext cx="6768752" cy="2884574"/>
+          </a:xfrm>
+          <a:prstGeom prst="rect">
+            <a:avLst/>
+          </a:prstGeom>
+        </p:spPr>
+      </p:pic>
     </p:spTree>
+    <p:extLst>
+      <p:ext uri="{BB962C8B-B14F-4D97-AF65-F5344CB8AC3E}">
+        <p14:creationId xmlns:p14="http://schemas.microsoft.com/office/powerpoint/2010/main" val="3274445137"/>
+      </p:ext>
+    </p:extLst>
   </p:cSld>
   <p:clrMapOvr>
     <a:masterClrMapping/>
@@ -4596,71 +4621,9 @@
           <a:chExt cx="0" cy="0"/>
         </a:xfrm>
       </p:grpSpPr>
-      <p:sp>
-        <p:nvSpPr>
-          <p:cNvPr id="3" name="Прямоугольник 2"/>
-          <p:cNvSpPr/>
-          <p:nvPr/>
-        </p:nvSpPr>
-        <p:spPr>
-          <a:xfrm>
-            <a:off x="251520" y="260648"/>
-            <a:ext cx="5813130" cy="387798"/>
-          </a:xfrm>
-          <a:prstGeom prst="rect">
-            <a:avLst/>
-          </a:prstGeom>
-        </p:spPr>
-        <p:txBody>
-          <a:bodyPr wrap="none">
-            <a:spAutoFit/>
-          </a:bodyPr>
-          <a:lstStyle/>
-          <a:p>
-            <a:pPr>
-              <a:lnSpc>
-                <a:spcPct val="80000"/>
-              </a:lnSpc>
-            </a:pPr>
-            <a:r>
-              <a:rPr lang="ru-RU" sz="2400" b="1" dirty="0" smtClean="0">
-                <a:latin typeface="Proxima Nova"/>
-                <a:ea typeface="Proxima Nova"/>
-                <a:cs typeface="Proxima Nova"/>
-                <a:sym typeface="Proxima Nova"/>
-              </a:rPr>
-              <a:t>График волатильности по </a:t>
-            </a:r>
-            <a:r>
-              <a:rPr lang="en-US" sz="2400" b="1" dirty="0" smtClean="0">
-                <a:latin typeface="Proxima Nova"/>
-                <a:ea typeface="Proxima Nova"/>
-                <a:cs typeface="Proxima Nova"/>
-                <a:sym typeface="Proxima Nova"/>
-              </a:rPr>
-              <a:t>15</a:t>
-            </a:r>
-            <a:r>
-              <a:rPr lang="ru-RU" sz="2400" b="1" dirty="0" smtClean="0">
-                <a:latin typeface="Proxima Nova"/>
-                <a:ea typeface="Proxima Nova"/>
-                <a:cs typeface="Proxima Nova"/>
-                <a:sym typeface="Proxima Nova"/>
-              </a:rPr>
-              <a:t> минуте</a:t>
-            </a:r>
-            <a:endParaRPr lang="ru-RU" sz="2400" b="1" dirty="0">
-              <a:latin typeface="Proxima Nova"/>
-              <a:ea typeface="Proxima Nova"/>
-              <a:cs typeface="Proxima Nova"/>
-              <a:sym typeface="Proxima Nova"/>
-            </a:endParaRPr>
-          </a:p>
-        </p:txBody>
-      </p:sp>
       <p:pic>
         <p:nvPicPr>
-          <p:cNvPr id="10242" name="Picture 2"/>
+          <p:cNvPr id="1026" name="Picture 2"/>
           <p:cNvPicPr>
             <a:picLocks noChangeAspect="1" noChangeArrowheads="1"/>
           </p:cNvPicPr>
@@ -4675,8 +4638,8 @@
         </p:blipFill>
         <p:spPr bwMode="auto">
           <a:xfrm>
-            <a:off x="107504" y="836712"/>
-            <a:ext cx="8184302" cy="5445224"/>
+            <a:off x="323528" y="836712"/>
+            <a:ext cx="8496944" cy="5566868"/>
           </a:xfrm>
           <a:prstGeom prst="rect">
             <a:avLst/>
@@ -4691,18 +4654,68 @@
           <a:effectLst/>
         </p:spPr>
       </p:pic>
+      <p:sp>
+        <p:nvSpPr>
+          <p:cNvPr id="3" name="Прямоугольник 2"/>
+          <p:cNvSpPr/>
+          <p:nvPr/>
+        </p:nvSpPr>
+        <p:spPr>
+          <a:xfrm>
+            <a:off x="251520" y="260648"/>
+            <a:ext cx="8081251" cy="400110"/>
+          </a:xfrm>
+          <a:prstGeom prst="rect">
+            <a:avLst/>
+          </a:prstGeom>
+        </p:spPr>
+        <p:txBody>
+          <a:bodyPr wrap="none">
+            <a:spAutoFit/>
+          </a:bodyPr>
+          <a:lstStyle/>
+          <a:p>
+            <a:r>
+              <a:rPr lang="ru-RU" sz="2000" b="1" dirty="0" smtClean="0">
+                <a:latin typeface="Proxima Nova"/>
+                <a:ea typeface="Proxima Nova"/>
+                <a:cs typeface="Proxima Nova"/>
+                <a:sym typeface="Proxima Nova"/>
+              </a:rPr>
+              <a:t>Корреляционная матриц параметров </a:t>
+            </a:r>
+            <a:r>
+              <a:rPr lang="en-US" sz="2000" b="1" dirty="0" err="1" smtClean="0">
+                <a:latin typeface="Proxima Nova"/>
+                <a:ea typeface="Proxima Nova"/>
+                <a:cs typeface="Proxima Nova"/>
+                <a:sym typeface="Proxima Nova"/>
+              </a:rPr>
+              <a:t>AggregatedTradeVolume</a:t>
+            </a:r>
+            <a:r>
+              <a:rPr lang="en-US" sz="2000" b="1" dirty="0" smtClean="0">
+                <a:latin typeface="Proxima Nova"/>
+                <a:ea typeface="Proxima Nova"/>
+                <a:cs typeface="Proxima Nova"/>
+                <a:sym typeface="Proxima Nova"/>
+              </a:rPr>
+              <a:t> </a:t>
+            </a:r>
+            <a:endParaRPr lang="ru-RU" sz="2000" b="1" dirty="0">
+              <a:latin typeface="Proxima Nova"/>
+              <a:ea typeface="Proxima Nova"/>
+              <a:cs typeface="Proxima Nova"/>
+              <a:sym typeface="Proxima Nova"/>
+            </a:endParaRPr>
+          </a:p>
+        </p:txBody>
+      </p:sp>
     </p:spTree>
   </p:cSld>
   <p:clrMapOvr>
     <a:masterClrMapping/>
   </p:clrMapOvr>
-  <p:timing>
-    <p:tnLst>
-      <p:par>
-        <p:cTn id="1" dur="indefinite" restart="never" nodeType="tmRoot"/>
-      </p:par>
-    </p:tnLst>
-  </p:timing>
 </p:sld>
 </file>
 
@@ -4711,7 +4724,7 @@
   <p:cSld>
     <p:spTree>
       <p:nvGrpSpPr>
-        <p:cNvPr id="1" name="Shape 1503"/>
+        <p:cNvPr id="1" name=""/>
         <p:cNvGrpSpPr/>
         <p:nvPr/>
       </p:nvGrpSpPr>
@@ -4723,208 +4736,16 @@
           <a:chExt cx="0" cy="0"/>
         </a:xfrm>
       </p:grpSpPr>
-      <p:sp>
-        <p:nvSpPr>
-          <p:cNvPr id="1506" name="Google Shape;1506;p91"/>
-          <p:cNvSpPr txBox="1"/>
-          <p:nvPr/>
-        </p:nvSpPr>
-        <p:spPr>
-          <a:xfrm>
-            <a:off x="275925" y="326400"/>
-            <a:ext cx="7145850" cy="438304"/>
-          </a:xfrm>
-          <a:prstGeom prst="rect">
-            <a:avLst/>
-          </a:prstGeom>
-          <a:noFill/>
-          <a:ln>
-            <a:noFill/>
-          </a:ln>
-        </p:spPr>
-        <p:txBody>
-          <a:bodyPr spcFirstLastPara="1" wrap="square" lIns="0" tIns="0" rIns="0" bIns="0" anchor="t" anchorCtr="0">
-            <a:noAutofit/>
-          </a:bodyPr>
-          <a:lstStyle/>
-          <a:p>
-            <a:pPr>
-              <a:lnSpc>
-                <a:spcPct val="80000"/>
-              </a:lnSpc>
-            </a:pPr>
-            <a:r>
-              <a:rPr lang="ru-RU" sz="2400" b="1" dirty="0" smtClean="0">
-                <a:latin typeface="Proxima Nova"/>
-                <a:ea typeface="Proxima Nova"/>
-                <a:cs typeface="Proxima Nova"/>
-                <a:sym typeface="Proxima Nova"/>
-              </a:rPr>
-              <a:t>График стакана криптовалют</a:t>
-            </a:r>
-            <a:endParaRPr sz="2400" b="1" dirty="0">
-              <a:latin typeface="Proxima Nova"/>
-              <a:ea typeface="Proxima Nova"/>
-              <a:cs typeface="Proxima Nova"/>
-              <a:sym typeface="Proxima Nova"/>
-            </a:endParaRPr>
-          </a:p>
-        </p:txBody>
-      </p:sp>
-      <p:sp>
-        <p:nvSpPr>
-          <p:cNvPr id="8" name="Google Shape;1490;p90"/>
-          <p:cNvSpPr/>
-          <p:nvPr/>
-        </p:nvSpPr>
-        <p:spPr>
-          <a:xfrm>
-            <a:off x="683568" y="908720"/>
-            <a:ext cx="144016" cy="125856"/>
-          </a:xfrm>
-          <a:prstGeom prst="ellipse">
-            <a:avLst/>
-          </a:prstGeom>
-          <a:solidFill>
-            <a:srgbClr val="0066FF"/>
-          </a:solidFill>
-          <a:ln>
-            <a:noFill/>
-          </a:ln>
-        </p:spPr>
-        <p:txBody>
-          <a:bodyPr spcFirstLastPara="1" wrap="square" lIns="91425" tIns="91425" rIns="91425" bIns="91425" anchor="ctr" anchorCtr="0">
-            <a:noAutofit/>
-          </a:bodyPr>
-          <a:lstStyle/>
-          <a:p>
-            <a:pPr marL="0" lvl="0" indent="0" algn="l" rtl="0">
-              <a:spcBef>
-                <a:spcPts val="0"/>
-              </a:spcBef>
-              <a:spcAft>
-                <a:spcPts val="0"/>
-              </a:spcAft>
-              <a:buNone/>
-            </a:pPr>
-            <a:r>
-              <a:rPr lang="ru-RU" dirty="0" smtClean="0"/>
-              <a:t>    </a:t>
-            </a:r>
-            <a:endParaRPr dirty="0"/>
-          </a:p>
-        </p:txBody>
-      </p:sp>
-      <p:sp>
-        <p:nvSpPr>
-          <p:cNvPr id="9" name="Google Shape;1490;p90"/>
-          <p:cNvSpPr/>
-          <p:nvPr/>
-        </p:nvSpPr>
-        <p:spPr>
-          <a:xfrm>
-            <a:off x="683568" y="1196752"/>
-            <a:ext cx="144016" cy="125856"/>
-          </a:xfrm>
-          <a:prstGeom prst="ellipse">
-            <a:avLst/>
-          </a:prstGeom>
-          <a:solidFill>
-            <a:srgbClr val="C00000"/>
-          </a:solidFill>
-          <a:ln>
-            <a:noFill/>
-          </a:ln>
-        </p:spPr>
-        <p:txBody>
-          <a:bodyPr spcFirstLastPara="1" wrap="square" lIns="91425" tIns="91425" rIns="91425" bIns="91425" anchor="ctr" anchorCtr="0">
-            <a:noAutofit/>
-          </a:bodyPr>
-          <a:lstStyle/>
-          <a:p>
-            <a:pPr marL="0" lvl="0" indent="0" algn="l" rtl="0">
-              <a:spcBef>
-                <a:spcPts val="0"/>
-              </a:spcBef>
-              <a:spcAft>
-                <a:spcPts val="0"/>
-              </a:spcAft>
-              <a:buNone/>
-            </a:pPr>
-            <a:endParaRPr dirty="0"/>
-          </a:p>
-        </p:txBody>
-      </p:sp>
-      <p:sp>
-        <p:nvSpPr>
-          <p:cNvPr id="11" name="TextBox 10"/>
-          <p:cNvSpPr txBox="1"/>
-          <p:nvPr/>
-        </p:nvSpPr>
-        <p:spPr>
-          <a:xfrm>
-            <a:off x="899592" y="764704"/>
-            <a:ext cx="3672408" cy="369332"/>
-          </a:xfrm>
-          <a:prstGeom prst="rect">
-            <a:avLst/>
-          </a:prstGeom>
-          <a:noFill/>
-        </p:spPr>
-        <p:txBody>
-          <a:bodyPr wrap="square" rtlCol="0">
-            <a:spAutoFit/>
-          </a:bodyPr>
-          <a:lstStyle/>
-          <a:p>
-            <a:r>
-              <a:rPr lang="ru-RU" dirty="0" smtClean="0"/>
-              <a:t>График предложения</a:t>
-            </a:r>
-            <a:endParaRPr lang="ru-RU" dirty="0"/>
-          </a:p>
-        </p:txBody>
-      </p:sp>
-      <p:sp>
-        <p:nvSpPr>
-          <p:cNvPr id="12" name="TextBox 11"/>
-          <p:cNvSpPr txBox="1"/>
-          <p:nvPr/>
-        </p:nvSpPr>
-        <p:spPr>
-          <a:xfrm>
-            <a:off x="899592" y="1052736"/>
-            <a:ext cx="3672408" cy="369332"/>
-          </a:xfrm>
-          <a:prstGeom prst="rect">
-            <a:avLst/>
-          </a:prstGeom>
-          <a:noFill/>
-        </p:spPr>
-        <p:txBody>
-          <a:bodyPr wrap="square" rtlCol="0">
-            <a:spAutoFit/>
-          </a:bodyPr>
-          <a:lstStyle/>
-          <a:p>
-            <a:r>
-              <a:rPr lang="ru-RU" dirty="0" smtClean="0"/>
-              <a:t>График спроса</a:t>
-            </a:r>
-            <a:endParaRPr lang="ru-RU" dirty="0"/>
-          </a:p>
-        </p:txBody>
-      </p:sp>
       <p:pic>
         <p:nvPicPr>
-          <p:cNvPr id="9218" name="Picture 2"/>
+          <p:cNvPr id="2051" name="Picture 3"/>
           <p:cNvPicPr>
             <a:picLocks noChangeAspect="1" noChangeArrowheads="1"/>
           </p:cNvPicPr>
           <p:nvPr/>
         </p:nvPicPr>
         <p:blipFill>
-          <a:blip r:embed="rId3" cstate="print"/>
+          <a:blip r:embed="rId2" cstate="print"/>
           <a:srcRect/>
           <a:stretch>
             <a:fillRect/>
@@ -4932,8 +4753,8 @@
         </p:blipFill>
         <p:spPr bwMode="auto">
           <a:xfrm>
-            <a:off x="467544" y="1512285"/>
-            <a:ext cx="8077994" cy="5345715"/>
+            <a:off x="251520" y="836712"/>
+            <a:ext cx="8552646" cy="5708377"/>
           </a:xfrm>
           <a:prstGeom prst="rect">
             <a:avLst/>
@@ -4948,18 +4769,54 @@
           <a:effectLst/>
         </p:spPr>
       </p:pic>
+      <p:sp>
+        <p:nvSpPr>
+          <p:cNvPr id="7" name="Прямоугольник 6"/>
+          <p:cNvSpPr/>
+          <p:nvPr/>
+        </p:nvSpPr>
+        <p:spPr>
+          <a:xfrm>
+            <a:off x="251520" y="260648"/>
+            <a:ext cx="6989349" cy="461665"/>
+          </a:xfrm>
+          <a:prstGeom prst="rect">
+            <a:avLst/>
+          </a:prstGeom>
+        </p:spPr>
+        <p:txBody>
+          <a:bodyPr wrap="none">
+            <a:spAutoFit/>
+          </a:bodyPr>
+          <a:lstStyle/>
+          <a:p>
+            <a:r>
+              <a:rPr lang="ru-RU" sz="2400" b="1" dirty="0" smtClean="0">
+                <a:latin typeface="Proxima Nova"/>
+                <a:ea typeface="Proxima Nova"/>
+                <a:cs typeface="Proxima Nova"/>
+                <a:sym typeface="Proxima Nova"/>
+              </a:rPr>
+              <a:t>Корреляционная матриц параметров </a:t>
+            </a:r>
+            <a:r>
+              <a:rPr lang="en-US" sz="2400" b="1" dirty="0" smtClean="0">
+                <a:latin typeface="Proxima Nova"/>
+                <a:ea typeface="Proxima Nova"/>
+                <a:cs typeface="Proxima Nova"/>
+                <a:sym typeface="Proxima Nova"/>
+              </a:rPr>
+              <a:t>Candle</a:t>
+            </a:r>
+            <a:endParaRPr lang="ru-RU" sz="2400" dirty="0"/>
+          </a:p>
+        </p:txBody>
+      </p:sp>
     </p:spTree>
   </p:cSld>
   <p:clrMapOvr>
     <a:masterClrMapping/>
   </p:clrMapOvr>
-  <p:timing>
-    <p:tnLst>
-      <p:par>
-        <p:cTn id="1" dur="indefinite" restart="never" nodeType="tmRoot"/>
-      </p:par>
-    </p:tnLst>
-  </p:timing>
 </p:sld>
 </file>
 
@@ -4980,6 +4837,492 @@
           <a:chExt cx="0" cy="0"/>
         </a:xfrm>
       </p:grpSpPr>
+      <p:pic>
+        <p:nvPicPr>
+          <p:cNvPr id="5122" name="Picture 2"/>
+          <p:cNvPicPr>
+            <a:picLocks noChangeAspect="1" noChangeArrowheads="1"/>
+          </p:cNvPicPr>
+          <p:nvPr/>
+        </p:nvPicPr>
+        <p:blipFill>
+          <a:blip r:embed="rId2" cstate="print"/>
+          <a:srcRect/>
+          <a:stretch>
+            <a:fillRect/>
+          </a:stretch>
+        </p:blipFill>
+        <p:spPr bwMode="auto">
+          <a:xfrm>
+            <a:off x="467544" y="836712"/>
+            <a:ext cx="7986127" cy="5282483"/>
+          </a:xfrm>
+          <a:prstGeom prst="rect">
+            <a:avLst/>
+          </a:prstGeom>
+          <a:noFill/>
+          <a:ln w="9525">
+            <a:noFill/>
+            <a:miter lim="800000"/>
+            <a:headEnd/>
+            <a:tailEnd/>
+          </a:ln>
+          <a:effectLst/>
+        </p:spPr>
+      </p:pic>
+      <p:sp>
+        <p:nvSpPr>
+          <p:cNvPr id="3" name="Прямоугольник 2"/>
+          <p:cNvSpPr/>
+          <p:nvPr/>
+        </p:nvSpPr>
+        <p:spPr>
+          <a:xfrm>
+            <a:off x="251520" y="260648"/>
+            <a:ext cx="5111143" cy="387798"/>
+          </a:xfrm>
+          <a:prstGeom prst="rect">
+            <a:avLst/>
+          </a:prstGeom>
+        </p:spPr>
+        <p:txBody>
+          <a:bodyPr wrap="none">
+            <a:spAutoFit/>
+          </a:bodyPr>
+          <a:lstStyle/>
+          <a:p>
+            <a:pPr>
+              <a:lnSpc>
+                <a:spcPct val="80000"/>
+              </a:lnSpc>
+            </a:pPr>
+            <a:r>
+              <a:rPr lang="ru-RU" sz="2400" b="1" dirty="0" smtClean="0">
+                <a:latin typeface="Proxima Nova"/>
+                <a:ea typeface="Proxima Nova"/>
+                <a:cs typeface="Proxima Nova"/>
+                <a:sym typeface="Proxima Nova"/>
+              </a:rPr>
+              <a:t>График стоимости криптовалют</a:t>
+            </a:r>
+            <a:endParaRPr lang="ru-RU" sz="2400" b="1" dirty="0">
+              <a:latin typeface="Proxima Nova"/>
+              <a:ea typeface="Proxima Nova"/>
+              <a:cs typeface="Proxima Nova"/>
+              <a:sym typeface="Proxima Nova"/>
+            </a:endParaRPr>
+          </a:p>
+        </p:txBody>
+      </p:sp>
+    </p:spTree>
+  </p:cSld>
+  <p:clrMapOvr>
+    <a:masterClrMapping/>
+  </p:clrMapOvr>
+</p:sld>
+</file>
+
+<file path=ppt/slides/slide14.xml><?xml version="1.0" encoding="utf-8"?>
+<p:sld xmlns:a="http://schemas.openxmlformats.org/drawingml/2006/main" xmlns:r="http://schemas.openxmlformats.org/officeDocument/2006/relationships" xmlns:p="http://schemas.openxmlformats.org/presentationml/2006/main">
+  <p:cSld>
+    <p:spTree>
+      <p:nvGrpSpPr>
+        <p:cNvPr id="1" name=""/>
+        <p:cNvGrpSpPr/>
+        <p:nvPr/>
+      </p:nvGrpSpPr>
+      <p:grpSpPr>
+        <a:xfrm>
+          <a:off x="0" y="0"/>
+          <a:ext cx="0" cy="0"/>
+          <a:chOff x="0" y="0"/>
+          <a:chExt cx="0" cy="0"/>
+        </a:xfrm>
+      </p:grpSpPr>
+      <p:sp>
+        <p:nvSpPr>
+          <p:cNvPr id="3" name="Прямоугольник 2"/>
+          <p:cNvSpPr/>
+          <p:nvPr/>
+        </p:nvSpPr>
+        <p:spPr>
+          <a:xfrm>
+            <a:off x="251520" y="260648"/>
+            <a:ext cx="5813130" cy="387798"/>
+          </a:xfrm>
+          <a:prstGeom prst="rect">
+            <a:avLst/>
+          </a:prstGeom>
+        </p:spPr>
+        <p:txBody>
+          <a:bodyPr wrap="none">
+            <a:spAutoFit/>
+          </a:bodyPr>
+          <a:lstStyle/>
+          <a:p>
+            <a:pPr>
+              <a:lnSpc>
+                <a:spcPct val="80000"/>
+              </a:lnSpc>
+            </a:pPr>
+            <a:r>
+              <a:rPr lang="ru-RU" sz="2400" b="1" dirty="0" smtClean="0">
+                <a:latin typeface="Proxima Nova"/>
+                <a:ea typeface="Proxima Nova"/>
+                <a:cs typeface="Proxima Nova"/>
+                <a:sym typeface="Proxima Nova"/>
+              </a:rPr>
+              <a:t>График волатильности по </a:t>
+            </a:r>
+            <a:r>
+              <a:rPr lang="en-US" sz="2400" b="1" dirty="0" smtClean="0">
+                <a:latin typeface="Proxima Nova"/>
+                <a:ea typeface="Proxima Nova"/>
+                <a:cs typeface="Proxima Nova"/>
+                <a:sym typeface="Proxima Nova"/>
+              </a:rPr>
+              <a:t>15</a:t>
+            </a:r>
+            <a:r>
+              <a:rPr lang="ru-RU" sz="2400" b="1" dirty="0" smtClean="0">
+                <a:latin typeface="Proxima Nova"/>
+                <a:ea typeface="Proxima Nova"/>
+                <a:cs typeface="Proxima Nova"/>
+                <a:sym typeface="Proxima Nova"/>
+              </a:rPr>
+              <a:t> минуте</a:t>
+            </a:r>
+            <a:endParaRPr lang="ru-RU" sz="2400" b="1" dirty="0">
+              <a:latin typeface="Proxima Nova"/>
+              <a:ea typeface="Proxima Nova"/>
+              <a:cs typeface="Proxima Nova"/>
+              <a:sym typeface="Proxima Nova"/>
+            </a:endParaRPr>
+          </a:p>
+        </p:txBody>
+      </p:sp>
+      <p:pic>
+        <p:nvPicPr>
+          <p:cNvPr id="10242" name="Picture 2"/>
+          <p:cNvPicPr>
+            <a:picLocks noChangeAspect="1" noChangeArrowheads="1"/>
+          </p:cNvPicPr>
+          <p:nvPr/>
+        </p:nvPicPr>
+        <p:blipFill>
+          <a:blip r:embed="rId2" cstate="print"/>
+          <a:srcRect/>
+          <a:stretch>
+            <a:fillRect/>
+          </a:stretch>
+        </p:blipFill>
+        <p:spPr bwMode="auto">
+          <a:xfrm>
+            <a:off x="107504" y="836712"/>
+            <a:ext cx="8184302" cy="5445224"/>
+          </a:xfrm>
+          <a:prstGeom prst="rect">
+            <a:avLst/>
+          </a:prstGeom>
+          <a:noFill/>
+          <a:ln w="9525">
+            <a:noFill/>
+            <a:miter lim="800000"/>
+            <a:headEnd/>
+            <a:tailEnd/>
+          </a:ln>
+          <a:effectLst/>
+        </p:spPr>
+      </p:pic>
+    </p:spTree>
+  </p:cSld>
+  <p:clrMapOvr>
+    <a:masterClrMapping/>
+  </p:clrMapOvr>
+  <p:timing>
+    <p:tnLst>
+      <p:par>
+        <p:cTn id="1" dur="indefinite" restart="never" nodeType="tmRoot"/>
+      </p:par>
+    </p:tnLst>
+  </p:timing>
+</p:sld>
+</file>
+
+<file path=ppt/slides/slide15.xml><?xml version="1.0" encoding="utf-8"?>
+<p:sld xmlns:a="http://schemas.openxmlformats.org/drawingml/2006/main" xmlns:r="http://schemas.openxmlformats.org/officeDocument/2006/relationships" xmlns:p="http://schemas.openxmlformats.org/presentationml/2006/main">
+  <p:cSld>
+    <p:spTree>
+      <p:nvGrpSpPr>
+        <p:cNvPr id="1" name="Shape 1503"/>
+        <p:cNvGrpSpPr/>
+        <p:nvPr/>
+      </p:nvGrpSpPr>
+      <p:grpSpPr>
+        <a:xfrm>
+          <a:off x="0" y="0"/>
+          <a:ext cx="0" cy="0"/>
+          <a:chOff x="0" y="0"/>
+          <a:chExt cx="0" cy="0"/>
+        </a:xfrm>
+      </p:grpSpPr>
+      <p:sp>
+        <p:nvSpPr>
+          <p:cNvPr id="1506" name="Google Shape;1506;p91"/>
+          <p:cNvSpPr txBox="1"/>
+          <p:nvPr/>
+        </p:nvSpPr>
+        <p:spPr>
+          <a:xfrm>
+            <a:off x="275925" y="326400"/>
+            <a:ext cx="7145850" cy="438304"/>
+          </a:xfrm>
+          <a:prstGeom prst="rect">
+            <a:avLst/>
+          </a:prstGeom>
+          <a:noFill/>
+          <a:ln>
+            <a:noFill/>
+          </a:ln>
+        </p:spPr>
+        <p:txBody>
+          <a:bodyPr spcFirstLastPara="1" wrap="square" lIns="0" tIns="0" rIns="0" bIns="0" anchor="t" anchorCtr="0">
+            <a:noAutofit/>
+          </a:bodyPr>
+          <a:lstStyle/>
+          <a:p>
+            <a:pPr>
+              <a:lnSpc>
+                <a:spcPct val="80000"/>
+              </a:lnSpc>
+            </a:pPr>
+            <a:r>
+              <a:rPr lang="ru-RU" sz="2400" b="1" dirty="0" smtClean="0">
+                <a:latin typeface="Proxima Nova"/>
+                <a:ea typeface="Proxima Nova"/>
+                <a:cs typeface="Proxima Nova"/>
+                <a:sym typeface="Proxima Nova"/>
+              </a:rPr>
+              <a:t>График стакана криптовалют</a:t>
+            </a:r>
+            <a:endParaRPr sz="2400" b="1" dirty="0">
+              <a:latin typeface="Proxima Nova"/>
+              <a:ea typeface="Proxima Nova"/>
+              <a:cs typeface="Proxima Nova"/>
+              <a:sym typeface="Proxima Nova"/>
+            </a:endParaRPr>
+          </a:p>
+        </p:txBody>
+      </p:sp>
+      <p:sp>
+        <p:nvSpPr>
+          <p:cNvPr id="8" name="Google Shape;1490;p90"/>
+          <p:cNvSpPr/>
+          <p:nvPr/>
+        </p:nvSpPr>
+        <p:spPr>
+          <a:xfrm>
+            <a:off x="683568" y="908720"/>
+            <a:ext cx="144016" cy="125856"/>
+          </a:xfrm>
+          <a:prstGeom prst="ellipse">
+            <a:avLst/>
+          </a:prstGeom>
+          <a:solidFill>
+            <a:srgbClr val="0066FF"/>
+          </a:solidFill>
+          <a:ln>
+            <a:noFill/>
+          </a:ln>
+        </p:spPr>
+        <p:txBody>
+          <a:bodyPr spcFirstLastPara="1" wrap="square" lIns="91425" tIns="91425" rIns="91425" bIns="91425" anchor="ctr" anchorCtr="0">
+            <a:noAutofit/>
+          </a:bodyPr>
+          <a:lstStyle/>
+          <a:p>
+            <a:pPr marL="0" lvl="0" indent="0" algn="l" rtl="0">
+              <a:spcBef>
+                <a:spcPts val="0"/>
+              </a:spcBef>
+              <a:spcAft>
+                <a:spcPts val="0"/>
+              </a:spcAft>
+              <a:buNone/>
+            </a:pPr>
+            <a:r>
+              <a:rPr lang="ru-RU" dirty="0" smtClean="0"/>
+              <a:t>    </a:t>
+            </a:r>
+            <a:endParaRPr dirty="0"/>
+          </a:p>
+        </p:txBody>
+      </p:sp>
+      <p:sp>
+        <p:nvSpPr>
+          <p:cNvPr id="9" name="Google Shape;1490;p90"/>
+          <p:cNvSpPr/>
+          <p:nvPr/>
+        </p:nvSpPr>
+        <p:spPr>
+          <a:xfrm>
+            <a:off x="683568" y="1196752"/>
+            <a:ext cx="144016" cy="125856"/>
+          </a:xfrm>
+          <a:prstGeom prst="ellipse">
+            <a:avLst/>
+          </a:prstGeom>
+          <a:solidFill>
+            <a:srgbClr val="C00000"/>
+          </a:solidFill>
+          <a:ln>
+            <a:noFill/>
+          </a:ln>
+        </p:spPr>
+        <p:txBody>
+          <a:bodyPr spcFirstLastPara="1" wrap="square" lIns="91425" tIns="91425" rIns="91425" bIns="91425" anchor="ctr" anchorCtr="0">
+            <a:noAutofit/>
+          </a:bodyPr>
+          <a:lstStyle/>
+          <a:p>
+            <a:pPr marL="0" lvl="0" indent="0" algn="l" rtl="0">
+              <a:spcBef>
+                <a:spcPts val="0"/>
+              </a:spcBef>
+              <a:spcAft>
+                <a:spcPts val="0"/>
+              </a:spcAft>
+              <a:buNone/>
+            </a:pPr>
+            <a:endParaRPr dirty="0"/>
+          </a:p>
+        </p:txBody>
+      </p:sp>
+      <p:sp>
+        <p:nvSpPr>
+          <p:cNvPr id="11" name="TextBox 10"/>
+          <p:cNvSpPr txBox="1"/>
+          <p:nvPr/>
+        </p:nvSpPr>
+        <p:spPr>
+          <a:xfrm>
+            <a:off x="899592" y="764704"/>
+            <a:ext cx="3672408" cy="369332"/>
+          </a:xfrm>
+          <a:prstGeom prst="rect">
+            <a:avLst/>
+          </a:prstGeom>
+          <a:noFill/>
+        </p:spPr>
+        <p:txBody>
+          <a:bodyPr wrap="square" rtlCol="0">
+            <a:spAutoFit/>
+          </a:bodyPr>
+          <a:lstStyle/>
+          <a:p>
+            <a:r>
+              <a:rPr lang="ru-RU" dirty="0" smtClean="0"/>
+              <a:t>График предложения</a:t>
+            </a:r>
+            <a:endParaRPr lang="ru-RU" dirty="0"/>
+          </a:p>
+        </p:txBody>
+      </p:sp>
+      <p:sp>
+        <p:nvSpPr>
+          <p:cNvPr id="12" name="TextBox 11"/>
+          <p:cNvSpPr txBox="1"/>
+          <p:nvPr/>
+        </p:nvSpPr>
+        <p:spPr>
+          <a:xfrm>
+            <a:off x="899592" y="1052736"/>
+            <a:ext cx="3672408" cy="369332"/>
+          </a:xfrm>
+          <a:prstGeom prst="rect">
+            <a:avLst/>
+          </a:prstGeom>
+          <a:noFill/>
+        </p:spPr>
+        <p:txBody>
+          <a:bodyPr wrap="square" rtlCol="0">
+            <a:spAutoFit/>
+          </a:bodyPr>
+          <a:lstStyle/>
+          <a:p>
+            <a:r>
+              <a:rPr lang="ru-RU" dirty="0" smtClean="0"/>
+              <a:t>График спроса</a:t>
+            </a:r>
+            <a:endParaRPr lang="ru-RU" dirty="0"/>
+          </a:p>
+        </p:txBody>
+      </p:sp>
+      <p:pic>
+        <p:nvPicPr>
+          <p:cNvPr id="9218" name="Picture 2"/>
+          <p:cNvPicPr>
+            <a:picLocks noChangeAspect="1" noChangeArrowheads="1"/>
+          </p:cNvPicPr>
+          <p:nvPr/>
+        </p:nvPicPr>
+        <p:blipFill>
+          <a:blip r:embed="rId3" cstate="print"/>
+          <a:srcRect/>
+          <a:stretch>
+            <a:fillRect/>
+          </a:stretch>
+        </p:blipFill>
+        <p:spPr bwMode="auto">
+          <a:xfrm>
+            <a:off x="467544" y="1512285"/>
+            <a:ext cx="8077994" cy="5345715"/>
+          </a:xfrm>
+          <a:prstGeom prst="rect">
+            <a:avLst/>
+          </a:prstGeom>
+          <a:noFill/>
+          <a:ln w="9525">
+            <a:noFill/>
+            <a:miter lim="800000"/>
+            <a:headEnd/>
+            <a:tailEnd/>
+          </a:ln>
+          <a:effectLst/>
+        </p:spPr>
+      </p:pic>
+    </p:spTree>
+  </p:cSld>
+  <p:clrMapOvr>
+    <a:masterClrMapping/>
+  </p:clrMapOvr>
+  <p:timing>
+    <p:tnLst>
+      <p:par>
+        <p:cTn id="1" dur="indefinite" restart="never" nodeType="tmRoot"/>
+      </p:par>
+    </p:tnLst>
+  </p:timing>
+</p:sld>
+</file>
+
+<file path=ppt/slides/slide16.xml><?xml version="1.0" encoding="utf-8"?>
+<p:sld xmlns:a="http://schemas.openxmlformats.org/drawingml/2006/main" xmlns:r="http://schemas.openxmlformats.org/officeDocument/2006/relationships" xmlns:p="http://schemas.openxmlformats.org/presentationml/2006/main">
+  <p:cSld>
+    <p:spTree>
+      <p:nvGrpSpPr>
+        <p:cNvPr id="1" name=""/>
+        <p:cNvGrpSpPr/>
+        <p:nvPr/>
+      </p:nvGrpSpPr>
+      <p:grpSpPr>
+        <a:xfrm>
+          <a:off x="0" y="0"/>
+          <a:ext cx="0" cy="0"/>
+          <a:chOff x="0" y="0"/>
+          <a:chExt cx="0" cy="0"/>
+        </a:xfrm>
+      </p:grpSpPr>
       <p:sp>
         <p:nvSpPr>
           <p:cNvPr id="3" name="Google Shape;1506;p91"/>
@@ -5220,7 +5563,7 @@
 </p:sld>
 </file>
 
-<file path=ppt/slides/slide14.xml><?xml version="1.0" encoding="utf-8"?>
+<file path=ppt/slides/slide17.xml><?xml version="1.0" encoding="utf-8"?>
 <p:sld xmlns:a="http://schemas.openxmlformats.org/drawingml/2006/main" xmlns:r="http://schemas.openxmlformats.org/officeDocument/2006/relationships" xmlns:p="http://schemas.openxmlformats.org/presentationml/2006/main">
   <p:cSld>
     <p:spTree>
@@ -5437,7 +5780,7 @@
 </p:sld>
 </file>
 
-<file path=ppt/slides/slide15.xml><?xml version="1.0" encoding="utf-8"?>
+<file path=ppt/slides/slide18.xml><?xml version="1.0" encoding="utf-8"?>
 <p:sld xmlns:a="http://schemas.openxmlformats.org/drawingml/2006/main" xmlns:r="http://schemas.openxmlformats.org/officeDocument/2006/relationships" xmlns:p="http://schemas.openxmlformats.org/presentationml/2006/main">
   <p:cSld>
     <p:spTree>
@@ -5510,13 +5853,25 @@
           <a:p>
             <a:r>
               <a:rPr lang="en-US" sz="1400" dirty="0" smtClean="0"/>
-              <a:t>F1 Score linear regression:  0.6017759562841529</a:t>
-            </a:r>
-          </a:p>
-          <a:p>
+              <a:t>Accuracy </a:t>
+            </a:r>
             <a:r>
               <a:rPr lang="en-US" sz="1400" dirty="0" smtClean="0"/>
-              <a:t>F1 Score decision tree. Depth=3:  0.425</a:t>
+              <a:t>linear </a:t>
+            </a:r>
+            <a:r>
+              <a:rPr lang="en-US" sz="1400" dirty="0" smtClean="0"/>
+              <a:t>regression:  0.6017759562841529</a:t>
+            </a:r>
+          </a:p>
+          <a:p>
+            <a:r>
+              <a:rPr lang="en-US" sz="1400" dirty="0"/>
+              <a:t>Accuracy decision </a:t>
+            </a:r>
+            <a:r>
+              <a:rPr lang="en-US" sz="1400" dirty="0" smtClean="0"/>
+              <a:t>tree. Depth=3:  0.425</a:t>
             </a:r>
             <a:endParaRPr lang="ru-RU" sz="1400" dirty="0" smtClean="0"/>
           </a:p>
@@ -5685,7 +6040,7 @@
 </p:sld>
 </file>
 
-<file path=ppt/slides/slide16.xml><?xml version="1.0" encoding="utf-8"?>
+<file path=ppt/slides/slide19.xml><?xml version="1.0" encoding="utf-8"?>
 <p:sld xmlns:a="http://schemas.openxmlformats.org/drawingml/2006/main" xmlns:r="http://schemas.openxmlformats.org/officeDocument/2006/relationships" xmlns:p="http://schemas.openxmlformats.org/presentationml/2006/main">
   <p:cSld>
     <p:spTree>
@@ -5868,7 +6223,266 @@
 </p:sld>
 </file>
 
-<file path=ppt/slides/slide17.xml><?xml version="1.0" encoding="utf-8"?>
+<file path=ppt/slides/slide2.xml><?xml version="1.0" encoding="utf-8"?>
+<p:sld xmlns:a="http://schemas.openxmlformats.org/drawingml/2006/main" xmlns:r="http://schemas.openxmlformats.org/officeDocument/2006/relationships" xmlns:p="http://schemas.openxmlformats.org/presentationml/2006/main">
+  <p:cSld>
+    <p:spTree>
+      <p:nvGrpSpPr>
+        <p:cNvPr id="1" name=""/>
+        <p:cNvGrpSpPr/>
+        <p:nvPr/>
+      </p:nvGrpSpPr>
+      <p:grpSpPr>
+        <a:xfrm>
+          <a:off x="0" y="0"/>
+          <a:ext cx="0" cy="0"/>
+          <a:chOff x="0" y="0"/>
+          <a:chExt cx="0" cy="0"/>
+        </a:xfrm>
+      </p:grpSpPr>
+      <p:sp>
+        <p:nvSpPr>
+          <p:cNvPr id="2" name="Прямоугольник 1"/>
+          <p:cNvSpPr/>
+          <p:nvPr/>
+        </p:nvSpPr>
+        <p:spPr>
+          <a:xfrm>
+            <a:off x="275925" y="788740"/>
+            <a:ext cx="8964488" cy="3259097"/>
+          </a:xfrm>
+          <a:prstGeom prst="rect">
+            <a:avLst/>
+          </a:prstGeom>
+        </p:spPr>
+        <p:txBody>
+          <a:bodyPr wrap="square">
+            <a:spAutoFit/>
+          </a:bodyPr>
+          <a:lstStyle/>
+          <a:p>
+            <a:pPr marL="342900" lvl="0" indent="-342900">
+              <a:lnSpc>
+                <a:spcPct val="115000"/>
+              </a:lnSpc>
+              <a:spcAft>
+                <a:spcPts val="0"/>
+              </a:spcAft>
+              <a:buFont typeface="+mj-lt"/>
+              <a:buAutoNum type="arabicPeriod"/>
+            </a:pPr>
+            <a:r>
+              <a:rPr lang="ru-RU" dirty="0" smtClean="0">
+                <a:latin typeface="Calibri" panose="020F0502020204030204" pitchFamily="34" charset="0"/>
+                <a:ea typeface="Calibri" panose="020F0502020204030204" pitchFamily="34" charset="0"/>
+                <a:cs typeface="Times New Roman" panose="02020603050405020304" pitchFamily="18" charset="0"/>
+              </a:rPr>
+              <a:t>Реализовать модуль для подключения к </a:t>
+            </a:r>
+            <a:r>
+              <a:rPr lang="ru-RU" dirty="0" err="1" smtClean="0">
+                <a:latin typeface="Calibri" panose="020F0502020204030204" pitchFamily="34" charset="0"/>
+                <a:ea typeface="Calibri" panose="020F0502020204030204" pitchFamily="34" charset="0"/>
+                <a:cs typeface="Times New Roman" panose="02020603050405020304" pitchFamily="18" charset="0"/>
+              </a:rPr>
+              <a:t>криптовалютной</a:t>
+            </a:r>
+            <a:r>
+              <a:rPr lang="ru-RU" dirty="0" smtClean="0">
+                <a:latin typeface="Calibri" panose="020F0502020204030204" pitchFamily="34" charset="0"/>
+                <a:ea typeface="Calibri" panose="020F0502020204030204" pitchFamily="34" charset="0"/>
+                <a:cs typeface="Times New Roman" panose="02020603050405020304" pitchFamily="18" charset="0"/>
+              </a:rPr>
+              <a:t> бирже </a:t>
+            </a:r>
+            <a:r>
+              <a:rPr lang="en-US" dirty="0" err="1" smtClean="0">
+                <a:latin typeface="Calibri" panose="020F0502020204030204" pitchFamily="34" charset="0"/>
+                <a:ea typeface="Calibri" panose="020F0502020204030204" pitchFamily="34" charset="0"/>
+                <a:cs typeface="Times New Roman" panose="02020603050405020304" pitchFamily="18" charset="0"/>
+              </a:rPr>
+              <a:t>Binance</a:t>
+            </a:r>
+            <a:r>
+              <a:rPr lang="ru-RU" dirty="0" smtClean="0">
+                <a:latin typeface="Calibri" panose="020F0502020204030204" pitchFamily="34" charset="0"/>
+                <a:ea typeface="Calibri" panose="020F0502020204030204" pitchFamily="34" charset="0"/>
+                <a:cs typeface="Times New Roman" panose="02020603050405020304" pitchFamily="18" charset="0"/>
+              </a:rPr>
+              <a:t> и получения торговых данных, таких как: цена, стакан, объемы торгов;</a:t>
+            </a:r>
+          </a:p>
+          <a:p>
+            <a:pPr marL="342900" lvl="0" indent="-342900">
+              <a:lnSpc>
+                <a:spcPct val="115000"/>
+              </a:lnSpc>
+              <a:spcAft>
+                <a:spcPts val="0"/>
+              </a:spcAft>
+              <a:buFont typeface="+mj-lt"/>
+              <a:buAutoNum type="arabicPeriod"/>
+            </a:pPr>
+            <a:r>
+              <a:rPr lang="ru-RU" dirty="0" smtClean="0">
+                <a:latin typeface="Calibri" panose="020F0502020204030204" pitchFamily="34" charset="0"/>
+                <a:ea typeface="Calibri" panose="020F0502020204030204" pitchFamily="34" charset="0"/>
+                <a:cs typeface="Times New Roman" panose="02020603050405020304" pitchFamily="18" charset="0"/>
+              </a:rPr>
+              <a:t>Реализовать модуль агрегации торговых данных для получения математических величин, таких как: среднее, стандартное отклонение, дисперсия, максимум, минимум, сумма.</a:t>
+            </a:r>
+          </a:p>
+          <a:p>
+            <a:pPr marL="342900" lvl="0" indent="-342900">
+              <a:lnSpc>
+                <a:spcPct val="115000"/>
+              </a:lnSpc>
+              <a:spcAft>
+                <a:spcPts val="0"/>
+              </a:spcAft>
+              <a:buFont typeface="+mj-lt"/>
+              <a:buAutoNum type="arabicPeriod"/>
+            </a:pPr>
+            <a:r>
+              <a:rPr lang="ru-RU" dirty="0" smtClean="0">
+                <a:latin typeface="Calibri" panose="020F0502020204030204" pitchFamily="34" charset="0"/>
+                <a:ea typeface="Calibri" panose="020F0502020204030204" pitchFamily="34" charset="0"/>
+                <a:cs typeface="Times New Roman" panose="02020603050405020304" pitchFamily="18" charset="0"/>
+              </a:rPr>
+              <a:t>Провести анализ данных,  для выявления параметров, которые косвенно влияют на цены торговой пары.</a:t>
+            </a:r>
+          </a:p>
+          <a:p>
+            <a:pPr marL="342900" lvl="0" indent="-342900">
+              <a:lnSpc>
+                <a:spcPct val="115000"/>
+              </a:lnSpc>
+              <a:spcAft>
+                <a:spcPts val="0"/>
+              </a:spcAft>
+              <a:buFont typeface="+mj-lt"/>
+              <a:buAutoNum type="arabicPeriod"/>
+            </a:pPr>
+            <a:r>
+              <a:rPr lang="ru-RU" dirty="0" smtClean="0">
+                <a:latin typeface="Calibri" panose="020F0502020204030204" pitchFamily="34" charset="0"/>
+                <a:ea typeface="Calibri" panose="020F0502020204030204" pitchFamily="34" charset="0"/>
+                <a:cs typeface="Times New Roman" panose="02020603050405020304" pitchFamily="18" charset="0"/>
+              </a:rPr>
+              <a:t>Разработать программный комплекс для анализа агрегированных данных, по принципам сингулярного спектрального анализа </a:t>
+            </a:r>
+          </a:p>
+          <a:p>
+            <a:pPr marL="342900" lvl="0" indent="-342900">
+              <a:lnSpc>
+                <a:spcPct val="115000"/>
+              </a:lnSpc>
+              <a:spcAft>
+                <a:spcPts val="1000"/>
+              </a:spcAft>
+              <a:buFont typeface="+mj-lt"/>
+              <a:buAutoNum type="arabicPeriod"/>
+            </a:pPr>
+            <a:r>
+              <a:rPr lang="ru-RU" dirty="0" smtClean="0">
+                <a:latin typeface="Calibri" panose="020F0502020204030204" pitchFamily="34" charset="0"/>
+                <a:ea typeface="Calibri" panose="020F0502020204030204" pitchFamily="34" charset="0"/>
+                <a:cs typeface="Times New Roman" panose="02020603050405020304" pitchFamily="18" charset="0"/>
+              </a:rPr>
+              <a:t>Разработать модель машинного обучения для предсказания временных рядов</a:t>
+            </a:r>
+            <a:endParaRPr lang="ru-RU" dirty="0">
+              <a:latin typeface="Calibri" panose="020F0502020204030204" pitchFamily="34" charset="0"/>
+              <a:ea typeface="Calibri" panose="020F0502020204030204" pitchFamily="34" charset="0"/>
+              <a:cs typeface="Times New Roman" panose="02020603050405020304" pitchFamily="18" charset="0"/>
+            </a:endParaRPr>
+          </a:p>
+        </p:txBody>
+      </p:sp>
+      <p:sp>
+        <p:nvSpPr>
+          <p:cNvPr id="4" name="Google Shape;901;p55"/>
+          <p:cNvSpPr txBox="1"/>
+          <p:nvPr/>
+        </p:nvSpPr>
+        <p:spPr>
+          <a:xfrm>
+            <a:off x="275925" y="326400"/>
+            <a:ext cx="7146000" cy="438304"/>
+          </a:xfrm>
+          <a:prstGeom prst="rect">
+            <a:avLst/>
+          </a:prstGeom>
+          <a:noFill/>
+          <a:ln>
+            <a:noFill/>
+          </a:ln>
+        </p:spPr>
+        <p:txBody>
+          <a:bodyPr spcFirstLastPara="1" wrap="square" lIns="0" tIns="0" rIns="0" bIns="0" anchor="t" anchorCtr="0">
+            <a:noAutofit/>
+          </a:bodyPr>
+          <a:lstStyle/>
+          <a:p>
+            <a:pPr>
+              <a:lnSpc>
+                <a:spcPct val="80000"/>
+              </a:lnSpc>
+              <a:buClr>
+                <a:schemeClr val="dk1"/>
+              </a:buClr>
+              <a:buSzPts val="1100"/>
+            </a:pPr>
+            <a:r>
+              <a:rPr lang="ru-RU" sz="2400" b="1" dirty="0" smtClean="0">
+                <a:latin typeface="Proxima Nova"/>
+                <a:ea typeface="Proxima Nova"/>
+                <a:cs typeface="Proxima Nova"/>
+              </a:rPr>
+              <a:t>Цели </a:t>
+            </a:r>
+            <a:r>
+              <a:rPr lang="ru-RU" sz="2400" b="1" dirty="0">
+                <a:latin typeface="Proxima Nova"/>
+                <a:ea typeface="Proxima Nova"/>
+                <a:cs typeface="Proxima Nova"/>
+              </a:rPr>
+              <a:t>проекта</a:t>
+            </a:r>
+          </a:p>
+          <a:p>
+            <a:pPr>
+              <a:lnSpc>
+                <a:spcPct val="80000"/>
+              </a:lnSpc>
+              <a:buClr>
+                <a:schemeClr val="dk1"/>
+              </a:buClr>
+              <a:buSzPts val="1100"/>
+            </a:pPr>
+            <a:endParaRPr sz="2400" b="1" dirty="0">
+              <a:latin typeface="Proxima Nova"/>
+              <a:ea typeface="Proxima Nova"/>
+              <a:cs typeface="Proxima Nova"/>
+              <a:sym typeface="Proxima Nova"/>
+            </a:endParaRPr>
+          </a:p>
+        </p:txBody>
+      </p:sp>
+    </p:spTree>
+    <p:extLst>
+      <p:ext uri="{BB962C8B-B14F-4D97-AF65-F5344CB8AC3E}">
+        <p14:creationId xmlns:p14="http://schemas.microsoft.com/office/powerpoint/2010/main" val="3663381274"/>
+      </p:ext>
+    </p:extLst>
+  </p:cSld>
+  <p:clrMapOvr>
+    <a:masterClrMapping/>
+  </p:clrMapOvr>
+</p:sld>
+</file>
+
+<file path=ppt/slides/slide20.xml><?xml version="1.0" encoding="utf-8"?>
 <p:sld xmlns:a="http://schemas.openxmlformats.org/drawingml/2006/main" xmlns:r="http://schemas.openxmlformats.org/officeDocument/2006/relationships" xmlns:p="http://schemas.openxmlformats.org/presentationml/2006/main">
   <p:cSld>
     <p:spTree>
@@ -6086,7 +6700,7 @@
 </p:sld>
 </file>
 
-<file path=ppt/slides/slide18.xml><?xml version="1.0" encoding="utf-8"?>
+<file path=ppt/slides/slide21.xml><?xml version="1.0" encoding="utf-8"?>
 <p:sld xmlns:a="http://schemas.openxmlformats.org/drawingml/2006/main" xmlns:r="http://schemas.openxmlformats.org/officeDocument/2006/relationships" xmlns:p="http://schemas.openxmlformats.org/presentationml/2006/main">
   <p:cSld>
     <p:spTree>
@@ -6181,7 +6795,7 @@
 </p:sld>
 </file>
 
-<file path=ppt/slides/slide19.xml><?xml version="1.0" encoding="utf-8"?>
+<file path=ppt/slides/slide22.xml><?xml version="1.0" encoding="utf-8"?>
 <p:sld xmlns:a="http://schemas.openxmlformats.org/drawingml/2006/main" xmlns:r="http://schemas.openxmlformats.org/officeDocument/2006/relationships" xmlns:p="http://schemas.openxmlformats.org/presentationml/2006/main">
   <p:cSld>
     <p:spTree>
@@ -6487,7 +7101,1212 @@
 </p:sld>
 </file>
 
-<file path=ppt/slides/slide2.xml><?xml version="1.0" encoding="utf-8"?>
+<file path=ppt/slides/slide23.xml><?xml version="1.0" encoding="utf-8"?>
+<p:sld xmlns:a="http://schemas.openxmlformats.org/drawingml/2006/main" xmlns:r="http://schemas.openxmlformats.org/officeDocument/2006/relationships" xmlns:p="http://schemas.openxmlformats.org/presentationml/2006/main">
+  <p:cSld>
+    <p:spTree>
+      <p:nvGrpSpPr>
+        <p:cNvPr id="1" name=""/>
+        <p:cNvGrpSpPr/>
+        <p:nvPr/>
+      </p:nvGrpSpPr>
+      <p:grpSpPr>
+        <a:xfrm>
+          <a:off x="0" y="0"/>
+          <a:ext cx="0" cy="0"/>
+          <a:chOff x="0" y="0"/>
+          <a:chExt cx="0" cy="0"/>
+        </a:xfrm>
+      </p:grpSpPr>
+      <p:pic>
+        <p:nvPicPr>
+          <p:cNvPr id="6146" name="Picture 2"/>
+          <p:cNvPicPr>
+            <a:picLocks noChangeAspect="1" noChangeArrowheads="1"/>
+          </p:cNvPicPr>
+          <p:nvPr/>
+        </p:nvPicPr>
+        <p:blipFill>
+          <a:blip r:embed="rId2" cstate="print"/>
+          <a:srcRect/>
+          <a:stretch>
+            <a:fillRect/>
+          </a:stretch>
+        </p:blipFill>
+        <p:spPr bwMode="auto">
+          <a:xfrm>
+            <a:off x="323528" y="1412776"/>
+            <a:ext cx="8486882" cy="4664546"/>
+          </a:xfrm>
+          <a:prstGeom prst="rect">
+            <a:avLst/>
+          </a:prstGeom>
+          <a:noFill/>
+          <a:ln w="9525">
+            <a:noFill/>
+            <a:miter lim="800000"/>
+            <a:headEnd/>
+            <a:tailEnd/>
+          </a:ln>
+          <a:effectLst/>
+        </p:spPr>
+      </p:pic>
+      <p:sp>
+        <p:nvSpPr>
+          <p:cNvPr id="3" name="Прямоугольник 2"/>
+          <p:cNvSpPr/>
+          <p:nvPr/>
+        </p:nvSpPr>
+        <p:spPr>
+          <a:xfrm>
+            <a:off x="0" y="188640"/>
+            <a:ext cx="8856984" cy="683264"/>
+          </a:xfrm>
+          <a:prstGeom prst="rect">
+            <a:avLst/>
+          </a:prstGeom>
+        </p:spPr>
+        <p:txBody>
+          <a:bodyPr wrap="square">
+            <a:spAutoFit/>
+          </a:bodyPr>
+          <a:lstStyle/>
+          <a:p>
+            <a:pPr algn="ctr">
+              <a:lnSpc>
+                <a:spcPct val="80000"/>
+              </a:lnSpc>
+            </a:pPr>
+            <a:r>
+              <a:rPr lang="ru-RU" sz="2400" b="1" dirty="0" smtClean="0">
+                <a:latin typeface="Proxima Nova"/>
+                <a:ea typeface="Proxima Nova"/>
+                <a:cs typeface="Proxima Nova"/>
+                <a:sym typeface="Proxima Nova"/>
+              </a:rPr>
+              <a:t>Теоретическое использование методов главных компонентов в </a:t>
+            </a:r>
+            <a:r>
+              <a:rPr lang="en-US" sz="2400" b="1" dirty="0" smtClean="0">
+                <a:latin typeface="Proxima Nova"/>
+                <a:ea typeface="Proxima Nova"/>
+                <a:cs typeface="Proxima Nova"/>
+                <a:sym typeface="Proxima Nova"/>
+              </a:rPr>
+              <a:t>ARIMA</a:t>
+            </a:r>
+            <a:endParaRPr lang="ru-RU" sz="2400" b="1" dirty="0">
+              <a:latin typeface="Proxima Nova"/>
+              <a:ea typeface="Proxima Nova"/>
+              <a:cs typeface="Proxima Nova"/>
+              <a:sym typeface="Proxima Nova"/>
+            </a:endParaRPr>
+          </a:p>
+        </p:txBody>
+      </p:sp>
+    </p:spTree>
+  </p:cSld>
+  <p:clrMapOvr>
+    <a:masterClrMapping/>
+  </p:clrMapOvr>
+</p:sld>
+</file>
+
+<file path=ppt/slides/slide24.xml><?xml version="1.0" encoding="utf-8"?>
+<p:sld xmlns:a="http://schemas.openxmlformats.org/drawingml/2006/main" xmlns:r="http://schemas.openxmlformats.org/officeDocument/2006/relationships" xmlns:p="http://schemas.openxmlformats.org/presentationml/2006/main">
+  <p:cSld>
+    <p:spTree>
+      <p:nvGrpSpPr>
+        <p:cNvPr id="1" name=""/>
+        <p:cNvGrpSpPr/>
+        <p:nvPr/>
+      </p:nvGrpSpPr>
+      <p:grpSpPr>
+        <a:xfrm>
+          <a:off x="0" y="0"/>
+          <a:ext cx="0" cy="0"/>
+          <a:chOff x="0" y="0"/>
+          <a:chExt cx="0" cy="0"/>
+        </a:xfrm>
+      </p:grpSpPr>
+      <p:pic>
+        <p:nvPicPr>
+          <p:cNvPr id="5123" name="Picture 3"/>
+          <p:cNvPicPr>
+            <a:picLocks noChangeAspect="1" noChangeArrowheads="1"/>
+          </p:cNvPicPr>
+          <p:nvPr/>
+        </p:nvPicPr>
+        <p:blipFill>
+          <a:blip r:embed="rId2" cstate="print"/>
+          <a:srcRect/>
+          <a:stretch>
+            <a:fillRect/>
+          </a:stretch>
+        </p:blipFill>
+        <p:spPr bwMode="auto">
+          <a:xfrm>
+            <a:off x="371387" y="764704"/>
+            <a:ext cx="8612576" cy="5618386"/>
+          </a:xfrm>
+          <a:prstGeom prst="rect">
+            <a:avLst/>
+          </a:prstGeom>
+          <a:noFill/>
+          <a:ln w="9525">
+            <a:noFill/>
+            <a:miter lim="800000"/>
+            <a:headEnd/>
+            <a:tailEnd/>
+          </a:ln>
+          <a:effectLst/>
+        </p:spPr>
+      </p:pic>
+      <p:sp>
+        <p:nvSpPr>
+          <p:cNvPr id="4" name="Прямоугольник 3"/>
+          <p:cNvSpPr/>
+          <p:nvPr/>
+        </p:nvSpPr>
+        <p:spPr>
+          <a:xfrm>
+            <a:off x="251520" y="116632"/>
+            <a:ext cx="7120091" cy="461665"/>
+          </a:xfrm>
+          <a:prstGeom prst="rect">
+            <a:avLst/>
+          </a:prstGeom>
+        </p:spPr>
+        <p:txBody>
+          <a:bodyPr wrap="none">
+            <a:spAutoFit/>
+          </a:bodyPr>
+          <a:lstStyle/>
+          <a:p>
+            <a:r>
+              <a:rPr lang="en-US" sz="2400" b="1" dirty="0"/>
+              <a:t>ADF. </a:t>
+            </a:r>
+            <a:r>
+              <a:rPr lang="ru-RU" sz="2400" b="1" dirty="0"/>
+              <a:t>Определим </a:t>
+            </a:r>
+            <a:r>
+              <a:rPr lang="ru-RU" sz="2400" b="1" dirty="0" smtClean="0"/>
+              <a:t>стационарность ряда после </a:t>
+            </a:r>
+            <a:r>
+              <a:rPr lang="en-US" sz="2400" b="1" dirty="0" err="1" smtClean="0"/>
+              <a:t>boxcox</a:t>
+            </a:r>
+            <a:endParaRPr lang="ru-RU" sz="2400" dirty="0"/>
+          </a:p>
+        </p:txBody>
+      </p:sp>
+    </p:spTree>
+  </p:cSld>
+  <p:clrMapOvr>
+    <a:masterClrMapping/>
+  </p:clrMapOvr>
+</p:sld>
+</file>
+
+<file path=ppt/slides/slide25.xml><?xml version="1.0" encoding="utf-8"?>
+<p:sld xmlns:a="http://schemas.openxmlformats.org/drawingml/2006/main" xmlns:r="http://schemas.openxmlformats.org/officeDocument/2006/relationships" xmlns:p="http://schemas.openxmlformats.org/presentationml/2006/main">
+  <p:cSld>
+    <p:spTree>
+      <p:nvGrpSpPr>
+        <p:cNvPr id="1" name=""/>
+        <p:cNvGrpSpPr/>
+        <p:nvPr/>
+      </p:nvGrpSpPr>
+      <p:grpSpPr>
+        <a:xfrm>
+          <a:off x="0" y="0"/>
+          <a:ext cx="0" cy="0"/>
+          <a:chOff x="0" y="0"/>
+          <a:chExt cx="0" cy="0"/>
+        </a:xfrm>
+      </p:grpSpPr>
+      <p:pic>
+        <p:nvPicPr>
+          <p:cNvPr id="7170" name="Picture 2"/>
+          <p:cNvPicPr>
+            <a:picLocks noChangeAspect="1" noChangeArrowheads="1"/>
+          </p:cNvPicPr>
+          <p:nvPr/>
+        </p:nvPicPr>
+        <p:blipFill>
+          <a:blip r:embed="rId2" cstate="print"/>
+          <a:srcRect/>
+          <a:stretch>
+            <a:fillRect/>
+          </a:stretch>
+        </p:blipFill>
+        <p:spPr bwMode="auto">
+          <a:xfrm>
+            <a:off x="683568" y="1700808"/>
+            <a:ext cx="7667005" cy="4375265"/>
+          </a:xfrm>
+          <a:prstGeom prst="rect">
+            <a:avLst/>
+          </a:prstGeom>
+          <a:noFill/>
+          <a:ln w="9525">
+            <a:noFill/>
+            <a:miter lim="800000"/>
+            <a:headEnd/>
+            <a:tailEnd/>
+          </a:ln>
+          <a:effectLst/>
+        </p:spPr>
+      </p:pic>
+      <p:sp>
+        <p:nvSpPr>
+          <p:cNvPr id="3" name="Прямоугольник 2"/>
+          <p:cNvSpPr/>
+          <p:nvPr/>
+        </p:nvSpPr>
+        <p:spPr>
+          <a:xfrm>
+            <a:off x="251520" y="116632"/>
+            <a:ext cx="6994479" cy="461665"/>
+          </a:xfrm>
+          <a:prstGeom prst="rect">
+            <a:avLst/>
+          </a:prstGeom>
+        </p:spPr>
+        <p:txBody>
+          <a:bodyPr wrap="none">
+            <a:spAutoFit/>
+          </a:bodyPr>
+          <a:lstStyle/>
+          <a:p>
+            <a:r>
+              <a:rPr lang="ru-RU" sz="2400" b="1" dirty="0" smtClean="0"/>
+              <a:t>Построим модель </a:t>
+            </a:r>
+            <a:r>
+              <a:rPr lang="en-US" sz="2400" b="1" dirty="0" smtClean="0"/>
+              <a:t>ARIMA </a:t>
+            </a:r>
+            <a:r>
+              <a:rPr lang="ru-RU" sz="2400" b="1" dirty="0" smtClean="0"/>
+              <a:t>и предскажем 200 шагов</a:t>
+            </a:r>
+            <a:endParaRPr lang="ru-RU" sz="2400" dirty="0"/>
+          </a:p>
+        </p:txBody>
+      </p:sp>
+    </p:spTree>
+  </p:cSld>
+  <p:clrMapOvr>
+    <a:masterClrMapping/>
+  </p:clrMapOvr>
+</p:sld>
+</file>
+
+<file path=ppt/slides/slide26.xml><?xml version="1.0" encoding="utf-8"?>
+<p:sld xmlns:a="http://schemas.openxmlformats.org/drawingml/2006/main" xmlns:r="http://schemas.openxmlformats.org/officeDocument/2006/relationships" xmlns:p="http://schemas.openxmlformats.org/presentationml/2006/main">
+  <p:cSld>
+    <p:spTree>
+      <p:nvGrpSpPr>
+        <p:cNvPr id="1" name=""/>
+        <p:cNvGrpSpPr/>
+        <p:nvPr/>
+      </p:nvGrpSpPr>
+      <p:grpSpPr>
+        <a:xfrm>
+          <a:off x="0" y="0"/>
+          <a:ext cx="0" cy="0"/>
+          <a:chOff x="0" y="0"/>
+          <a:chExt cx="0" cy="0"/>
+        </a:xfrm>
+      </p:grpSpPr>
+      <p:sp>
+        <p:nvSpPr>
+          <p:cNvPr id="3" name="Rectangle 2"/>
+          <p:cNvSpPr>
+            <a:spLocks noChangeArrowheads="1"/>
+          </p:cNvSpPr>
+          <p:nvPr/>
+        </p:nvSpPr>
+        <p:spPr bwMode="auto">
+          <a:xfrm>
+            <a:off x="611560" y="980728"/>
+            <a:ext cx="7308304" cy="3431709"/>
+          </a:xfrm>
+          <a:prstGeom prst="rect">
+            <a:avLst/>
+          </a:prstGeom>
+          <a:solidFill>
+            <a:srgbClr val="FFFFFF"/>
+          </a:solidFill>
+          <a:ln>
+            <a:noFill/>
+          </a:ln>
+          <a:effectLst/>
+          <a:extLst>
+            <a:ext uri="{91240B29-F687-4F45-9708-019B960494DF}">
+              <a14:hiddenLine xmlns:a14="http://schemas.microsoft.com/office/drawing/2010/main" w="9525">
+                <a:solidFill>
+                  <a:schemeClr val="tx1"/>
+                </a:solidFill>
+                <a:miter lim="800000"/>
+                <a:headEnd/>
+                <a:tailEnd/>
+              </a14:hiddenLine>
+            </a:ext>
+            <a:ext uri="{AF507438-7753-43E0-B8FC-AC1667EBCBE1}">
+              <a14:hiddenEffects xmlns:a14="http://schemas.microsoft.com/office/drawing/2010/main">
+                <a:effectLst>
+                  <a:outerShdw dist="35921" dir="2700000" algn="ctr" rotWithShape="0">
+                    <a:schemeClr val="bg2"/>
+                  </a:outerShdw>
+                </a:effectLst>
+              </a14:hiddenEffects>
+            </a:ext>
+          </a:extLst>
+        </p:spPr>
+        <p:txBody>
+          <a:bodyPr vert="horz" wrap="square" lIns="91440" tIns="45720" rIns="91440" bIns="0" numCol="1" anchor="ctr" anchorCtr="0" compatLnSpc="1">
+            <a:prstTxWarp prst="textNoShape">
+              <a:avLst/>
+            </a:prstTxWarp>
+            <a:spAutoFit/>
+          </a:bodyPr>
+          <a:lstStyle/>
+          <a:p>
+            <a:pPr marL="0" marR="0" lvl="0" indent="0" algn="l" defTabSz="914400" rtl="0" eaLnBrk="0" fontAlgn="base" latinLnBrk="0" hangingPunct="0">
+              <a:lnSpc>
+                <a:spcPct val="100000"/>
+              </a:lnSpc>
+              <a:spcBef>
+                <a:spcPct val="0"/>
+              </a:spcBef>
+              <a:spcAft>
+                <a:spcPct val="0"/>
+              </a:spcAft>
+              <a:buClrTx/>
+              <a:buSzTx/>
+              <a:buFontTx/>
+              <a:buNone/>
+              <a:tabLst/>
+            </a:pPr>
+            <a:r>
+              <a:rPr kumimoji="0" lang="ru-RU" altLang="ru-RU" sz="2000" b="0" i="0" u="none" strike="noStrike" cap="none" normalizeH="0" baseline="0" dirty="0" smtClean="0">
+                <a:ln>
+                  <a:noFill/>
+                </a:ln>
+                <a:solidFill>
+                  <a:schemeClr val="tx1"/>
+                </a:solidFill>
+                <a:effectLst/>
+                <a:latin typeface="Arial Unicode MS"/>
+                <a:ea typeface="Calibri" panose="020F0502020204030204" pitchFamily="34" charset="0"/>
+                <a:cs typeface="Times New Roman" panose="02020603050405020304" pitchFamily="18" charset="0"/>
+              </a:rPr>
+              <a:t>Итоговая модель ARIMA имеет следующие показатели точности </a:t>
+            </a:r>
+            <a:r>
+              <a:rPr kumimoji="0" lang="en-US" altLang="ru-RU" sz="2000" b="0" i="0" u="none" strike="noStrike" cap="none" normalizeH="0" baseline="0" dirty="0" smtClean="0">
+                <a:ln>
+                  <a:noFill/>
+                </a:ln>
+                <a:solidFill>
+                  <a:schemeClr val="tx1"/>
+                </a:solidFill>
+                <a:effectLst/>
+                <a:latin typeface="Arial Unicode MS"/>
+                <a:ea typeface="Calibri" panose="020F0502020204030204" pitchFamily="34" charset="0"/>
+                <a:cs typeface="Times New Roman" panose="02020603050405020304" pitchFamily="18" charset="0"/>
+              </a:rPr>
+              <a:t>AIC</a:t>
+            </a:r>
+            <a:r>
+              <a:rPr kumimoji="0" lang="ru-RU" altLang="ru-RU" sz="2000" b="0" i="0" u="none" strike="noStrike" cap="none" normalizeH="0" baseline="0" dirty="0" smtClean="0">
+                <a:ln>
+                  <a:noFill/>
+                </a:ln>
+                <a:solidFill>
+                  <a:schemeClr val="tx1"/>
+                </a:solidFill>
+                <a:effectLst/>
+                <a:latin typeface="Arial Unicode MS"/>
+                <a:ea typeface="Calibri" panose="020F0502020204030204" pitchFamily="34" charset="0"/>
+                <a:cs typeface="Times New Roman" panose="02020603050405020304" pitchFamily="18" charset="0"/>
+              </a:rPr>
+              <a:t>: -5331.31815, что является наилучшими показателями подбираемых моделей из доступных значений параметров 5х5х5. При этом наилучшими параметрами оказались значения: 3, 0, 4.	</a:t>
+            </a:r>
+            <a:endParaRPr kumimoji="0" lang="en-US" altLang="ru-RU" sz="2000" b="0" i="0" u="none" strike="noStrike" cap="none" normalizeH="0" baseline="0" dirty="0" smtClean="0">
+              <a:ln>
+                <a:noFill/>
+              </a:ln>
+              <a:solidFill>
+                <a:schemeClr val="tx1"/>
+              </a:solidFill>
+              <a:effectLst/>
+              <a:latin typeface="Arial Unicode MS"/>
+              <a:ea typeface="Calibri" panose="020F0502020204030204" pitchFamily="34" charset="0"/>
+              <a:cs typeface="Times New Roman" panose="02020603050405020304" pitchFamily="18" charset="0"/>
+            </a:endParaRPr>
+          </a:p>
+          <a:p>
+            <a:pPr marL="0" marR="0" lvl="0" indent="0" algn="l" defTabSz="914400" rtl="0" eaLnBrk="0" fontAlgn="base" latinLnBrk="0" hangingPunct="0">
+              <a:lnSpc>
+                <a:spcPct val="100000"/>
+              </a:lnSpc>
+              <a:spcBef>
+                <a:spcPct val="0"/>
+              </a:spcBef>
+              <a:spcAft>
+                <a:spcPct val="0"/>
+              </a:spcAft>
+              <a:buClrTx/>
+              <a:buSzTx/>
+              <a:buFontTx/>
+              <a:buNone/>
+              <a:tabLst/>
+            </a:pPr>
+            <a:endParaRPr lang="en-US" altLang="ru-RU" sz="2000" dirty="0">
+              <a:latin typeface="Arial Unicode MS"/>
+              <a:ea typeface="Calibri" panose="020F0502020204030204" pitchFamily="34" charset="0"/>
+              <a:cs typeface="Times New Roman" panose="02020603050405020304" pitchFamily="18" charset="0"/>
+            </a:endParaRPr>
+          </a:p>
+          <a:p>
+            <a:pPr marL="0" marR="0" lvl="0" indent="0" algn="l" defTabSz="914400" rtl="0" eaLnBrk="0" fontAlgn="base" latinLnBrk="0" hangingPunct="0">
+              <a:lnSpc>
+                <a:spcPct val="100000"/>
+              </a:lnSpc>
+              <a:spcBef>
+                <a:spcPct val="0"/>
+              </a:spcBef>
+              <a:spcAft>
+                <a:spcPct val="0"/>
+              </a:spcAft>
+              <a:buClrTx/>
+              <a:buSzTx/>
+              <a:buFontTx/>
+              <a:buNone/>
+              <a:tabLst/>
+            </a:pPr>
+            <a:endParaRPr kumimoji="0" lang="en-US" altLang="ru-RU" sz="2000" b="0" i="0" u="none" strike="noStrike" cap="none" normalizeH="0" baseline="0" dirty="0" smtClean="0">
+              <a:ln>
+                <a:noFill/>
+              </a:ln>
+              <a:solidFill>
+                <a:schemeClr val="tx1"/>
+              </a:solidFill>
+              <a:effectLst/>
+              <a:latin typeface="Arial Unicode MS"/>
+              <a:ea typeface="Calibri" panose="020F0502020204030204" pitchFamily="34" charset="0"/>
+              <a:cs typeface="Times New Roman" panose="02020603050405020304" pitchFamily="18" charset="0"/>
+            </a:endParaRPr>
+          </a:p>
+          <a:p>
+            <a:pPr marL="0" marR="0" lvl="0" indent="0" algn="l" defTabSz="914400" rtl="0" eaLnBrk="0" fontAlgn="base" latinLnBrk="0" hangingPunct="0">
+              <a:lnSpc>
+                <a:spcPct val="100000"/>
+              </a:lnSpc>
+              <a:spcBef>
+                <a:spcPct val="0"/>
+              </a:spcBef>
+              <a:spcAft>
+                <a:spcPct val="0"/>
+              </a:spcAft>
+              <a:buClrTx/>
+              <a:buSzTx/>
+              <a:buFontTx/>
+              <a:buNone/>
+              <a:tabLst/>
+            </a:pPr>
+            <a:r>
+              <a:rPr kumimoji="0" lang="ru-RU" altLang="ru-RU" sz="2000" b="0" i="0" u="none" strike="noStrike" cap="none" normalizeH="0" baseline="0" dirty="0" smtClean="0">
+                <a:ln>
+                  <a:noFill/>
+                </a:ln>
+                <a:solidFill>
+                  <a:schemeClr val="tx1"/>
+                </a:solidFill>
+                <a:effectLst/>
+                <a:latin typeface="Arial Unicode MS"/>
+                <a:ea typeface="Calibri" panose="020F0502020204030204" pitchFamily="34" charset="0"/>
+                <a:cs typeface="Times New Roman" panose="02020603050405020304" pitchFamily="18" charset="0"/>
+              </a:rPr>
+              <a:t>Выбор наилучших параметров модели </a:t>
+            </a:r>
+            <a:r>
+              <a:rPr kumimoji="0" lang="en-US" altLang="ru-RU" sz="2000" b="0" i="0" u="none" strike="noStrike" cap="none" normalizeH="0" baseline="0" dirty="0" smtClean="0">
+                <a:ln>
+                  <a:noFill/>
+                </a:ln>
+                <a:solidFill>
+                  <a:schemeClr val="tx1"/>
+                </a:solidFill>
+                <a:effectLst/>
+                <a:latin typeface="Arial Unicode MS"/>
+                <a:ea typeface="Calibri" panose="020F0502020204030204" pitchFamily="34" charset="0"/>
+                <a:cs typeface="Times New Roman" panose="02020603050405020304" pitchFamily="18" charset="0"/>
+              </a:rPr>
+              <a:t>ARIMA </a:t>
+            </a:r>
+            <a:r>
+              <a:rPr kumimoji="0" lang="ru-RU" altLang="ru-RU" sz="2000" b="0" i="0" u="none" strike="noStrike" cap="none" normalizeH="0" baseline="0" dirty="0" smtClean="0">
+                <a:ln>
+                  <a:noFill/>
+                </a:ln>
+                <a:solidFill>
+                  <a:schemeClr val="tx1"/>
+                </a:solidFill>
+                <a:effectLst/>
+                <a:latin typeface="Arial Unicode MS"/>
+                <a:ea typeface="Calibri" panose="020F0502020204030204" pitchFamily="34" charset="0"/>
+                <a:cs typeface="Times New Roman" panose="02020603050405020304" pitchFamily="18" charset="0"/>
+              </a:rPr>
+              <a:t>выполнен с помощью циклического обучения моделей </a:t>
+            </a:r>
+            <a:r>
+              <a:rPr kumimoji="0" lang="en-US" altLang="ru-RU" sz="2000" b="0" i="0" u="none" strike="noStrike" cap="none" normalizeH="0" baseline="0" dirty="0" smtClean="0">
+                <a:ln>
+                  <a:noFill/>
+                </a:ln>
+                <a:solidFill>
+                  <a:schemeClr val="tx1"/>
+                </a:solidFill>
+                <a:effectLst/>
+                <a:latin typeface="Arial Unicode MS"/>
+                <a:ea typeface="Calibri" panose="020F0502020204030204" pitchFamily="34" charset="0"/>
+                <a:cs typeface="Times New Roman" panose="02020603050405020304" pitchFamily="18" charset="0"/>
+              </a:rPr>
+              <a:t>ARIMA</a:t>
+            </a:r>
+            <a:r>
+              <a:rPr kumimoji="0" lang="ru-RU" altLang="ru-RU" sz="2000" b="0" i="0" u="none" strike="noStrike" cap="none" normalizeH="0" baseline="0" dirty="0" smtClean="0">
+                <a:ln>
+                  <a:noFill/>
+                </a:ln>
+                <a:solidFill>
+                  <a:schemeClr val="tx1"/>
+                </a:solidFill>
+                <a:effectLst/>
+                <a:latin typeface="Arial Unicode MS"/>
+                <a:ea typeface="Calibri" panose="020F0502020204030204" pitchFamily="34" charset="0"/>
+                <a:cs typeface="Times New Roman" panose="02020603050405020304" pitchFamily="18" charset="0"/>
+              </a:rPr>
+              <a:t> на наборе данных и выборе наилучшего показателя Информационного критерия </a:t>
+            </a:r>
+            <a:r>
+              <a:rPr kumimoji="0" lang="ru-RU" altLang="ru-RU" sz="2000" b="0" i="0" u="none" strike="noStrike" cap="none" normalizeH="0" baseline="0" dirty="0" err="1" smtClean="0">
+                <a:ln>
+                  <a:noFill/>
+                </a:ln>
+                <a:solidFill>
+                  <a:schemeClr val="tx1"/>
+                </a:solidFill>
+                <a:effectLst/>
+                <a:latin typeface="Arial Unicode MS"/>
+                <a:ea typeface="Calibri" panose="020F0502020204030204" pitchFamily="34" charset="0"/>
+                <a:cs typeface="Times New Roman" panose="02020603050405020304" pitchFamily="18" charset="0"/>
+              </a:rPr>
+              <a:t>Акаике</a:t>
+            </a:r>
+            <a:r>
+              <a:rPr kumimoji="0" lang="ru-RU" altLang="ru-RU" sz="2000" b="0" i="0" u="none" strike="noStrike" cap="none" normalizeH="0" baseline="0" dirty="0" smtClean="0">
+                <a:ln>
+                  <a:noFill/>
+                </a:ln>
+                <a:solidFill>
+                  <a:schemeClr val="tx1"/>
+                </a:solidFill>
+                <a:effectLst/>
+                <a:latin typeface="Arial Unicode MS"/>
+                <a:ea typeface="Calibri" panose="020F0502020204030204" pitchFamily="34" charset="0"/>
+                <a:cs typeface="Times New Roman" panose="02020603050405020304" pitchFamily="18" charset="0"/>
+              </a:rPr>
+              <a:t>.</a:t>
+            </a:r>
+            <a:r>
+              <a:rPr kumimoji="0" lang="ru-RU" altLang="ru-RU" sz="2000" b="0" i="0" u="none" strike="noStrike" cap="none" normalizeH="0" baseline="0" dirty="0" smtClean="0">
+                <a:ln>
+                  <a:noFill/>
+                </a:ln>
+                <a:solidFill>
+                  <a:schemeClr val="tx1"/>
+                </a:solidFill>
+                <a:effectLst/>
+              </a:rPr>
+              <a:t> </a:t>
+            </a:r>
+            <a:endParaRPr kumimoji="0" lang="ru-RU" altLang="ru-RU" sz="2000" b="0" i="0" u="none" strike="noStrike" cap="none" normalizeH="0" baseline="0" dirty="0" smtClean="0">
+              <a:ln>
+                <a:noFill/>
+              </a:ln>
+              <a:solidFill>
+                <a:schemeClr val="tx1"/>
+              </a:solidFill>
+              <a:effectLst/>
+              <a:latin typeface="Arial" panose="020B0604020202020204" pitchFamily="34" charset="0"/>
+            </a:endParaRPr>
+          </a:p>
+        </p:txBody>
+      </p:sp>
+      <p:sp>
+        <p:nvSpPr>
+          <p:cNvPr id="4" name="Прямоугольник 3"/>
+          <p:cNvSpPr/>
+          <p:nvPr/>
+        </p:nvSpPr>
+        <p:spPr>
+          <a:xfrm>
+            <a:off x="251520" y="116632"/>
+            <a:ext cx="3464988" cy="461665"/>
+          </a:xfrm>
+          <a:prstGeom prst="rect">
+            <a:avLst/>
+          </a:prstGeom>
+        </p:spPr>
+        <p:txBody>
+          <a:bodyPr wrap="none">
+            <a:spAutoFit/>
+          </a:bodyPr>
+          <a:lstStyle/>
+          <a:p>
+            <a:r>
+              <a:rPr lang="ru-RU" sz="2400" b="1" dirty="0" smtClean="0"/>
+              <a:t>Целевые показатели </a:t>
+            </a:r>
+            <a:r>
+              <a:rPr lang="en-US" sz="2400" b="1" dirty="0" smtClean="0"/>
+              <a:t>AIC</a:t>
+            </a:r>
+            <a:endParaRPr lang="ru-RU" sz="2400" dirty="0"/>
+          </a:p>
+        </p:txBody>
+      </p:sp>
+    </p:spTree>
+    <p:extLst>
+      <p:ext uri="{BB962C8B-B14F-4D97-AF65-F5344CB8AC3E}">
+        <p14:creationId xmlns:p14="http://schemas.microsoft.com/office/powerpoint/2010/main" val="3635582803"/>
+      </p:ext>
+    </p:extLst>
+  </p:cSld>
+  <p:clrMapOvr>
+    <a:masterClrMapping/>
+  </p:clrMapOvr>
+</p:sld>
+</file>
+
+<file path=ppt/slides/slide27.xml><?xml version="1.0" encoding="utf-8"?>
+<p:sld xmlns:a="http://schemas.openxmlformats.org/drawingml/2006/main" xmlns:r="http://schemas.openxmlformats.org/officeDocument/2006/relationships" xmlns:p="http://schemas.openxmlformats.org/presentationml/2006/main">
+  <p:cSld>
+    <p:spTree>
+      <p:nvGrpSpPr>
+        <p:cNvPr id="1" name=""/>
+        <p:cNvGrpSpPr/>
+        <p:nvPr/>
+      </p:nvGrpSpPr>
+      <p:grpSpPr>
+        <a:xfrm>
+          <a:off x="0" y="0"/>
+          <a:ext cx="0" cy="0"/>
+          <a:chOff x="0" y="0"/>
+          <a:chExt cx="0" cy="0"/>
+        </a:xfrm>
+      </p:grpSpPr>
+      <p:sp>
+        <p:nvSpPr>
+          <p:cNvPr id="3" name="Прямоугольник 2"/>
+          <p:cNvSpPr/>
+          <p:nvPr/>
+        </p:nvSpPr>
+        <p:spPr>
+          <a:xfrm>
+            <a:off x="179512" y="692696"/>
+            <a:ext cx="8964488" cy="4618187"/>
+          </a:xfrm>
+          <a:prstGeom prst="rect">
+            <a:avLst/>
+          </a:prstGeom>
+        </p:spPr>
+        <p:txBody>
+          <a:bodyPr wrap="square">
+            <a:spAutoFit/>
+          </a:bodyPr>
+          <a:lstStyle/>
+          <a:p>
+            <a:pPr indent="449580">
+              <a:lnSpc>
+                <a:spcPct val="115000"/>
+              </a:lnSpc>
+              <a:spcAft>
+                <a:spcPts val="1000"/>
+              </a:spcAft>
+            </a:pPr>
+            <a:r>
+              <a:rPr lang="ru-RU" dirty="0">
+                <a:latin typeface="Calibri" panose="020F0502020204030204" pitchFamily="34" charset="0"/>
+                <a:ea typeface="Calibri" panose="020F0502020204030204" pitchFamily="34" charset="0"/>
+                <a:cs typeface="Times New Roman" panose="02020603050405020304" pitchFamily="18" charset="0"/>
+              </a:rPr>
+              <a:t>В ходе этой работы было проведено исследование возможностей применения машинного обучения в </a:t>
+            </a:r>
+            <a:r>
+              <a:rPr lang="ru-RU" dirty="0" err="1">
+                <a:latin typeface="Calibri" panose="020F0502020204030204" pitchFamily="34" charset="0"/>
+                <a:ea typeface="Calibri" panose="020F0502020204030204" pitchFamily="34" charset="0"/>
+                <a:cs typeface="Times New Roman" panose="02020603050405020304" pitchFamily="18" charset="0"/>
+              </a:rPr>
+              <a:t>трейдинге</a:t>
+            </a:r>
+            <a:r>
+              <a:rPr lang="ru-RU" dirty="0">
+                <a:latin typeface="Calibri" panose="020F0502020204030204" pitchFamily="34" charset="0"/>
+                <a:ea typeface="Calibri" panose="020F0502020204030204" pitchFamily="34" charset="0"/>
+                <a:cs typeface="Times New Roman" panose="02020603050405020304" pitchFamily="18" charset="0"/>
+              </a:rPr>
+              <a:t>. Были рассмотрены как классические методы машинного обучения, так и современные методы специализированные для временных </a:t>
+            </a:r>
+            <a:r>
+              <a:rPr lang="ru-RU" dirty="0" err="1">
+                <a:latin typeface="Calibri" panose="020F0502020204030204" pitchFamily="34" charset="0"/>
+                <a:ea typeface="Calibri" panose="020F0502020204030204" pitchFamily="34" charset="0"/>
+                <a:cs typeface="Times New Roman" panose="02020603050405020304" pitchFamily="18" charset="0"/>
+              </a:rPr>
+              <a:t>редов</a:t>
+            </a:r>
+            <a:r>
+              <a:rPr lang="ru-RU" dirty="0">
+                <a:latin typeface="Calibri" panose="020F0502020204030204" pitchFamily="34" charset="0"/>
+                <a:ea typeface="Calibri" panose="020F0502020204030204" pitchFamily="34" charset="0"/>
+                <a:cs typeface="Times New Roman" panose="02020603050405020304" pitchFamily="18" charset="0"/>
+              </a:rPr>
+              <a:t>.</a:t>
+            </a:r>
+          </a:p>
+          <a:p>
+            <a:pPr indent="449580">
+              <a:lnSpc>
+                <a:spcPct val="115000"/>
+              </a:lnSpc>
+              <a:spcAft>
+                <a:spcPts val="1000"/>
+              </a:spcAft>
+            </a:pPr>
+            <a:r>
+              <a:rPr lang="ru-RU" dirty="0" smtClean="0">
+                <a:latin typeface="Calibri" panose="020F0502020204030204" pitchFamily="34" charset="0"/>
+                <a:ea typeface="Calibri" panose="020F0502020204030204" pitchFamily="34" charset="0"/>
+                <a:cs typeface="Times New Roman" panose="02020603050405020304" pitchFamily="18" charset="0"/>
+              </a:rPr>
+              <a:t>Цели достигнуты, в </a:t>
+            </a:r>
+            <a:r>
+              <a:rPr lang="ru-RU" dirty="0">
+                <a:latin typeface="Calibri" panose="020F0502020204030204" pitchFamily="34" charset="0"/>
+                <a:ea typeface="Calibri" panose="020F0502020204030204" pitchFamily="34" charset="0"/>
+                <a:cs typeface="Times New Roman" panose="02020603050405020304" pitchFamily="18" charset="0"/>
+              </a:rPr>
+              <a:t>результате удалось разработать комплексное решение для получения, хранения, анализа торговых данных и предсказания цены инструментов </a:t>
+            </a:r>
+            <a:r>
+              <a:rPr lang="ru-RU" dirty="0" err="1">
+                <a:latin typeface="Calibri" panose="020F0502020204030204" pitchFamily="34" charset="0"/>
+                <a:ea typeface="Calibri" panose="020F0502020204030204" pitchFamily="34" charset="0"/>
+                <a:cs typeface="Times New Roman" panose="02020603050405020304" pitchFamily="18" charset="0"/>
+              </a:rPr>
+              <a:t>криптовалютной</a:t>
+            </a:r>
+            <a:r>
+              <a:rPr lang="ru-RU" dirty="0">
+                <a:latin typeface="Calibri" panose="020F0502020204030204" pitchFamily="34" charset="0"/>
+                <a:ea typeface="Calibri" panose="020F0502020204030204" pitchFamily="34" charset="0"/>
+                <a:cs typeface="Times New Roman" panose="02020603050405020304" pitchFamily="18" charset="0"/>
+              </a:rPr>
+              <a:t> биржи </a:t>
+            </a:r>
+            <a:r>
+              <a:rPr lang="en-US" dirty="0" err="1">
+                <a:latin typeface="Calibri" panose="020F0502020204030204" pitchFamily="34" charset="0"/>
+                <a:ea typeface="Calibri" panose="020F0502020204030204" pitchFamily="34" charset="0"/>
+                <a:cs typeface="Times New Roman" panose="02020603050405020304" pitchFamily="18" charset="0"/>
+              </a:rPr>
+              <a:t>Binance</a:t>
+            </a:r>
+            <a:r>
+              <a:rPr lang="en-US" dirty="0">
+                <a:latin typeface="Calibri" panose="020F0502020204030204" pitchFamily="34" charset="0"/>
+                <a:ea typeface="Calibri" panose="020F0502020204030204" pitchFamily="34" charset="0"/>
+                <a:cs typeface="Times New Roman" panose="02020603050405020304" pitchFamily="18" charset="0"/>
+              </a:rPr>
+              <a:t> </a:t>
+            </a:r>
+            <a:endParaRPr lang="ru-RU" dirty="0">
+              <a:latin typeface="Calibri" panose="020F0502020204030204" pitchFamily="34" charset="0"/>
+              <a:ea typeface="Calibri" panose="020F0502020204030204" pitchFamily="34" charset="0"/>
+              <a:cs typeface="Times New Roman" panose="02020603050405020304" pitchFamily="18" charset="0"/>
+            </a:endParaRPr>
+          </a:p>
+          <a:p>
+            <a:pPr indent="449580">
+              <a:lnSpc>
+                <a:spcPct val="115000"/>
+              </a:lnSpc>
+              <a:spcAft>
+                <a:spcPts val="1000"/>
+              </a:spcAft>
+            </a:pPr>
+            <a:r>
+              <a:rPr lang="ru-RU" dirty="0">
+                <a:latin typeface="Calibri" panose="020F0502020204030204" pitchFamily="34" charset="0"/>
+                <a:ea typeface="Calibri" panose="020F0502020204030204" pitchFamily="34" charset="0"/>
+                <a:cs typeface="Times New Roman" panose="02020603050405020304" pitchFamily="18" charset="0"/>
+              </a:rPr>
+              <a:t>Результатом внедрения данных методик в работу трейдера, несомненно, может являться большая прибыльность сделок. В целом, можно сделать выводы, что при запланированном развитии данного проекта гарантирована финансовая прибыль и окупаемость работ. Однако, необходимо учитывать сложность задачи и многообразие факторов, влияющих на рынок. </a:t>
+            </a:r>
+          </a:p>
+          <a:p>
+            <a:pPr>
+              <a:lnSpc>
+                <a:spcPct val="115000"/>
+              </a:lnSpc>
+              <a:spcAft>
+                <a:spcPts val="1000"/>
+              </a:spcAft>
+            </a:pPr>
+            <a:r>
+              <a:rPr lang="ru-RU" dirty="0">
+                <a:latin typeface="Calibri" panose="020F0502020204030204" pitchFamily="34" charset="0"/>
+                <a:ea typeface="Calibri" panose="020F0502020204030204" pitchFamily="34" charset="0"/>
+                <a:cs typeface="Times New Roman" panose="02020603050405020304" pitchFamily="18" charset="0"/>
+              </a:rPr>
+              <a:t>	</a:t>
+            </a:r>
+          </a:p>
+        </p:txBody>
+      </p:sp>
+      <p:sp>
+        <p:nvSpPr>
+          <p:cNvPr id="4" name="Прямоугольник 3"/>
+          <p:cNvSpPr/>
+          <p:nvPr/>
+        </p:nvSpPr>
+        <p:spPr>
+          <a:xfrm>
+            <a:off x="251520" y="116632"/>
+            <a:ext cx="1286250" cy="461665"/>
+          </a:xfrm>
+          <a:prstGeom prst="rect">
+            <a:avLst/>
+          </a:prstGeom>
+        </p:spPr>
+        <p:txBody>
+          <a:bodyPr wrap="none">
+            <a:spAutoFit/>
+          </a:bodyPr>
+          <a:lstStyle/>
+          <a:p>
+            <a:r>
+              <a:rPr lang="ru-RU" sz="2400" b="1" dirty="0" smtClean="0"/>
+              <a:t>Выводы</a:t>
+            </a:r>
+            <a:endParaRPr lang="ru-RU" sz="2400" dirty="0"/>
+          </a:p>
+        </p:txBody>
+      </p:sp>
+    </p:spTree>
+    <p:extLst>
+      <p:ext uri="{BB962C8B-B14F-4D97-AF65-F5344CB8AC3E}">
+        <p14:creationId xmlns:p14="http://schemas.microsoft.com/office/powerpoint/2010/main" val="2177758335"/>
+      </p:ext>
+    </p:extLst>
+  </p:cSld>
+  <p:clrMapOvr>
+    <a:masterClrMapping/>
+  </p:clrMapOvr>
+</p:sld>
+</file>
+
+<file path=ppt/slides/slide28.xml><?xml version="1.0" encoding="utf-8"?>
+<p:sld xmlns:a="http://schemas.openxmlformats.org/drawingml/2006/main" xmlns:r="http://schemas.openxmlformats.org/officeDocument/2006/relationships" xmlns:p="http://schemas.openxmlformats.org/presentationml/2006/main">
+  <p:cSld>
+    <p:spTree>
+      <p:nvGrpSpPr>
+        <p:cNvPr id="1" name=""/>
+        <p:cNvGrpSpPr/>
+        <p:nvPr/>
+      </p:nvGrpSpPr>
+      <p:grpSpPr>
+        <a:xfrm>
+          <a:off x="0" y="0"/>
+          <a:ext cx="0" cy="0"/>
+          <a:chOff x="0" y="0"/>
+          <a:chExt cx="0" cy="0"/>
+        </a:xfrm>
+      </p:grpSpPr>
+      <p:sp>
+        <p:nvSpPr>
+          <p:cNvPr id="2" name="Прямоугольник 1"/>
+          <p:cNvSpPr/>
+          <p:nvPr/>
+        </p:nvSpPr>
+        <p:spPr>
+          <a:xfrm>
+            <a:off x="267668" y="764704"/>
+            <a:ext cx="8640960" cy="5632311"/>
+          </a:xfrm>
+          <a:prstGeom prst="rect">
+            <a:avLst/>
+          </a:prstGeom>
+        </p:spPr>
+        <p:txBody>
+          <a:bodyPr wrap="square">
+            <a:spAutoFit/>
+          </a:bodyPr>
+          <a:lstStyle/>
+          <a:p>
+            <a:r>
+              <a:rPr lang="ru-RU" dirty="0"/>
+              <a:t>В заключение хочется отметить пути развития проекта, их можно перечислить по пунктам</a:t>
+            </a:r>
+            <a:r>
+              <a:rPr lang="ru-RU" dirty="0" smtClean="0"/>
+              <a:t>:</a:t>
+            </a:r>
+            <a:endParaRPr lang="en-US" dirty="0" smtClean="0"/>
+          </a:p>
+          <a:p>
+            <a:endParaRPr lang="ru-RU" dirty="0"/>
+          </a:p>
+          <a:p>
+            <a:pPr marL="342900" lvl="0" indent="-342900">
+              <a:buFont typeface="+mj-lt"/>
+              <a:buAutoNum type="arabicPeriod"/>
+            </a:pPr>
+            <a:r>
+              <a:rPr lang="ru-RU" dirty="0"/>
+              <a:t>Создание системы для покупки\продажи активов на решении искусственного </a:t>
+            </a:r>
+            <a:r>
+              <a:rPr lang="ru-RU" dirty="0" smtClean="0"/>
+              <a:t>интеллекта.</a:t>
+            </a:r>
+            <a:r>
+              <a:rPr lang="en-US" dirty="0" smtClean="0"/>
+              <a:t> </a:t>
+            </a:r>
+            <a:r>
+              <a:rPr lang="ru-RU" dirty="0" smtClean="0"/>
+              <a:t>Это </a:t>
+            </a:r>
+            <a:r>
+              <a:rPr lang="ru-RU" dirty="0"/>
+              <a:t>позволяет улучшить скорость и точность торговли, а также уменьшить человеческий </a:t>
+            </a:r>
+            <a:r>
+              <a:rPr lang="ru-RU" dirty="0" smtClean="0"/>
+              <a:t>фактор;</a:t>
+            </a:r>
+            <a:endParaRPr lang="en-US" dirty="0" smtClean="0"/>
+          </a:p>
+          <a:p>
+            <a:pPr marL="342900" lvl="0" indent="-342900">
+              <a:buFont typeface="+mj-lt"/>
+              <a:buAutoNum type="arabicPeriod"/>
+            </a:pPr>
+            <a:endParaRPr lang="ru-RU" dirty="0"/>
+          </a:p>
+          <a:p>
+            <a:pPr marL="342900" lvl="0" indent="-342900">
+              <a:buFont typeface="+mj-lt"/>
+              <a:buAutoNum type="arabicPeriod"/>
+            </a:pPr>
+            <a:r>
+              <a:rPr lang="ru-RU" dirty="0"/>
+              <a:t>Расширение источников данных: Использование широкого спектра данных для обучения моделей, включая финансовые данные, новостные статьи, социальные медиа-посты и другие внешние факторы, которые могут влиять на рынок</a:t>
+            </a:r>
+            <a:r>
+              <a:rPr lang="ru-RU" dirty="0" smtClean="0"/>
+              <a:t>;</a:t>
+            </a:r>
+            <a:endParaRPr lang="en-US" dirty="0" smtClean="0"/>
+          </a:p>
+          <a:p>
+            <a:pPr marL="342900" lvl="0" indent="-342900">
+              <a:buFont typeface="+mj-lt"/>
+              <a:buAutoNum type="arabicPeriod"/>
+            </a:pPr>
+            <a:endParaRPr lang="ru-RU" dirty="0"/>
+          </a:p>
+          <a:p>
+            <a:pPr marL="342900" lvl="0" indent="-342900">
+              <a:buFont typeface="+mj-lt"/>
+              <a:buAutoNum type="arabicPeriod"/>
+            </a:pPr>
+            <a:r>
+              <a:rPr lang="ru-RU" dirty="0"/>
+              <a:t>Интеграция с облачными ресурсами: Использование облачных вычислений для улучшения масштабируемости и производительности моделей. Это позволяет быстро обрабатывать большие объемы данных и выполнять сложные вычисления, необходимые для оптимальной торговой стратегии</a:t>
+            </a:r>
+            <a:r>
+              <a:rPr lang="ru-RU" dirty="0" smtClean="0"/>
+              <a:t>.</a:t>
+            </a:r>
+            <a:endParaRPr lang="en-US" dirty="0" smtClean="0"/>
+          </a:p>
+          <a:p>
+            <a:pPr marL="342900" lvl="0" indent="-342900">
+              <a:buFont typeface="+mj-lt"/>
+              <a:buAutoNum type="arabicPeriod"/>
+            </a:pPr>
+            <a:endParaRPr lang="ru-RU" dirty="0"/>
+          </a:p>
+          <a:p>
+            <a:pPr marL="342900" lvl="0" indent="-342900">
+              <a:buFont typeface="+mj-lt"/>
+              <a:buAutoNum type="arabicPeriod"/>
+            </a:pPr>
+            <a:r>
+              <a:rPr lang="ru-RU" dirty="0"/>
+              <a:t>Улучшение управления рисками: Разработка моделей машинного обучения для определения и управления рисками в торговых операциях. Это может включать прогнозирование вероятности убыточных сделок, определение оптимального уровня стоп-</a:t>
+            </a:r>
+            <a:r>
+              <a:rPr lang="ru-RU" dirty="0" err="1"/>
+              <a:t>лосса</a:t>
+            </a:r>
+            <a:r>
+              <a:rPr lang="ru-RU" dirty="0"/>
+              <a:t> и т. д.</a:t>
+            </a:r>
+          </a:p>
+        </p:txBody>
+      </p:sp>
+      <p:sp>
+        <p:nvSpPr>
+          <p:cNvPr id="3" name="Прямоугольник 2"/>
+          <p:cNvSpPr/>
+          <p:nvPr/>
+        </p:nvSpPr>
+        <p:spPr>
+          <a:xfrm>
+            <a:off x="251520" y="116632"/>
+            <a:ext cx="1834156" cy="461665"/>
+          </a:xfrm>
+          <a:prstGeom prst="rect">
+            <a:avLst/>
+          </a:prstGeom>
+        </p:spPr>
+        <p:txBody>
+          <a:bodyPr wrap="none">
+            <a:spAutoFit/>
+          </a:bodyPr>
+          <a:lstStyle/>
+          <a:p>
+            <a:r>
+              <a:rPr lang="ru-RU" sz="2400" b="1" dirty="0" smtClean="0"/>
+              <a:t>Заключение</a:t>
+            </a:r>
+            <a:endParaRPr lang="ru-RU" sz="2400" dirty="0"/>
+          </a:p>
+        </p:txBody>
+      </p:sp>
+    </p:spTree>
+    <p:extLst>
+      <p:ext uri="{BB962C8B-B14F-4D97-AF65-F5344CB8AC3E}">
+        <p14:creationId xmlns:p14="http://schemas.microsoft.com/office/powerpoint/2010/main" val="4261224242"/>
+      </p:ext>
+    </p:extLst>
+  </p:cSld>
+  <p:clrMapOvr>
+    <a:masterClrMapping/>
+  </p:clrMapOvr>
+</p:sld>
+</file>
+
+<file path=ppt/slides/slide29.xml><?xml version="1.0" encoding="utf-8"?>
+<p:sld xmlns:a="http://schemas.openxmlformats.org/drawingml/2006/main" xmlns:r="http://schemas.openxmlformats.org/officeDocument/2006/relationships" xmlns:p="http://schemas.openxmlformats.org/presentationml/2006/main">
+  <p:cSld>
+    <p:spTree>
+      <p:nvGrpSpPr>
+        <p:cNvPr id="1" name=""/>
+        <p:cNvGrpSpPr/>
+        <p:nvPr/>
+      </p:nvGrpSpPr>
+      <p:grpSpPr>
+        <a:xfrm>
+          <a:off x="0" y="0"/>
+          <a:ext cx="0" cy="0"/>
+          <a:chOff x="0" y="0"/>
+          <a:chExt cx="0" cy="0"/>
+        </a:xfrm>
+      </p:grpSpPr>
+      <p:sp>
+        <p:nvSpPr>
+          <p:cNvPr id="3" name="Google Shape;901;p55"/>
+          <p:cNvSpPr txBox="1"/>
+          <p:nvPr/>
+        </p:nvSpPr>
+        <p:spPr>
+          <a:xfrm>
+            <a:off x="2195736" y="2852936"/>
+            <a:ext cx="7146000" cy="438304"/>
+          </a:xfrm>
+          <a:prstGeom prst="rect">
+            <a:avLst/>
+          </a:prstGeom>
+          <a:noFill/>
+          <a:ln>
+            <a:noFill/>
+          </a:ln>
+        </p:spPr>
+        <p:txBody>
+          <a:bodyPr spcFirstLastPara="1" wrap="square" lIns="0" tIns="0" rIns="0" bIns="0" anchor="t" anchorCtr="0">
+            <a:noAutofit/>
+          </a:bodyPr>
+          <a:lstStyle/>
+          <a:p>
+            <a:pPr>
+              <a:lnSpc>
+                <a:spcPct val="80000"/>
+              </a:lnSpc>
+              <a:buClr>
+                <a:schemeClr val="dk1"/>
+              </a:buClr>
+              <a:buSzPts val="1100"/>
+            </a:pPr>
+            <a:r>
+              <a:rPr lang="ru-RU" sz="3100" b="1" dirty="0" smtClean="0">
+                <a:latin typeface="Proxima Nova"/>
+                <a:ea typeface="Proxima Nova"/>
+                <a:cs typeface="Proxima Nova"/>
+                <a:sym typeface="Proxima Nova"/>
+              </a:rPr>
+              <a:t>Спасибо за внимание!</a:t>
+            </a:r>
+            <a:endParaRPr sz="3100" b="1" dirty="0">
+              <a:latin typeface="Proxima Nova"/>
+              <a:ea typeface="Proxima Nova"/>
+              <a:cs typeface="Proxima Nova"/>
+              <a:sym typeface="Proxima Nova"/>
+            </a:endParaRPr>
+          </a:p>
+        </p:txBody>
+      </p:sp>
+    </p:spTree>
+  </p:cSld>
+  <p:clrMapOvr>
+    <a:masterClrMapping/>
+  </p:clrMapOvr>
+  <p:timing>
+    <p:tnLst>
+      <p:par>
+        <p:cTn id="1" dur="indefinite" restart="never" nodeType="tmRoot"/>
+      </p:par>
+    </p:tnLst>
+  </p:timing>
+</p:sld>
+</file>
+
+<file path=ppt/slides/slide3.xml><?xml version="1.0" encoding="utf-8"?>
 <p:sld xmlns:a="http://schemas.openxmlformats.org/drawingml/2006/main" xmlns:r="http://schemas.openxmlformats.org/officeDocument/2006/relationships" xmlns:p="http://schemas.openxmlformats.org/presentationml/2006/main">
   <p:cSld>
     <p:spTree>
@@ -7394,7 +9213,7 @@
 </p:sld>
 </file>
 
-<file path=ppt/slides/slide20.xml><?xml version="1.0" encoding="utf-8"?>
+<file path=ppt/slides/slide4.xml><?xml version="1.0" encoding="utf-8"?>
 <p:sld xmlns:a="http://schemas.openxmlformats.org/drawingml/2006/main" xmlns:r="http://schemas.openxmlformats.org/officeDocument/2006/relationships" xmlns:p="http://schemas.openxmlformats.org/presentationml/2006/main">
   <p:cSld>
     <p:spTree>
@@ -7411,320 +9230,15 @@
           <a:chExt cx="0" cy="0"/>
         </a:xfrm>
       </p:grpSpPr>
-      <p:pic>
-        <p:nvPicPr>
-          <p:cNvPr id="6146" name="Picture 2"/>
-          <p:cNvPicPr>
-            <a:picLocks noChangeAspect="1" noChangeArrowheads="1"/>
-          </p:cNvPicPr>
-          <p:nvPr/>
-        </p:nvPicPr>
-        <p:blipFill>
-          <a:blip r:embed="rId2" cstate="print"/>
-          <a:srcRect/>
-          <a:stretch>
-            <a:fillRect/>
-          </a:stretch>
-        </p:blipFill>
-        <p:spPr bwMode="auto">
-          <a:xfrm>
-            <a:off x="323528" y="1412776"/>
-            <a:ext cx="8486882" cy="4664546"/>
-          </a:xfrm>
-          <a:prstGeom prst="rect">
-            <a:avLst/>
-          </a:prstGeom>
-          <a:noFill/>
-          <a:ln w="9525">
-            <a:noFill/>
-            <a:miter lim="800000"/>
-            <a:headEnd/>
-            <a:tailEnd/>
-          </a:ln>
-          <a:effectLst/>
-        </p:spPr>
-      </p:pic>
-      <p:sp>
-        <p:nvSpPr>
-          <p:cNvPr id="3" name="Прямоугольник 2"/>
-          <p:cNvSpPr/>
-          <p:nvPr/>
-        </p:nvSpPr>
-        <p:spPr>
-          <a:xfrm>
-            <a:off x="0" y="188640"/>
-            <a:ext cx="8856984" cy="683264"/>
-          </a:xfrm>
-          <a:prstGeom prst="rect">
-            <a:avLst/>
-          </a:prstGeom>
-        </p:spPr>
-        <p:txBody>
-          <a:bodyPr wrap="square">
-            <a:spAutoFit/>
-          </a:bodyPr>
-          <a:lstStyle/>
-          <a:p>
-            <a:pPr algn="ctr">
-              <a:lnSpc>
-                <a:spcPct val="80000"/>
-              </a:lnSpc>
-            </a:pPr>
-            <a:r>
-              <a:rPr lang="ru-RU" sz="2400" b="1" dirty="0" smtClean="0">
-                <a:latin typeface="Proxima Nova"/>
-                <a:ea typeface="Proxima Nova"/>
-                <a:cs typeface="Proxima Nova"/>
-                <a:sym typeface="Proxima Nova"/>
-              </a:rPr>
-              <a:t>Теоретическое использование методов главных компонентов в </a:t>
-            </a:r>
-            <a:r>
-              <a:rPr lang="en-US" sz="2400" b="1" dirty="0" smtClean="0">
-                <a:latin typeface="Proxima Nova"/>
-                <a:ea typeface="Proxima Nova"/>
-                <a:cs typeface="Proxima Nova"/>
-                <a:sym typeface="Proxima Nova"/>
-              </a:rPr>
-              <a:t>ARIMA</a:t>
-            </a:r>
-            <a:endParaRPr lang="ru-RU" sz="2400" b="1" dirty="0">
-              <a:latin typeface="Proxima Nova"/>
-              <a:ea typeface="Proxima Nova"/>
-              <a:cs typeface="Proxima Nova"/>
-              <a:sym typeface="Proxima Nova"/>
-            </a:endParaRPr>
-          </a:p>
-        </p:txBody>
-      </p:sp>
-    </p:spTree>
-  </p:cSld>
-  <p:clrMapOvr>
-    <a:masterClrMapping/>
-  </p:clrMapOvr>
-</p:sld>
-</file>
-
-<file path=ppt/slides/slide21.xml><?xml version="1.0" encoding="utf-8"?>
-<p:sld xmlns:a="http://schemas.openxmlformats.org/drawingml/2006/main" xmlns:r="http://schemas.openxmlformats.org/officeDocument/2006/relationships" xmlns:p="http://schemas.openxmlformats.org/presentationml/2006/main">
-  <p:cSld>
-    <p:spTree>
-      <p:nvGrpSpPr>
-        <p:cNvPr id="1" name=""/>
-        <p:cNvGrpSpPr/>
-        <p:nvPr/>
-      </p:nvGrpSpPr>
-      <p:grpSpPr>
-        <a:xfrm>
-          <a:off x="0" y="0"/>
-          <a:ext cx="0" cy="0"/>
-          <a:chOff x="0" y="0"/>
-          <a:chExt cx="0" cy="0"/>
-        </a:xfrm>
-      </p:grpSpPr>
-      <p:pic>
-        <p:nvPicPr>
-          <p:cNvPr id="5123" name="Picture 3"/>
-          <p:cNvPicPr>
-            <a:picLocks noChangeAspect="1" noChangeArrowheads="1"/>
-          </p:cNvPicPr>
-          <p:nvPr/>
-        </p:nvPicPr>
-        <p:blipFill>
-          <a:blip r:embed="rId2" cstate="print"/>
-          <a:srcRect/>
-          <a:stretch>
-            <a:fillRect/>
-          </a:stretch>
-        </p:blipFill>
-        <p:spPr bwMode="auto">
-          <a:xfrm>
-            <a:off x="371387" y="764704"/>
-            <a:ext cx="8612576" cy="5618386"/>
-          </a:xfrm>
-          <a:prstGeom prst="rect">
-            <a:avLst/>
-          </a:prstGeom>
-          <a:noFill/>
-          <a:ln w="9525">
-            <a:noFill/>
-            <a:miter lim="800000"/>
-            <a:headEnd/>
-            <a:tailEnd/>
-          </a:ln>
-          <a:effectLst/>
-        </p:spPr>
-      </p:pic>
-      <p:sp>
-        <p:nvSpPr>
-          <p:cNvPr id="4" name="Прямоугольник 3"/>
-          <p:cNvSpPr/>
-          <p:nvPr/>
-        </p:nvSpPr>
-        <p:spPr>
-          <a:xfrm>
-            <a:off x="251520" y="116632"/>
-            <a:ext cx="7120091" cy="461665"/>
-          </a:xfrm>
-          <a:prstGeom prst="rect">
-            <a:avLst/>
-          </a:prstGeom>
-        </p:spPr>
-        <p:txBody>
-          <a:bodyPr wrap="none">
-            <a:spAutoFit/>
-          </a:bodyPr>
-          <a:lstStyle/>
-          <a:p>
-            <a:r>
-              <a:rPr lang="en-US" sz="2400" b="1" dirty="0"/>
-              <a:t>ADF. </a:t>
-            </a:r>
-            <a:r>
-              <a:rPr lang="ru-RU" sz="2400" b="1" dirty="0"/>
-              <a:t>Определим </a:t>
-            </a:r>
-            <a:r>
-              <a:rPr lang="ru-RU" sz="2400" b="1" dirty="0" smtClean="0"/>
-              <a:t>стационарность ряда после </a:t>
-            </a:r>
-            <a:r>
-              <a:rPr lang="en-US" sz="2400" b="1" dirty="0" err="1" smtClean="0"/>
-              <a:t>boxcox</a:t>
-            </a:r>
-            <a:endParaRPr lang="ru-RU" sz="2400" dirty="0"/>
-          </a:p>
-        </p:txBody>
-      </p:sp>
-    </p:spTree>
-  </p:cSld>
-  <p:clrMapOvr>
-    <a:masterClrMapping/>
-  </p:clrMapOvr>
-</p:sld>
-</file>
-
-<file path=ppt/slides/slide22.xml><?xml version="1.0" encoding="utf-8"?>
-<p:sld xmlns:a="http://schemas.openxmlformats.org/drawingml/2006/main" xmlns:r="http://schemas.openxmlformats.org/officeDocument/2006/relationships" xmlns:p="http://schemas.openxmlformats.org/presentationml/2006/main">
-  <p:cSld>
-    <p:spTree>
-      <p:nvGrpSpPr>
-        <p:cNvPr id="1" name=""/>
-        <p:cNvGrpSpPr/>
-        <p:nvPr/>
-      </p:nvGrpSpPr>
-      <p:grpSpPr>
-        <a:xfrm>
-          <a:off x="0" y="0"/>
-          <a:ext cx="0" cy="0"/>
-          <a:chOff x="0" y="0"/>
-          <a:chExt cx="0" cy="0"/>
-        </a:xfrm>
-      </p:grpSpPr>
-      <p:pic>
-        <p:nvPicPr>
-          <p:cNvPr id="7170" name="Picture 2"/>
-          <p:cNvPicPr>
-            <a:picLocks noChangeAspect="1" noChangeArrowheads="1"/>
-          </p:cNvPicPr>
-          <p:nvPr/>
-        </p:nvPicPr>
-        <p:blipFill>
-          <a:blip r:embed="rId2" cstate="print"/>
-          <a:srcRect/>
-          <a:stretch>
-            <a:fillRect/>
-          </a:stretch>
-        </p:blipFill>
-        <p:spPr bwMode="auto">
-          <a:xfrm>
-            <a:off x="683568" y="1700808"/>
-            <a:ext cx="7667005" cy="4375265"/>
-          </a:xfrm>
-          <a:prstGeom prst="rect">
-            <a:avLst/>
-          </a:prstGeom>
-          <a:noFill/>
-          <a:ln w="9525">
-            <a:noFill/>
-            <a:miter lim="800000"/>
-            <a:headEnd/>
-            <a:tailEnd/>
-          </a:ln>
-          <a:effectLst/>
-        </p:spPr>
-      </p:pic>
-      <p:sp>
-        <p:nvSpPr>
-          <p:cNvPr id="3" name="Прямоугольник 2"/>
-          <p:cNvSpPr/>
-          <p:nvPr/>
-        </p:nvSpPr>
-        <p:spPr>
-          <a:xfrm>
-            <a:off x="251520" y="116632"/>
-            <a:ext cx="6994479" cy="461665"/>
-          </a:xfrm>
-          <a:prstGeom prst="rect">
-            <a:avLst/>
-          </a:prstGeom>
-        </p:spPr>
-        <p:txBody>
-          <a:bodyPr wrap="none">
-            <a:spAutoFit/>
-          </a:bodyPr>
-          <a:lstStyle/>
-          <a:p>
-            <a:r>
-              <a:rPr lang="ru-RU" sz="2400" b="1" dirty="0" smtClean="0"/>
-              <a:t>Построим модель </a:t>
-            </a:r>
-            <a:r>
-              <a:rPr lang="en-US" sz="2400" b="1" dirty="0" smtClean="0"/>
-              <a:t>ARIMA </a:t>
-            </a:r>
-            <a:r>
-              <a:rPr lang="ru-RU" sz="2400" b="1" dirty="0" smtClean="0"/>
-              <a:t>и предскажем 200 шагов</a:t>
-            </a:r>
-            <a:endParaRPr lang="ru-RU" sz="2400" dirty="0"/>
-          </a:p>
-        </p:txBody>
-      </p:sp>
-    </p:spTree>
-  </p:cSld>
-  <p:clrMapOvr>
-    <a:masterClrMapping/>
-  </p:clrMapOvr>
-</p:sld>
-</file>
-
-<file path=ppt/slides/slide23.xml><?xml version="1.0" encoding="utf-8"?>
-<p:sld xmlns:a="http://schemas.openxmlformats.org/drawingml/2006/main" xmlns:r="http://schemas.openxmlformats.org/officeDocument/2006/relationships" xmlns:p="http://schemas.openxmlformats.org/presentationml/2006/main">
-  <p:cSld>
-    <p:spTree>
-      <p:nvGrpSpPr>
-        <p:cNvPr id="1" name=""/>
-        <p:cNvGrpSpPr/>
-        <p:nvPr/>
-      </p:nvGrpSpPr>
-      <p:grpSpPr>
-        <a:xfrm>
-          <a:off x="0" y="0"/>
-          <a:ext cx="0" cy="0"/>
-          <a:chOff x="0" y="0"/>
-          <a:chExt cx="0" cy="0"/>
-        </a:xfrm>
-      </p:grpSpPr>
-      <p:sp>
-        <p:nvSpPr>
-          <p:cNvPr id="3" name="Google Shape;901;p55"/>
+      <p:sp>
+        <p:nvSpPr>
+          <p:cNvPr id="2" name="Google Shape;901;p55"/>
           <p:cNvSpPr txBox="1"/>
           <p:nvPr/>
         </p:nvSpPr>
         <p:spPr>
           <a:xfrm>
-            <a:off x="2195736" y="2852936"/>
+            <a:off x="275925" y="326400"/>
             <a:ext cx="7146000" cy="438304"/>
           </a:xfrm>
           <a:prstGeom prst="rect">
@@ -7751,20 +9265,647 @@
               <a:buSzPts val="1100"/>
             </a:pPr>
             <a:r>
-              <a:rPr lang="ru-RU" sz="3100" b="1" dirty="0" smtClean="0">
+              <a:rPr lang="ru" sz="2400" b="1" dirty="0" smtClean="0">
                 <a:latin typeface="Proxima Nova"/>
                 <a:ea typeface="Proxima Nova"/>
                 <a:cs typeface="Proxima Nova"/>
                 <a:sym typeface="Proxima Nova"/>
               </a:rPr>
-              <a:t>Спасибо за внимание!</a:t>
-            </a:r>
-            <a:endParaRPr sz="3100" b="1" dirty="0">
+              <a:t>Реализованные модули проекта</a:t>
+            </a:r>
+            <a:endParaRPr sz="2400" b="1" dirty="0">
               <a:latin typeface="Proxima Nova"/>
               <a:ea typeface="Proxima Nova"/>
               <a:cs typeface="Proxima Nova"/>
               <a:sym typeface="Proxima Nova"/>
             </a:endParaRPr>
+          </a:p>
+        </p:txBody>
+      </p:sp>
+      <p:sp>
+        <p:nvSpPr>
+          <p:cNvPr id="3" name="Google Shape;884;p55"/>
+          <p:cNvSpPr txBox="1"/>
+          <p:nvPr/>
+        </p:nvSpPr>
+        <p:spPr>
+          <a:xfrm>
+            <a:off x="827584" y="1052736"/>
+            <a:ext cx="6696744" cy="405608"/>
+          </a:xfrm>
+          <a:prstGeom prst="rect">
+            <a:avLst/>
+          </a:prstGeom>
+          <a:noFill/>
+          <a:ln>
+            <a:noFill/>
+          </a:ln>
+        </p:spPr>
+        <p:txBody>
+          <a:bodyPr spcFirstLastPara="1" wrap="square" lIns="0" tIns="0" rIns="0" bIns="0" anchor="ctr" anchorCtr="0">
+            <a:noAutofit/>
+          </a:bodyPr>
+          <a:lstStyle/>
+          <a:p>
+            <a:r>
+              <a:rPr lang="en-US" sz="1200" b="1" dirty="0" smtClean="0">
+                <a:latin typeface="Proxima Nova"/>
+                <a:ea typeface="Proxima Nova"/>
+                <a:cs typeface="Proxima Nova"/>
+                <a:sym typeface="Proxima Nova"/>
+              </a:rPr>
+              <a:t>BINANCE_KAFKA_PRODUCER</a:t>
+            </a:r>
+            <a:r>
+              <a:rPr lang="en-US" sz="1200" dirty="0" smtClean="0">
+                <a:latin typeface="Proxima Nova"/>
+                <a:ea typeface="Proxima Nova"/>
+                <a:cs typeface="Proxima Nova"/>
+                <a:sym typeface="Proxima Nova"/>
+              </a:rPr>
+              <a:t> – </a:t>
+            </a:r>
+            <a:r>
+              <a:rPr lang="ru-RU" sz="1200" dirty="0" smtClean="0">
+                <a:latin typeface="Proxima Nova"/>
+                <a:ea typeface="Proxima Nova"/>
+                <a:cs typeface="Proxima Nova"/>
+                <a:sym typeface="Proxima Nova"/>
+              </a:rPr>
+              <a:t>Модуль выполняет запрос торговых данных через </a:t>
+            </a:r>
+            <a:r>
+              <a:rPr lang="en-US" sz="1200" dirty="0" err="1" smtClean="0">
+                <a:latin typeface="Proxima Nova"/>
+                <a:ea typeface="Proxima Nova"/>
+                <a:cs typeface="Proxima Nova"/>
+                <a:sym typeface="Proxima Nova"/>
+              </a:rPr>
+              <a:t>Binance</a:t>
+            </a:r>
+            <a:r>
+              <a:rPr lang="en-US" sz="1200" dirty="0" smtClean="0">
+                <a:latin typeface="Proxima Nova"/>
+                <a:ea typeface="Proxima Nova"/>
+                <a:cs typeface="Proxima Nova"/>
+                <a:sym typeface="Proxima Nova"/>
+              </a:rPr>
+              <a:t> API</a:t>
+            </a:r>
+            <a:r>
+              <a:rPr lang="ru-RU" sz="1200" dirty="0" smtClean="0">
+                <a:latin typeface="Proxima Nova"/>
+                <a:ea typeface="Proxima Nova"/>
+                <a:cs typeface="Proxima Nova"/>
+                <a:sym typeface="Proxima Nova"/>
+              </a:rPr>
+              <a:t> и отправляет каждый тип данных в свою очередь в </a:t>
+            </a:r>
+            <a:r>
+              <a:rPr lang="en-US" sz="1200" dirty="0" smtClean="0">
+                <a:latin typeface="Proxima Nova"/>
+                <a:ea typeface="Proxima Nova"/>
+                <a:cs typeface="Proxima Nova"/>
+                <a:sym typeface="Proxima Nova"/>
+              </a:rPr>
+              <a:t>Kafka</a:t>
+            </a:r>
+            <a:endParaRPr sz="1200" dirty="0">
+              <a:latin typeface="Proxima Nova"/>
+              <a:ea typeface="Proxima Nova"/>
+              <a:cs typeface="Proxima Nova"/>
+              <a:sym typeface="Proxima Nova"/>
+            </a:endParaRPr>
+          </a:p>
+        </p:txBody>
+      </p:sp>
+      <p:sp>
+        <p:nvSpPr>
+          <p:cNvPr id="4" name="Google Shape;885;p55"/>
+          <p:cNvSpPr/>
+          <p:nvPr/>
+        </p:nvSpPr>
+        <p:spPr>
+          <a:xfrm>
+            <a:off x="323528" y="1124744"/>
+            <a:ext cx="335638" cy="330512"/>
+          </a:xfrm>
+          <a:prstGeom prst="ellipse">
+            <a:avLst/>
+          </a:prstGeom>
+          <a:noFill/>
+          <a:ln w="28575" cap="flat" cmpd="sng">
+            <a:solidFill>
+              <a:srgbClr val="4BD0A0"/>
+            </a:solidFill>
+            <a:prstDash val="solid"/>
+            <a:round/>
+            <a:headEnd type="none" w="sm" len="sm"/>
+            <a:tailEnd type="none" w="sm" len="sm"/>
+          </a:ln>
+        </p:spPr>
+        <p:txBody>
+          <a:bodyPr spcFirstLastPara="1" wrap="square" lIns="91425" tIns="91425" rIns="91425" bIns="91425" anchor="ctr" anchorCtr="0">
+            <a:noAutofit/>
+          </a:bodyPr>
+          <a:lstStyle/>
+          <a:p>
+            <a:pPr algn="ctr">
+              <a:buClr>
+                <a:schemeClr val="dk1"/>
+              </a:buClr>
+              <a:buSzPts val="1100"/>
+            </a:pPr>
+            <a:endParaRPr sz="1600" b="1" dirty="0"/>
+          </a:p>
+        </p:txBody>
+      </p:sp>
+      <p:sp>
+        <p:nvSpPr>
+          <p:cNvPr id="5" name="Google Shape;884;p55"/>
+          <p:cNvSpPr txBox="1"/>
+          <p:nvPr/>
+        </p:nvSpPr>
+        <p:spPr>
+          <a:xfrm>
+            <a:off x="827584" y="1628800"/>
+            <a:ext cx="8316416" cy="405608"/>
+          </a:xfrm>
+          <a:prstGeom prst="rect">
+            <a:avLst/>
+          </a:prstGeom>
+          <a:noFill/>
+          <a:ln>
+            <a:noFill/>
+          </a:ln>
+        </p:spPr>
+        <p:txBody>
+          <a:bodyPr spcFirstLastPara="1" wrap="square" lIns="0" tIns="0" rIns="0" bIns="0" anchor="ctr" anchorCtr="0">
+            <a:noAutofit/>
+          </a:bodyPr>
+          <a:lstStyle/>
+          <a:p>
+            <a:r>
+              <a:rPr lang="en-US" sz="1200" b="1" dirty="0" smtClean="0">
+                <a:latin typeface="Proxima Nova"/>
+                <a:ea typeface="Proxima Nova"/>
+                <a:cs typeface="Proxima Nova"/>
+                <a:sym typeface="Proxima Nova"/>
+              </a:rPr>
+              <a:t>COMMON_TRADE</a:t>
+            </a:r>
+            <a:r>
+              <a:rPr lang="en-US" sz="1200" dirty="0" smtClean="0">
+                <a:latin typeface="Proxima Nova"/>
+                <a:ea typeface="Proxima Nova"/>
+                <a:cs typeface="Proxima Nova"/>
+                <a:sym typeface="Proxima Nova"/>
+              </a:rPr>
+              <a:t> – </a:t>
+            </a:r>
+            <a:r>
+              <a:rPr lang="ru-RU" sz="1200" dirty="0" smtClean="0">
+                <a:latin typeface="Proxima Nova"/>
+                <a:ea typeface="Proxima Nova"/>
+                <a:cs typeface="Proxima Nova"/>
+                <a:sym typeface="Proxima Nova"/>
+              </a:rPr>
+              <a:t>Модуль служит хранилищем общих сущностей и специальных вспомогательных классов </a:t>
+            </a:r>
+            <a:endParaRPr lang="en-US" sz="1200" b="1" dirty="0">
+              <a:latin typeface="Proxima Nova"/>
+              <a:ea typeface="Proxima Nova"/>
+              <a:cs typeface="Proxima Nova"/>
+              <a:sym typeface="Proxima Nova"/>
+            </a:endParaRPr>
+          </a:p>
+        </p:txBody>
+      </p:sp>
+      <p:sp>
+        <p:nvSpPr>
+          <p:cNvPr id="6" name="Google Shape;885;p55"/>
+          <p:cNvSpPr/>
+          <p:nvPr/>
+        </p:nvSpPr>
+        <p:spPr>
+          <a:xfrm>
+            <a:off x="323528" y="1700808"/>
+            <a:ext cx="335638" cy="330512"/>
+          </a:xfrm>
+          <a:prstGeom prst="ellipse">
+            <a:avLst/>
+          </a:prstGeom>
+          <a:noFill/>
+          <a:ln w="28575" cap="flat" cmpd="sng">
+            <a:solidFill>
+              <a:srgbClr val="4BD0A0"/>
+            </a:solidFill>
+            <a:prstDash val="solid"/>
+            <a:round/>
+            <a:headEnd type="none" w="sm" len="sm"/>
+            <a:tailEnd type="none" w="sm" len="sm"/>
+          </a:ln>
+        </p:spPr>
+        <p:txBody>
+          <a:bodyPr spcFirstLastPara="1" wrap="square" lIns="91425" tIns="91425" rIns="91425" bIns="91425" anchor="ctr" anchorCtr="0">
+            <a:noAutofit/>
+          </a:bodyPr>
+          <a:lstStyle/>
+          <a:p>
+            <a:pPr algn="ctr">
+              <a:buClr>
+                <a:schemeClr val="dk1"/>
+              </a:buClr>
+              <a:buSzPts val="1100"/>
+            </a:pPr>
+            <a:endParaRPr sz="1600" b="1" dirty="0"/>
+          </a:p>
+        </p:txBody>
+      </p:sp>
+      <p:sp>
+        <p:nvSpPr>
+          <p:cNvPr id="7" name="Google Shape;884;p55"/>
+          <p:cNvSpPr txBox="1"/>
+          <p:nvPr/>
+        </p:nvSpPr>
+        <p:spPr>
+          <a:xfrm>
+            <a:off x="827584" y="2204864"/>
+            <a:ext cx="7416824" cy="405608"/>
+          </a:xfrm>
+          <a:prstGeom prst="rect">
+            <a:avLst/>
+          </a:prstGeom>
+          <a:noFill/>
+          <a:ln>
+            <a:noFill/>
+          </a:ln>
+        </p:spPr>
+        <p:txBody>
+          <a:bodyPr spcFirstLastPara="1" wrap="square" lIns="0" tIns="0" rIns="0" bIns="0" anchor="ctr" anchorCtr="0">
+            <a:noAutofit/>
+          </a:bodyPr>
+          <a:lstStyle/>
+          <a:p>
+            <a:r>
+              <a:rPr lang="en-US" sz="1200" b="1" dirty="0" smtClean="0">
+                <a:latin typeface="Proxima Nova"/>
+                <a:ea typeface="Proxima Nova"/>
+                <a:cs typeface="Proxima Nova"/>
+                <a:sym typeface="Proxima Nova"/>
+              </a:rPr>
+              <a:t>AGGREGATOR_KAFKA_CONSUMER </a:t>
+            </a:r>
+            <a:r>
+              <a:rPr lang="ru-RU" sz="1200" dirty="0" smtClean="0">
+                <a:latin typeface="Proxima Nova"/>
+                <a:ea typeface="Proxima Nova"/>
+                <a:cs typeface="Proxima Nova"/>
+                <a:sym typeface="Proxima Nova"/>
+              </a:rPr>
+              <a:t>–</a:t>
+            </a:r>
+            <a:r>
+              <a:rPr lang="en-US" sz="1200" dirty="0" smtClean="0">
+                <a:latin typeface="Proxima Nova"/>
+                <a:ea typeface="Proxima Nova"/>
+                <a:cs typeface="Proxima Nova"/>
+                <a:sym typeface="Proxima Nova"/>
+              </a:rPr>
+              <a:t> </a:t>
+            </a:r>
+            <a:r>
+              <a:rPr lang="ru-RU" sz="1200" dirty="0" smtClean="0">
+                <a:latin typeface="Proxima Nova"/>
+                <a:ea typeface="Proxima Nova"/>
+                <a:cs typeface="Proxima Nova"/>
+                <a:sym typeface="Proxima Nova"/>
+              </a:rPr>
+              <a:t>Модуль выполняет агрегацию исходных данных из </a:t>
+            </a:r>
+            <a:r>
+              <a:rPr lang="en-US" sz="1200" dirty="0" smtClean="0">
+                <a:latin typeface="Proxima Nova"/>
+                <a:ea typeface="Proxima Nova"/>
+                <a:cs typeface="Proxima Nova"/>
+                <a:sym typeface="Proxima Nova"/>
+              </a:rPr>
+              <a:t>Kafka</a:t>
+            </a:r>
+            <a:r>
+              <a:rPr lang="ru-RU" sz="1200" dirty="0" smtClean="0">
+                <a:latin typeface="Proxima Nova"/>
+                <a:ea typeface="Proxima Nova"/>
+                <a:cs typeface="Proxima Nova"/>
+                <a:sym typeface="Proxima Nova"/>
+              </a:rPr>
+              <a:t> </a:t>
+            </a:r>
+            <a:endParaRPr lang="en-US" sz="1200" b="1" dirty="0">
+              <a:latin typeface="Proxima Nova"/>
+              <a:ea typeface="Proxima Nova"/>
+              <a:cs typeface="Proxima Nova"/>
+              <a:sym typeface="Proxima Nova"/>
+            </a:endParaRPr>
+          </a:p>
+        </p:txBody>
+      </p:sp>
+      <p:sp>
+        <p:nvSpPr>
+          <p:cNvPr id="8" name="Google Shape;885;p55"/>
+          <p:cNvSpPr/>
+          <p:nvPr/>
+        </p:nvSpPr>
+        <p:spPr>
+          <a:xfrm>
+            <a:off x="323528" y="2276872"/>
+            <a:ext cx="335638" cy="330512"/>
+          </a:xfrm>
+          <a:prstGeom prst="ellipse">
+            <a:avLst/>
+          </a:prstGeom>
+          <a:noFill/>
+          <a:ln w="28575" cap="flat" cmpd="sng">
+            <a:solidFill>
+              <a:srgbClr val="4BD0A0"/>
+            </a:solidFill>
+            <a:prstDash val="solid"/>
+            <a:round/>
+            <a:headEnd type="none" w="sm" len="sm"/>
+            <a:tailEnd type="none" w="sm" len="sm"/>
+          </a:ln>
+        </p:spPr>
+        <p:txBody>
+          <a:bodyPr spcFirstLastPara="1" wrap="square" lIns="91425" tIns="91425" rIns="91425" bIns="91425" anchor="ctr" anchorCtr="0">
+            <a:noAutofit/>
+          </a:bodyPr>
+          <a:lstStyle/>
+          <a:p>
+            <a:pPr algn="ctr">
+              <a:buClr>
+                <a:schemeClr val="dk1"/>
+              </a:buClr>
+              <a:buSzPts val="1100"/>
+            </a:pPr>
+            <a:endParaRPr sz="1600" b="1" dirty="0"/>
+          </a:p>
+        </p:txBody>
+      </p:sp>
+      <p:sp>
+        <p:nvSpPr>
+          <p:cNvPr id="9" name="Google Shape;884;p55"/>
+          <p:cNvSpPr txBox="1"/>
+          <p:nvPr/>
+        </p:nvSpPr>
+        <p:spPr>
+          <a:xfrm>
+            <a:off x="827584" y="2780928"/>
+            <a:ext cx="7776864" cy="405608"/>
+          </a:xfrm>
+          <a:prstGeom prst="rect">
+            <a:avLst/>
+          </a:prstGeom>
+          <a:noFill/>
+          <a:ln>
+            <a:noFill/>
+          </a:ln>
+        </p:spPr>
+        <p:txBody>
+          <a:bodyPr spcFirstLastPara="1" wrap="square" lIns="0" tIns="0" rIns="0" bIns="0" anchor="ctr" anchorCtr="0">
+            <a:noAutofit/>
+          </a:bodyPr>
+          <a:lstStyle/>
+          <a:p>
+            <a:r>
+              <a:rPr lang="en-US" sz="1200" b="1" dirty="0" smtClean="0">
+                <a:latin typeface="Proxima Nova"/>
+                <a:ea typeface="Proxima Nova"/>
+                <a:cs typeface="Proxima Nova"/>
+                <a:sym typeface="Proxima Nova"/>
+              </a:rPr>
+              <a:t>DATA_SCIENCE </a:t>
+            </a:r>
+            <a:r>
+              <a:rPr lang="ru-RU" sz="1200" dirty="0" smtClean="0">
+                <a:latin typeface="Proxima Nova"/>
+                <a:ea typeface="Proxima Nova"/>
+                <a:cs typeface="Proxima Nova"/>
+                <a:sym typeface="Proxima Nova"/>
+              </a:rPr>
+              <a:t>–</a:t>
+            </a:r>
+            <a:r>
+              <a:rPr lang="en-US" sz="1200" dirty="0" smtClean="0">
+                <a:latin typeface="Proxima Nova"/>
+                <a:ea typeface="Proxima Nova"/>
+                <a:cs typeface="Proxima Nova"/>
+                <a:sym typeface="Proxima Nova"/>
+              </a:rPr>
+              <a:t> </a:t>
+            </a:r>
+            <a:r>
+              <a:rPr lang="ru-RU" sz="1200" dirty="0" smtClean="0">
+                <a:latin typeface="Proxima Nova"/>
+                <a:ea typeface="Proxima Nova"/>
+                <a:cs typeface="Proxima Nova"/>
+                <a:sym typeface="Proxima Nova"/>
+              </a:rPr>
+              <a:t>Модуль содержит ноутбуки с решениями </a:t>
+            </a:r>
+            <a:r>
+              <a:rPr lang="en-US" sz="1200" dirty="0" smtClean="0">
+                <a:latin typeface="Proxima Nova"/>
+                <a:ea typeface="Proxima Nova"/>
+                <a:cs typeface="Proxima Nova"/>
+                <a:sym typeface="Proxima Nova"/>
+              </a:rPr>
+              <a:t>Data Science </a:t>
+            </a:r>
+            <a:r>
+              <a:rPr lang="ru-RU" sz="1200" dirty="0" smtClean="0">
+                <a:latin typeface="Proxima Nova"/>
+                <a:ea typeface="Proxima Nova"/>
+                <a:cs typeface="Proxima Nova"/>
+                <a:sym typeface="Proxima Nova"/>
+              </a:rPr>
+              <a:t>и </a:t>
+            </a:r>
+            <a:r>
+              <a:rPr lang="en-US" sz="1200" dirty="0" smtClean="0">
+                <a:latin typeface="Proxima Nova"/>
+                <a:ea typeface="Proxima Nova"/>
+                <a:cs typeface="Proxima Nova"/>
+                <a:sym typeface="Proxima Nova"/>
+              </a:rPr>
+              <a:t>Machine Learning </a:t>
+            </a:r>
+            <a:r>
+              <a:rPr lang="ru-RU" sz="1200" dirty="0" smtClean="0">
+                <a:latin typeface="Proxima Nova"/>
+                <a:ea typeface="Proxima Nova"/>
+                <a:cs typeface="Proxima Nova"/>
+                <a:sym typeface="Proxima Nova"/>
+              </a:rPr>
+              <a:t> </a:t>
+            </a:r>
+            <a:endParaRPr lang="en-US" sz="1200" b="1" dirty="0">
+              <a:latin typeface="Proxima Nova"/>
+              <a:ea typeface="Proxima Nova"/>
+              <a:cs typeface="Proxima Nova"/>
+              <a:sym typeface="Proxima Nova"/>
+            </a:endParaRPr>
+          </a:p>
+        </p:txBody>
+      </p:sp>
+      <p:sp>
+        <p:nvSpPr>
+          <p:cNvPr id="10" name="Google Shape;885;p55"/>
+          <p:cNvSpPr/>
+          <p:nvPr/>
+        </p:nvSpPr>
+        <p:spPr>
+          <a:xfrm>
+            <a:off x="323528" y="2852936"/>
+            <a:ext cx="335638" cy="330512"/>
+          </a:xfrm>
+          <a:prstGeom prst="ellipse">
+            <a:avLst/>
+          </a:prstGeom>
+          <a:noFill/>
+          <a:ln w="28575" cap="flat" cmpd="sng">
+            <a:solidFill>
+              <a:srgbClr val="4BD0A0"/>
+            </a:solidFill>
+            <a:prstDash val="solid"/>
+            <a:round/>
+            <a:headEnd type="none" w="sm" len="sm"/>
+            <a:tailEnd type="none" w="sm" len="sm"/>
+          </a:ln>
+        </p:spPr>
+        <p:txBody>
+          <a:bodyPr spcFirstLastPara="1" wrap="square" lIns="91425" tIns="91425" rIns="91425" bIns="91425" anchor="ctr" anchorCtr="0">
+            <a:noAutofit/>
+          </a:bodyPr>
+          <a:lstStyle/>
+          <a:p>
+            <a:pPr algn="ctr">
+              <a:buClr>
+                <a:schemeClr val="dk1"/>
+              </a:buClr>
+              <a:buSzPts val="1100"/>
+            </a:pPr>
+            <a:endParaRPr sz="1600" b="1" dirty="0"/>
+          </a:p>
+        </p:txBody>
+      </p:sp>
+      <p:sp>
+        <p:nvSpPr>
+          <p:cNvPr id="11" name="Google Shape;884;p55"/>
+          <p:cNvSpPr txBox="1"/>
+          <p:nvPr/>
+        </p:nvSpPr>
+        <p:spPr>
+          <a:xfrm>
+            <a:off x="791072" y="3429000"/>
+            <a:ext cx="8352928" cy="405608"/>
+          </a:xfrm>
+          <a:prstGeom prst="rect">
+            <a:avLst/>
+          </a:prstGeom>
+          <a:noFill/>
+          <a:ln>
+            <a:noFill/>
+          </a:ln>
+        </p:spPr>
+        <p:txBody>
+          <a:bodyPr spcFirstLastPara="1" wrap="square" lIns="0" tIns="0" rIns="0" bIns="0" anchor="ctr" anchorCtr="0">
+            <a:noAutofit/>
+          </a:bodyPr>
+          <a:lstStyle/>
+          <a:p>
+            <a:r>
+              <a:rPr lang="en-US" sz="1200" b="1" dirty="0" smtClean="0">
+                <a:latin typeface="Proxima Nova"/>
+                <a:ea typeface="Proxima Nova"/>
+                <a:cs typeface="Proxima Nova"/>
+                <a:sym typeface="Proxima Nova"/>
+              </a:rPr>
+              <a:t>HIBERNATE_POSTGRES_DATASOURCE </a:t>
+            </a:r>
+            <a:r>
+              <a:rPr lang="ru-RU" sz="1200" dirty="0" smtClean="0">
+                <a:latin typeface="Proxima Nova"/>
+                <a:ea typeface="Proxima Nova"/>
+                <a:cs typeface="Proxima Nova"/>
+                <a:sym typeface="Proxima Nova"/>
+              </a:rPr>
+              <a:t>–</a:t>
+            </a:r>
+            <a:r>
+              <a:rPr lang="en-US" sz="1200" dirty="0" smtClean="0">
+                <a:latin typeface="Proxima Nova"/>
+                <a:ea typeface="Proxima Nova"/>
+                <a:cs typeface="Proxima Nova"/>
+                <a:sym typeface="Proxima Nova"/>
+              </a:rPr>
+              <a:t> </a:t>
+            </a:r>
+            <a:r>
+              <a:rPr lang="ru-RU" sz="1200" dirty="0" smtClean="0">
+                <a:latin typeface="Proxima Nova"/>
+                <a:ea typeface="Proxima Nova"/>
+                <a:cs typeface="Proxima Nova"/>
+                <a:sym typeface="Proxima Nova"/>
+              </a:rPr>
+              <a:t>Модуль содержит методы для записи агрегированных данный в БД </a:t>
+            </a:r>
+            <a:endParaRPr lang="en-US" sz="1200" b="1" dirty="0">
+              <a:latin typeface="Proxima Nova"/>
+              <a:ea typeface="Proxima Nova"/>
+              <a:cs typeface="Proxima Nova"/>
+              <a:sym typeface="Proxima Nova"/>
+            </a:endParaRPr>
+          </a:p>
+        </p:txBody>
+      </p:sp>
+      <p:sp>
+        <p:nvSpPr>
+          <p:cNvPr id="12" name="Google Shape;885;p55"/>
+          <p:cNvSpPr/>
+          <p:nvPr/>
+        </p:nvSpPr>
+        <p:spPr>
+          <a:xfrm>
+            <a:off x="323528" y="3429000"/>
+            <a:ext cx="335638" cy="330512"/>
+          </a:xfrm>
+          <a:prstGeom prst="ellipse">
+            <a:avLst/>
+          </a:prstGeom>
+          <a:noFill/>
+          <a:ln w="28575" cap="flat" cmpd="sng">
+            <a:solidFill>
+              <a:srgbClr val="4BD0A0"/>
+            </a:solidFill>
+            <a:prstDash val="solid"/>
+            <a:round/>
+            <a:headEnd type="none" w="sm" len="sm"/>
+            <a:tailEnd type="none" w="sm" len="sm"/>
+          </a:ln>
+        </p:spPr>
+        <p:txBody>
+          <a:bodyPr spcFirstLastPara="1" wrap="square" lIns="91425" tIns="91425" rIns="91425" bIns="91425" anchor="ctr" anchorCtr="0">
+            <a:noAutofit/>
+          </a:bodyPr>
+          <a:lstStyle/>
+          <a:p>
+            <a:pPr algn="ctr">
+              <a:buClr>
+                <a:schemeClr val="dk1"/>
+              </a:buClr>
+              <a:buSzPts val="1100"/>
+            </a:pPr>
+            <a:endParaRPr sz="1600" b="1" dirty="0"/>
           </a:p>
         </p:txBody>
       </p:sp>
@@ -7783,718 +9924,7 @@
 </p:sld>
 </file>
 
-<file path=ppt/slides/slide3.xml><?xml version="1.0" encoding="utf-8"?>
-<p:sld xmlns:a="http://schemas.openxmlformats.org/drawingml/2006/main" xmlns:r="http://schemas.openxmlformats.org/officeDocument/2006/relationships" xmlns:p="http://schemas.openxmlformats.org/presentationml/2006/main">
-  <p:cSld>
-    <p:spTree>
-      <p:nvGrpSpPr>
-        <p:cNvPr id="1" name=""/>
-        <p:cNvGrpSpPr/>
-        <p:nvPr/>
-      </p:nvGrpSpPr>
-      <p:grpSpPr>
-        <a:xfrm>
-          <a:off x="0" y="0"/>
-          <a:ext cx="0" cy="0"/>
-          <a:chOff x="0" y="0"/>
-          <a:chExt cx="0" cy="0"/>
-        </a:xfrm>
-      </p:grpSpPr>
-      <p:sp>
-        <p:nvSpPr>
-          <p:cNvPr id="2" name="Google Shape;901;p55"/>
-          <p:cNvSpPr txBox="1"/>
-          <p:nvPr/>
-        </p:nvSpPr>
-        <p:spPr>
-          <a:xfrm>
-            <a:off x="275925" y="326400"/>
-            <a:ext cx="7146000" cy="438304"/>
-          </a:xfrm>
-          <a:prstGeom prst="rect">
-            <a:avLst/>
-          </a:prstGeom>
-          <a:noFill/>
-          <a:ln>
-            <a:noFill/>
-          </a:ln>
-        </p:spPr>
-        <p:txBody>
-          <a:bodyPr spcFirstLastPara="1" wrap="square" lIns="0" tIns="0" rIns="0" bIns="0" anchor="t" anchorCtr="0">
-            <a:noAutofit/>
-          </a:bodyPr>
-          <a:lstStyle/>
-          <a:p>
-            <a:pPr>
-              <a:lnSpc>
-                <a:spcPct val="80000"/>
-              </a:lnSpc>
-              <a:buClr>
-                <a:schemeClr val="dk1"/>
-              </a:buClr>
-              <a:buSzPts val="1100"/>
-            </a:pPr>
-            <a:r>
-              <a:rPr lang="ru" sz="2400" b="1" dirty="0" smtClean="0">
-                <a:latin typeface="Proxima Nova"/>
-                <a:ea typeface="Proxima Nova"/>
-                <a:cs typeface="Proxima Nova"/>
-                <a:sym typeface="Proxima Nova"/>
-              </a:rPr>
-              <a:t>Реализованные модули проекта</a:t>
-            </a:r>
-            <a:endParaRPr sz="2400" b="1" dirty="0">
-              <a:latin typeface="Proxima Nova"/>
-              <a:ea typeface="Proxima Nova"/>
-              <a:cs typeface="Proxima Nova"/>
-              <a:sym typeface="Proxima Nova"/>
-            </a:endParaRPr>
-          </a:p>
-        </p:txBody>
-      </p:sp>
-      <p:sp>
-        <p:nvSpPr>
-          <p:cNvPr id="3" name="Google Shape;884;p55"/>
-          <p:cNvSpPr txBox="1"/>
-          <p:nvPr/>
-        </p:nvSpPr>
-        <p:spPr>
-          <a:xfrm>
-            <a:off x="827584" y="1052736"/>
-            <a:ext cx="6696744" cy="405608"/>
-          </a:xfrm>
-          <a:prstGeom prst="rect">
-            <a:avLst/>
-          </a:prstGeom>
-          <a:noFill/>
-          <a:ln>
-            <a:noFill/>
-          </a:ln>
-        </p:spPr>
-        <p:txBody>
-          <a:bodyPr spcFirstLastPara="1" wrap="square" lIns="0" tIns="0" rIns="0" bIns="0" anchor="ctr" anchorCtr="0">
-            <a:noAutofit/>
-          </a:bodyPr>
-          <a:lstStyle/>
-          <a:p>
-            <a:r>
-              <a:rPr lang="en-US" sz="1200" b="1" dirty="0" smtClean="0">
-                <a:latin typeface="Proxima Nova"/>
-                <a:ea typeface="Proxima Nova"/>
-                <a:cs typeface="Proxima Nova"/>
-                <a:sym typeface="Proxima Nova"/>
-              </a:rPr>
-              <a:t>BINANCE_KAFKA_PRODUCER</a:t>
-            </a:r>
-            <a:r>
-              <a:rPr lang="en-US" sz="1200" dirty="0" smtClean="0">
-                <a:latin typeface="Proxima Nova"/>
-                <a:ea typeface="Proxima Nova"/>
-                <a:cs typeface="Proxima Nova"/>
-                <a:sym typeface="Proxima Nova"/>
-              </a:rPr>
-              <a:t> – </a:t>
-            </a:r>
-            <a:r>
-              <a:rPr lang="ru-RU" sz="1200" dirty="0" smtClean="0">
-                <a:latin typeface="Proxima Nova"/>
-                <a:ea typeface="Proxima Nova"/>
-                <a:cs typeface="Proxima Nova"/>
-                <a:sym typeface="Proxima Nova"/>
-              </a:rPr>
-              <a:t>Модуль выполняет запрос торговых данных через </a:t>
-            </a:r>
-            <a:r>
-              <a:rPr lang="en-US" sz="1200" dirty="0" err="1" smtClean="0">
-                <a:latin typeface="Proxima Nova"/>
-                <a:ea typeface="Proxima Nova"/>
-                <a:cs typeface="Proxima Nova"/>
-                <a:sym typeface="Proxima Nova"/>
-              </a:rPr>
-              <a:t>Binance</a:t>
-            </a:r>
-            <a:r>
-              <a:rPr lang="en-US" sz="1200" dirty="0" smtClean="0">
-                <a:latin typeface="Proxima Nova"/>
-                <a:ea typeface="Proxima Nova"/>
-                <a:cs typeface="Proxima Nova"/>
-                <a:sym typeface="Proxima Nova"/>
-              </a:rPr>
-              <a:t> API</a:t>
-            </a:r>
-            <a:r>
-              <a:rPr lang="ru-RU" sz="1200" dirty="0" smtClean="0">
-                <a:latin typeface="Proxima Nova"/>
-                <a:ea typeface="Proxima Nova"/>
-                <a:cs typeface="Proxima Nova"/>
-                <a:sym typeface="Proxima Nova"/>
-              </a:rPr>
-              <a:t> и отправляет каждый тип данных в свою очередь в </a:t>
-            </a:r>
-            <a:r>
-              <a:rPr lang="en-US" sz="1200" dirty="0" smtClean="0">
-                <a:latin typeface="Proxima Nova"/>
-                <a:ea typeface="Proxima Nova"/>
-                <a:cs typeface="Proxima Nova"/>
-                <a:sym typeface="Proxima Nova"/>
-              </a:rPr>
-              <a:t>Kafka</a:t>
-            </a:r>
-            <a:endParaRPr sz="1200" dirty="0">
-              <a:latin typeface="Proxima Nova"/>
-              <a:ea typeface="Proxima Nova"/>
-              <a:cs typeface="Proxima Nova"/>
-              <a:sym typeface="Proxima Nova"/>
-            </a:endParaRPr>
-          </a:p>
-        </p:txBody>
-      </p:sp>
-      <p:sp>
-        <p:nvSpPr>
-          <p:cNvPr id="4" name="Google Shape;885;p55"/>
-          <p:cNvSpPr/>
-          <p:nvPr/>
-        </p:nvSpPr>
-        <p:spPr>
-          <a:xfrm>
-            <a:off x="323528" y="1124744"/>
-            <a:ext cx="335638" cy="330512"/>
-          </a:xfrm>
-          <a:prstGeom prst="ellipse">
-            <a:avLst/>
-          </a:prstGeom>
-          <a:noFill/>
-          <a:ln w="28575" cap="flat" cmpd="sng">
-            <a:solidFill>
-              <a:srgbClr val="4BD0A0"/>
-            </a:solidFill>
-            <a:prstDash val="solid"/>
-            <a:round/>
-            <a:headEnd type="none" w="sm" len="sm"/>
-            <a:tailEnd type="none" w="sm" len="sm"/>
-          </a:ln>
-        </p:spPr>
-        <p:txBody>
-          <a:bodyPr spcFirstLastPara="1" wrap="square" lIns="91425" tIns="91425" rIns="91425" bIns="91425" anchor="ctr" anchorCtr="0">
-            <a:noAutofit/>
-          </a:bodyPr>
-          <a:lstStyle/>
-          <a:p>
-            <a:pPr algn="ctr">
-              <a:buClr>
-                <a:schemeClr val="dk1"/>
-              </a:buClr>
-              <a:buSzPts val="1100"/>
-            </a:pPr>
-            <a:endParaRPr sz="1600" b="1" dirty="0"/>
-          </a:p>
-        </p:txBody>
-      </p:sp>
-      <p:sp>
-        <p:nvSpPr>
-          <p:cNvPr id="5" name="Google Shape;884;p55"/>
-          <p:cNvSpPr txBox="1"/>
-          <p:nvPr/>
-        </p:nvSpPr>
-        <p:spPr>
-          <a:xfrm>
-            <a:off x="827584" y="1628800"/>
-            <a:ext cx="8316416" cy="405608"/>
-          </a:xfrm>
-          <a:prstGeom prst="rect">
-            <a:avLst/>
-          </a:prstGeom>
-          <a:noFill/>
-          <a:ln>
-            <a:noFill/>
-          </a:ln>
-        </p:spPr>
-        <p:txBody>
-          <a:bodyPr spcFirstLastPara="1" wrap="square" lIns="0" tIns="0" rIns="0" bIns="0" anchor="ctr" anchorCtr="0">
-            <a:noAutofit/>
-          </a:bodyPr>
-          <a:lstStyle/>
-          <a:p>
-            <a:r>
-              <a:rPr lang="en-US" sz="1200" b="1" dirty="0" smtClean="0">
-                <a:latin typeface="Proxima Nova"/>
-                <a:ea typeface="Proxima Nova"/>
-                <a:cs typeface="Proxima Nova"/>
-                <a:sym typeface="Proxima Nova"/>
-              </a:rPr>
-              <a:t>COMMON_TRADE</a:t>
-            </a:r>
-            <a:r>
-              <a:rPr lang="en-US" sz="1200" dirty="0" smtClean="0">
-                <a:latin typeface="Proxima Nova"/>
-                <a:ea typeface="Proxima Nova"/>
-                <a:cs typeface="Proxima Nova"/>
-                <a:sym typeface="Proxima Nova"/>
-              </a:rPr>
-              <a:t> – </a:t>
-            </a:r>
-            <a:r>
-              <a:rPr lang="ru-RU" sz="1200" dirty="0" smtClean="0">
-                <a:latin typeface="Proxima Nova"/>
-                <a:ea typeface="Proxima Nova"/>
-                <a:cs typeface="Proxima Nova"/>
-                <a:sym typeface="Proxima Nova"/>
-              </a:rPr>
-              <a:t>Модуль служит хранилищем общих сущностей и специальных вспомогательных классов </a:t>
-            </a:r>
-            <a:endParaRPr lang="en-US" sz="1200" b="1" dirty="0">
-              <a:latin typeface="Proxima Nova"/>
-              <a:ea typeface="Proxima Nova"/>
-              <a:cs typeface="Proxima Nova"/>
-              <a:sym typeface="Proxima Nova"/>
-            </a:endParaRPr>
-          </a:p>
-        </p:txBody>
-      </p:sp>
-      <p:sp>
-        <p:nvSpPr>
-          <p:cNvPr id="6" name="Google Shape;885;p55"/>
-          <p:cNvSpPr/>
-          <p:nvPr/>
-        </p:nvSpPr>
-        <p:spPr>
-          <a:xfrm>
-            <a:off x="323528" y="1700808"/>
-            <a:ext cx="335638" cy="330512"/>
-          </a:xfrm>
-          <a:prstGeom prst="ellipse">
-            <a:avLst/>
-          </a:prstGeom>
-          <a:noFill/>
-          <a:ln w="28575" cap="flat" cmpd="sng">
-            <a:solidFill>
-              <a:srgbClr val="4BD0A0"/>
-            </a:solidFill>
-            <a:prstDash val="solid"/>
-            <a:round/>
-            <a:headEnd type="none" w="sm" len="sm"/>
-            <a:tailEnd type="none" w="sm" len="sm"/>
-          </a:ln>
-        </p:spPr>
-        <p:txBody>
-          <a:bodyPr spcFirstLastPara="1" wrap="square" lIns="91425" tIns="91425" rIns="91425" bIns="91425" anchor="ctr" anchorCtr="0">
-            <a:noAutofit/>
-          </a:bodyPr>
-          <a:lstStyle/>
-          <a:p>
-            <a:pPr algn="ctr">
-              <a:buClr>
-                <a:schemeClr val="dk1"/>
-              </a:buClr>
-              <a:buSzPts val="1100"/>
-            </a:pPr>
-            <a:endParaRPr sz="1600" b="1" dirty="0"/>
-          </a:p>
-        </p:txBody>
-      </p:sp>
-      <p:sp>
-        <p:nvSpPr>
-          <p:cNvPr id="7" name="Google Shape;884;p55"/>
-          <p:cNvSpPr txBox="1"/>
-          <p:nvPr/>
-        </p:nvSpPr>
-        <p:spPr>
-          <a:xfrm>
-            <a:off x="827584" y="2204864"/>
-            <a:ext cx="7416824" cy="405608"/>
-          </a:xfrm>
-          <a:prstGeom prst="rect">
-            <a:avLst/>
-          </a:prstGeom>
-          <a:noFill/>
-          <a:ln>
-            <a:noFill/>
-          </a:ln>
-        </p:spPr>
-        <p:txBody>
-          <a:bodyPr spcFirstLastPara="1" wrap="square" lIns="0" tIns="0" rIns="0" bIns="0" anchor="ctr" anchorCtr="0">
-            <a:noAutofit/>
-          </a:bodyPr>
-          <a:lstStyle/>
-          <a:p>
-            <a:r>
-              <a:rPr lang="en-US" sz="1200" b="1" dirty="0" smtClean="0">
-                <a:latin typeface="Proxima Nova"/>
-                <a:ea typeface="Proxima Nova"/>
-                <a:cs typeface="Proxima Nova"/>
-                <a:sym typeface="Proxima Nova"/>
-              </a:rPr>
-              <a:t>AGGREGATOR_KAFKA_CONSUMER </a:t>
-            </a:r>
-            <a:r>
-              <a:rPr lang="ru-RU" sz="1200" dirty="0" smtClean="0">
-                <a:latin typeface="Proxima Nova"/>
-                <a:ea typeface="Proxima Nova"/>
-                <a:cs typeface="Proxima Nova"/>
-                <a:sym typeface="Proxima Nova"/>
-              </a:rPr>
-              <a:t>–</a:t>
-            </a:r>
-            <a:r>
-              <a:rPr lang="en-US" sz="1200" dirty="0" smtClean="0">
-                <a:latin typeface="Proxima Nova"/>
-                <a:ea typeface="Proxima Nova"/>
-                <a:cs typeface="Proxima Nova"/>
-                <a:sym typeface="Proxima Nova"/>
-              </a:rPr>
-              <a:t> </a:t>
-            </a:r>
-            <a:r>
-              <a:rPr lang="ru-RU" sz="1200" dirty="0" smtClean="0">
-                <a:latin typeface="Proxima Nova"/>
-                <a:ea typeface="Proxima Nova"/>
-                <a:cs typeface="Proxima Nova"/>
-                <a:sym typeface="Proxima Nova"/>
-              </a:rPr>
-              <a:t>Модуль выполняет агрегацию исходных данных из </a:t>
-            </a:r>
-            <a:r>
-              <a:rPr lang="en-US" sz="1200" dirty="0" smtClean="0">
-                <a:latin typeface="Proxima Nova"/>
-                <a:ea typeface="Proxima Nova"/>
-                <a:cs typeface="Proxima Nova"/>
-                <a:sym typeface="Proxima Nova"/>
-              </a:rPr>
-              <a:t>Kafka</a:t>
-            </a:r>
-            <a:r>
-              <a:rPr lang="ru-RU" sz="1200" dirty="0" smtClean="0">
-                <a:latin typeface="Proxima Nova"/>
-                <a:ea typeface="Proxima Nova"/>
-                <a:cs typeface="Proxima Nova"/>
-                <a:sym typeface="Proxima Nova"/>
-              </a:rPr>
-              <a:t> </a:t>
-            </a:r>
-            <a:endParaRPr lang="en-US" sz="1200" b="1" dirty="0">
-              <a:latin typeface="Proxima Nova"/>
-              <a:ea typeface="Proxima Nova"/>
-              <a:cs typeface="Proxima Nova"/>
-              <a:sym typeface="Proxima Nova"/>
-            </a:endParaRPr>
-          </a:p>
-        </p:txBody>
-      </p:sp>
-      <p:sp>
-        <p:nvSpPr>
-          <p:cNvPr id="8" name="Google Shape;885;p55"/>
-          <p:cNvSpPr/>
-          <p:nvPr/>
-        </p:nvSpPr>
-        <p:spPr>
-          <a:xfrm>
-            <a:off x="323528" y="2276872"/>
-            <a:ext cx="335638" cy="330512"/>
-          </a:xfrm>
-          <a:prstGeom prst="ellipse">
-            <a:avLst/>
-          </a:prstGeom>
-          <a:noFill/>
-          <a:ln w="28575" cap="flat" cmpd="sng">
-            <a:solidFill>
-              <a:srgbClr val="4BD0A0"/>
-            </a:solidFill>
-            <a:prstDash val="solid"/>
-            <a:round/>
-            <a:headEnd type="none" w="sm" len="sm"/>
-            <a:tailEnd type="none" w="sm" len="sm"/>
-          </a:ln>
-        </p:spPr>
-        <p:txBody>
-          <a:bodyPr spcFirstLastPara="1" wrap="square" lIns="91425" tIns="91425" rIns="91425" bIns="91425" anchor="ctr" anchorCtr="0">
-            <a:noAutofit/>
-          </a:bodyPr>
-          <a:lstStyle/>
-          <a:p>
-            <a:pPr algn="ctr">
-              <a:buClr>
-                <a:schemeClr val="dk1"/>
-              </a:buClr>
-              <a:buSzPts val="1100"/>
-            </a:pPr>
-            <a:endParaRPr sz="1600" b="1" dirty="0"/>
-          </a:p>
-        </p:txBody>
-      </p:sp>
-      <p:sp>
-        <p:nvSpPr>
-          <p:cNvPr id="9" name="Google Shape;884;p55"/>
-          <p:cNvSpPr txBox="1"/>
-          <p:nvPr/>
-        </p:nvSpPr>
-        <p:spPr>
-          <a:xfrm>
-            <a:off x="827584" y="2780928"/>
-            <a:ext cx="7776864" cy="405608"/>
-          </a:xfrm>
-          <a:prstGeom prst="rect">
-            <a:avLst/>
-          </a:prstGeom>
-          <a:noFill/>
-          <a:ln>
-            <a:noFill/>
-          </a:ln>
-        </p:spPr>
-        <p:txBody>
-          <a:bodyPr spcFirstLastPara="1" wrap="square" lIns="0" tIns="0" rIns="0" bIns="0" anchor="ctr" anchorCtr="0">
-            <a:noAutofit/>
-          </a:bodyPr>
-          <a:lstStyle/>
-          <a:p>
-            <a:r>
-              <a:rPr lang="en-US" sz="1200" b="1" dirty="0" smtClean="0">
-                <a:latin typeface="Proxima Nova"/>
-                <a:ea typeface="Proxima Nova"/>
-                <a:cs typeface="Proxima Nova"/>
-                <a:sym typeface="Proxima Nova"/>
-              </a:rPr>
-              <a:t>DATA_SCIENCE </a:t>
-            </a:r>
-            <a:r>
-              <a:rPr lang="ru-RU" sz="1200" dirty="0" smtClean="0">
-                <a:latin typeface="Proxima Nova"/>
-                <a:ea typeface="Proxima Nova"/>
-                <a:cs typeface="Proxima Nova"/>
-                <a:sym typeface="Proxima Nova"/>
-              </a:rPr>
-              <a:t>–</a:t>
-            </a:r>
-            <a:r>
-              <a:rPr lang="en-US" sz="1200" dirty="0" smtClean="0">
-                <a:latin typeface="Proxima Nova"/>
-                <a:ea typeface="Proxima Nova"/>
-                <a:cs typeface="Proxima Nova"/>
-                <a:sym typeface="Proxima Nova"/>
-              </a:rPr>
-              <a:t> </a:t>
-            </a:r>
-            <a:r>
-              <a:rPr lang="ru-RU" sz="1200" dirty="0" smtClean="0">
-                <a:latin typeface="Proxima Nova"/>
-                <a:ea typeface="Proxima Nova"/>
-                <a:cs typeface="Proxima Nova"/>
-                <a:sym typeface="Proxima Nova"/>
-              </a:rPr>
-              <a:t>Модуль содержит ноутбуки с решениями </a:t>
-            </a:r>
-            <a:r>
-              <a:rPr lang="en-US" sz="1200" dirty="0" smtClean="0">
-                <a:latin typeface="Proxima Nova"/>
-                <a:ea typeface="Proxima Nova"/>
-                <a:cs typeface="Proxima Nova"/>
-                <a:sym typeface="Proxima Nova"/>
-              </a:rPr>
-              <a:t>Data Science </a:t>
-            </a:r>
-            <a:r>
-              <a:rPr lang="ru-RU" sz="1200" dirty="0" smtClean="0">
-                <a:latin typeface="Proxima Nova"/>
-                <a:ea typeface="Proxima Nova"/>
-                <a:cs typeface="Proxima Nova"/>
-                <a:sym typeface="Proxima Nova"/>
-              </a:rPr>
-              <a:t>и </a:t>
-            </a:r>
-            <a:r>
-              <a:rPr lang="en-US" sz="1200" dirty="0" smtClean="0">
-                <a:latin typeface="Proxima Nova"/>
-                <a:ea typeface="Proxima Nova"/>
-                <a:cs typeface="Proxima Nova"/>
-                <a:sym typeface="Proxima Nova"/>
-              </a:rPr>
-              <a:t>Machine Learning </a:t>
-            </a:r>
-            <a:r>
-              <a:rPr lang="ru-RU" sz="1200" dirty="0" smtClean="0">
-                <a:latin typeface="Proxima Nova"/>
-                <a:ea typeface="Proxima Nova"/>
-                <a:cs typeface="Proxima Nova"/>
-                <a:sym typeface="Proxima Nova"/>
-              </a:rPr>
-              <a:t> </a:t>
-            </a:r>
-            <a:endParaRPr lang="en-US" sz="1200" b="1" dirty="0">
-              <a:latin typeface="Proxima Nova"/>
-              <a:ea typeface="Proxima Nova"/>
-              <a:cs typeface="Proxima Nova"/>
-              <a:sym typeface="Proxima Nova"/>
-            </a:endParaRPr>
-          </a:p>
-        </p:txBody>
-      </p:sp>
-      <p:sp>
-        <p:nvSpPr>
-          <p:cNvPr id="10" name="Google Shape;885;p55"/>
-          <p:cNvSpPr/>
-          <p:nvPr/>
-        </p:nvSpPr>
-        <p:spPr>
-          <a:xfrm>
-            <a:off x="323528" y="2852936"/>
-            <a:ext cx="335638" cy="330512"/>
-          </a:xfrm>
-          <a:prstGeom prst="ellipse">
-            <a:avLst/>
-          </a:prstGeom>
-          <a:noFill/>
-          <a:ln w="28575" cap="flat" cmpd="sng">
-            <a:solidFill>
-              <a:srgbClr val="4BD0A0"/>
-            </a:solidFill>
-            <a:prstDash val="solid"/>
-            <a:round/>
-            <a:headEnd type="none" w="sm" len="sm"/>
-            <a:tailEnd type="none" w="sm" len="sm"/>
-          </a:ln>
-        </p:spPr>
-        <p:txBody>
-          <a:bodyPr spcFirstLastPara="1" wrap="square" lIns="91425" tIns="91425" rIns="91425" bIns="91425" anchor="ctr" anchorCtr="0">
-            <a:noAutofit/>
-          </a:bodyPr>
-          <a:lstStyle/>
-          <a:p>
-            <a:pPr algn="ctr">
-              <a:buClr>
-                <a:schemeClr val="dk1"/>
-              </a:buClr>
-              <a:buSzPts val="1100"/>
-            </a:pPr>
-            <a:endParaRPr sz="1600" b="1" dirty="0"/>
-          </a:p>
-        </p:txBody>
-      </p:sp>
-      <p:sp>
-        <p:nvSpPr>
-          <p:cNvPr id="11" name="Google Shape;884;p55"/>
-          <p:cNvSpPr txBox="1"/>
-          <p:nvPr/>
-        </p:nvSpPr>
-        <p:spPr>
-          <a:xfrm>
-            <a:off x="791072" y="3429000"/>
-            <a:ext cx="8352928" cy="405608"/>
-          </a:xfrm>
-          <a:prstGeom prst="rect">
-            <a:avLst/>
-          </a:prstGeom>
-          <a:noFill/>
-          <a:ln>
-            <a:noFill/>
-          </a:ln>
-        </p:spPr>
-        <p:txBody>
-          <a:bodyPr spcFirstLastPara="1" wrap="square" lIns="0" tIns="0" rIns="0" bIns="0" anchor="ctr" anchorCtr="0">
-            <a:noAutofit/>
-          </a:bodyPr>
-          <a:lstStyle/>
-          <a:p>
-            <a:r>
-              <a:rPr lang="en-US" sz="1200" b="1" dirty="0" smtClean="0">
-                <a:latin typeface="Proxima Nova"/>
-                <a:ea typeface="Proxima Nova"/>
-                <a:cs typeface="Proxima Nova"/>
-                <a:sym typeface="Proxima Nova"/>
-              </a:rPr>
-              <a:t>HIBERNATE_POSTGRES_DATASOURCE </a:t>
-            </a:r>
-            <a:r>
-              <a:rPr lang="ru-RU" sz="1200" dirty="0" smtClean="0">
-                <a:latin typeface="Proxima Nova"/>
-                <a:ea typeface="Proxima Nova"/>
-                <a:cs typeface="Proxima Nova"/>
-                <a:sym typeface="Proxima Nova"/>
-              </a:rPr>
-              <a:t>–</a:t>
-            </a:r>
-            <a:r>
-              <a:rPr lang="en-US" sz="1200" dirty="0" smtClean="0">
-                <a:latin typeface="Proxima Nova"/>
-                <a:ea typeface="Proxima Nova"/>
-                <a:cs typeface="Proxima Nova"/>
-                <a:sym typeface="Proxima Nova"/>
-              </a:rPr>
-              <a:t> </a:t>
-            </a:r>
-            <a:r>
-              <a:rPr lang="ru-RU" sz="1200" dirty="0" smtClean="0">
-                <a:latin typeface="Proxima Nova"/>
-                <a:ea typeface="Proxima Nova"/>
-                <a:cs typeface="Proxima Nova"/>
-                <a:sym typeface="Proxima Nova"/>
-              </a:rPr>
-              <a:t>Модуль содержит методы для записи агрегированных данный в БД </a:t>
-            </a:r>
-            <a:endParaRPr lang="en-US" sz="1200" b="1" dirty="0">
-              <a:latin typeface="Proxima Nova"/>
-              <a:ea typeface="Proxima Nova"/>
-              <a:cs typeface="Proxima Nova"/>
-              <a:sym typeface="Proxima Nova"/>
-            </a:endParaRPr>
-          </a:p>
-        </p:txBody>
-      </p:sp>
-      <p:sp>
-        <p:nvSpPr>
-          <p:cNvPr id="12" name="Google Shape;885;p55"/>
-          <p:cNvSpPr/>
-          <p:nvPr/>
-        </p:nvSpPr>
-        <p:spPr>
-          <a:xfrm>
-            <a:off x="323528" y="3429000"/>
-            <a:ext cx="335638" cy="330512"/>
-          </a:xfrm>
-          <a:prstGeom prst="ellipse">
-            <a:avLst/>
-          </a:prstGeom>
-          <a:noFill/>
-          <a:ln w="28575" cap="flat" cmpd="sng">
-            <a:solidFill>
-              <a:srgbClr val="4BD0A0"/>
-            </a:solidFill>
-            <a:prstDash val="solid"/>
-            <a:round/>
-            <a:headEnd type="none" w="sm" len="sm"/>
-            <a:tailEnd type="none" w="sm" len="sm"/>
-          </a:ln>
-        </p:spPr>
-        <p:txBody>
-          <a:bodyPr spcFirstLastPara="1" wrap="square" lIns="91425" tIns="91425" rIns="91425" bIns="91425" anchor="ctr" anchorCtr="0">
-            <a:noAutofit/>
-          </a:bodyPr>
-          <a:lstStyle/>
-          <a:p>
-            <a:pPr algn="ctr">
-              <a:buClr>
-                <a:schemeClr val="dk1"/>
-              </a:buClr>
-              <a:buSzPts val="1100"/>
-            </a:pPr>
-            <a:endParaRPr sz="1600" b="1" dirty="0"/>
-          </a:p>
-        </p:txBody>
-      </p:sp>
-    </p:spTree>
-  </p:cSld>
-  <p:clrMapOvr>
-    <a:masterClrMapping/>
-  </p:clrMapOvr>
-  <p:timing>
-    <p:tnLst>
-      <p:par>
-        <p:cTn id="1" dur="indefinite" restart="never" nodeType="tmRoot"/>
-      </p:par>
-    </p:tnLst>
-  </p:timing>
-</p:sld>
-</file>
-
-<file path=ppt/slides/slide4.xml><?xml version="1.0" encoding="utf-8"?>
+<file path=ppt/slides/slide5.xml><?xml version="1.0" encoding="utf-8"?>
 <p:sld xmlns:a="http://schemas.openxmlformats.org/drawingml/2006/main" xmlns:r="http://schemas.openxmlformats.org/officeDocument/2006/relationships" xmlns:p="http://schemas.openxmlformats.org/presentationml/2006/main">
   <p:cSld>
     <p:spTree>
@@ -9343,7 +10773,7 @@
 </p:sld>
 </file>
 
-<file path=ppt/slides/slide5.xml><?xml version="1.0" encoding="utf-8"?>
+<file path=ppt/slides/slide6.xml><?xml version="1.0" encoding="utf-8"?>
 <p:sld xmlns:a="http://schemas.openxmlformats.org/drawingml/2006/main" xmlns:r="http://schemas.openxmlformats.org/officeDocument/2006/relationships" xmlns:p="http://schemas.openxmlformats.org/presentationml/2006/main">
   <p:cSld>
     <p:spTree>
@@ -9574,7 +11004,7 @@
 </p:sld>
 </file>
 
-<file path=ppt/slides/slide6.xml><?xml version="1.0" encoding="utf-8"?>
+<file path=ppt/slides/slide7.xml><?xml version="1.0" encoding="utf-8"?>
 <p:sld xmlns:a="http://schemas.openxmlformats.org/drawingml/2006/main" xmlns:r="http://schemas.openxmlformats.org/officeDocument/2006/relationships" xmlns:p="http://schemas.openxmlformats.org/presentationml/2006/main">
   <p:cSld>
     <p:spTree>
@@ -10141,277 +11571,6 @@
 </p:sld>
 </file>
 
-<file path=ppt/slides/slide7.xml><?xml version="1.0" encoding="utf-8"?>
-<p:sld xmlns:a="http://schemas.openxmlformats.org/drawingml/2006/main" xmlns:r="http://schemas.openxmlformats.org/officeDocument/2006/relationships" xmlns:p="http://schemas.openxmlformats.org/presentationml/2006/main">
-  <p:cSld>
-    <p:spTree>
-      <p:nvGrpSpPr>
-        <p:cNvPr id="1" name=""/>
-        <p:cNvGrpSpPr/>
-        <p:nvPr/>
-      </p:nvGrpSpPr>
-      <p:grpSpPr>
-        <a:xfrm>
-          <a:off x="0" y="0"/>
-          <a:ext cx="0" cy="0"/>
-          <a:chOff x="0" y="0"/>
-          <a:chExt cx="0" cy="0"/>
-        </a:xfrm>
-      </p:grpSpPr>
-      <p:sp>
-        <p:nvSpPr>
-          <p:cNvPr id="2" name="TextBox 1"/>
-          <p:cNvSpPr txBox="1"/>
-          <p:nvPr/>
-        </p:nvSpPr>
-        <p:spPr>
-          <a:xfrm>
-            <a:off x="431032" y="692696"/>
-            <a:ext cx="8712968" cy="4093428"/>
-          </a:xfrm>
-          <a:prstGeom prst="rect">
-            <a:avLst/>
-          </a:prstGeom>
-          <a:noFill/>
-        </p:spPr>
-        <p:txBody>
-          <a:bodyPr wrap="square" rtlCol="0">
-            <a:spAutoFit/>
-          </a:bodyPr>
-          <a:lstStyle/>
-          <a:p>
-            <a:pPr>
-              <a:buFont typeface="Arial" pitchFamily="34" charset="0"/>
-              <a:buChar char="•"/>
-            </a:pPr>
-            <a:r>
-              <a:rPr lang="ru-RU" sz="2000" dirty="0" smtClean="0">
-                <a:latin typeface="Proxima Nova"/>
-              </a:rPr>
-              <a:t>  Создан потребитель данных из </a:t>
-            </a:r>
-            <a:r>
-              <a:rPr lang="en-US" sz="2000" dirty="0" smtClean="0">
-                <a:latin typeface="Proxima Nova"/>
-              </a:rPr>
-              <a:t>Kafka</a:t>
-            </a:r>
-            <a:r>
-              <a:rPr lang="ru-RU" sz="2000" dirty="0" smtClean="0">
-                <a:latin typeface="Proxima Nova"/>
-              </a:rPr>
-              <a:t>, который способен преобразовывать поток объемом 300 строк в секунду.</a:t>
-            </a:r>
-            <a:endParaRPr lang="en-US" sz="2000" dirty="0" smtClean="0">
-              <a:latin typeface="Proxima Nova"/>
-            </a:endParaRPr>
-          </a:p>
-          <a:p>
-            <a:endParaRPr lang="en-US" sz="2000" dirty="0" smtClean="0">
-              <a:latin typeface="Proxima Nova"/>
-            </a:endParaRPr>
-          </a:p>
-          <a:p>
-            <a:pPr>
-              <a:buFont typeface="Arial" pitchFamily="34" charset="0"/>
-              <a:buChar char="•"/>
-            </a:pPr>
-            <a:r>
-              <a:rPr lang="ru-RU" sz="2000" dirty="0" smtClean="0">
-                <a:latin typeface="Proxima Nova"/>
-              </a:rPr>
-              <a:t> Реализована агрегация данных для трансформации объемов за</a:t>
-            </a:r>
-            <a:r>
-              <a:rPr lang="en-US" sz="2000" dirty="0" smtClean="0">
-                <a:latin typeface="Proxima Nova"/>
-              </a:rPr>
-              <a:t> 1 </a:t>
-            </a:r>
-            <a:r>
-              <a:rPr lang="ru-RU" sz="2000" dirty="0" smtClean="0">
-                <a:latin typeface="Proxima Nova"/>
-              </a:rPr>
-              <a:t>и </a:t>
-            </a:r>
-            <a:r>
-              <a:rPr lang="en-US" sz="2000" dirty="0" smtClean="0">
-                <a:latin typeface="Proxima Nova"/>
-              </a:rPr>
-              <a:t>15 </a:t>
-            </a:r>
-            <a:r>
-              <a:rPr lang="ru-RU" sz="2000" dirty="0" smtClean="0">
-                <a:latin typeface="Proxima Nova"/>
-              </a:rPr>
-              <a:t>минут в объекты: </a:t>
-            </a:r>
-            <a:r>
-              <a:rPr lang="en-US" sz="2000" dirty="0" err="1" smtClean="0">
-                <a:latin typeface="Proxima Nova"/>
-              </a:rPr>
-              <a:t>AggregatedTradeVolume</a:t>
-            </a:r>
-            <a:r>
-              <a:rPr lang="en-US" sz="2000" dirty="0" smtClean="0">
-                <a:latin typeface="Proxima Nova"/>
-              </a:rPr>
-              <a:t> </a:t>
-            </a:r>
-            <a:r>
-              <a:rPr lang="ru-RU" sz="2000" dirty="0" smtClean="0">
-                <a:latin typeface="Proxima Nova"/>
-              </a:rPr>
-              <a:t>и </a:t>
-            </a:r>
-            <a:r>
-              <a:rPr lang="en-US" sz="2000" dirty="0" smtClean="0">
-                <a:latin typeface="Proxima Nova"/>
-              </a:rPr>
-              <a:t>Candle</a:t>
-            </a:r>
-            <a:r>
-              <a:rPr lang="ru-RU" sz="2000" dirty="0" smtClean="0">
-                <a:latin typeface="Proxima Nova"/>
-              </a:rPr>
-              <a:t>, </a:t>
-            </a:r>
-            <a:r>
-              <a:rPr lang="ru-RU" sz="2000" dirty="0" err="1" smtClean="0">
-                <a:latin typeface="Proxima Nova"/>
-              </a:rPr>
-              <a:t>соотвественно</a:t>
-            </a:r>
-            <a:r>
-              <a:rPr lang="ru-RU" sz="2000" dirty="0" smtClean="0">
-                <a:latin typeface="Proxima Nova"/>
-              </a:rPr>
-              <a:t>.</a:t>
-            </a:r>
-          </a:p>
-          <a:p>
-            <a:pPr>
-              <a:buFont typeface="Arial" pitchFamily="34" charset="0"/>
-              <a:buChar char="•"/>
-            </a:pPr>
-            <a:endParaRPr lang="en-US" sz="2000" dirty="0" smtClean="0">
-              <a:latin typeface="Proxima Nova"/>
-            </a:endParaRPr>
-          </a:p>
-          <a:p>
-            <a:pPr>
-              <a:buFont typeface="Arial" pitchFamily="34" charset="0"/>
-              <a:buChar char="•"/>
-            </a:pPr>
-            <a:r>
-              <a:rPr lang="en-US" sz="2000" dirty="0" smtClean="0">
-                <a:latin typeface="Proxima Nova"/>
-              </a:rPr>
-              <a:t> </a:t>
-            </a:r>
-            <a:r>
-              <a:rPr lang="ru-RU" sz="2000" dirty="0" smtClean="0">
-                <a:latin typeface="Proxima Nova"/>
-              </a:rPr>
-              <a:t>Использованы методы: среднее, стандартное отклонение, дисперсия, максимум, минимум, сумма.</a:t>
-            </a:r>
-          </a:p>
-          <a:p>
-            <a:pPr>
-              <a:buFont typeface="Arial" pitchFamily="34" charset="0"/>
-              <a:buChar char="•"/>
-            </a:pPr>
-            <a:endParaRPr lang="ru-RU" sz="2000" dirty="0" smtClean="0">
-              <a:latin typeface="Proxima Nova"/>
-            </a:endParaRPr>
-          </a:p>
-          <a:p>
-            <a:pPr>
-              <a:buFont typeface="Arial" pitchFamily="34" charset="0"/>
-              <a:buChar char="•"/>
-            </a:pPr>
-            <a:r>
-              <a:rPr lang="ru-RU" sz="2000" dirty="0" smtClean="0">
-                <a:latin typeface="Proxima Nova"/>
-              </a:rPr>
-              <a:t>  Запись агрегированных объектов осуществляется в таблицу </a:t>
-            </a:r>
-            <a:r>
-              <a:rPr lang="en-US" sz="2000" dirty="0" err="1" smtClean="0">
-                <a:latin typeface="Proxima Nova"/>
-              </a:rPr>
-              <a:t>Postgres</a:t>
-            </a:r>
-            <a:endParaRPr lang="ru-RU" sz="2000" dirty="0" smtClean="0">
-              <a:latin typeface="Proxima Nova"/>
-            </a:endParaRPr>
-          </a:p>
-          <a:p>
-            <a:endParaRPr lang="en-US" sz="2000" dirty="0" smtClean="0">
-              <a:latin typeface="Proxima Nova"/>
-            </a:endParaRPr>
-          </a:p>
-          <a:p>
-            <a:endParaRPr lang="en-US" sz="2000" dirty="0" smtClean="0">
-              <a:latin typeface="Proxima Nova"/>
-            </a:endParaRPr>
-          </a:p>
-          <a:p>
-            <a:endParaRPr lang="ru-RU" sz="2000" dirty="0">
-              <a:latin typeface="Proxima Nova"/>
-            </a:endParaRPr>
-          </a:p>
-        </p:txBody>
-      </p:sp>
-      <p:sp>
-        <p:nvSpPr>
-          <p:cNvPr id="3" name="Прямоугольник 2"/>
-          <p:cNvSpPr/>
-          <p:nvPr/>
-        </p:nvSpPr>
-        <p:spPr>
-          <a:xfrm>
-            <a:off x="395536" y="188640"/>
-            <a:ext cx="5796843" cy="461665"/>
-          </a:xfrm>
-          <a:prstGeom prst="rect">
-            <a:avLst/>
-          </a:prstGeom>
-        </p:spPr>
-        <p:txBody>
-          <a:bodyPr wrap="none">
-            <a:spAutoFit/>
-          </a:bodyPr>
-          <a:lstStyle/>
-          <a:p>
-            <a:r>
-              <a:rPr lang="en-US" sz="2400" b="1" dirty="0" smtClean="0">
-                <a:latin typeface="Proxima Nova"/>
-                <a:ea typeface="Proxima Nova"/>
-                <a:cs typeface="Proxima Nova"/>
-                <a:sym typeface="Proxima Nova"/>
-              </a:rPr>
-              <a:t>AGGREGATOR_KAFKA_CONSUMER</a:t>
-            </a:r>
-            <a:endParaRPr lang="ru-RU" sz="2400" b="1" dirty="0"/>
-          </a:p>
-        </p:txBody>
-      </p:sp>
-    </p:spTree>
-  </p:cSld>
-  <p:clrMapOvr>
-    <a:masterClrMapping/>
-  </p:clrMapOvr>
-  <p:timing>
-    <p:tnLst>
-      <p:par>
-        <p:cTn id="1" dur="indefinite" restart="never" nodeType="tmRoot"/>
-      </p:par>
-    </p:tnLst>
-  </p:timing>
-</p:sld>
-</file>
-
 <file path=ppt/slides/slide8.xml><?xml version="1.0" encoding="utf-8"?>
 <p:sld xmlns:a="http://schemas.openxmlformats.org/drawingml/2006/main" xmlns:r="http://schemas.openxmlformats.org/officeDocument/2006/relationships" xmlns:p="http://schemas.openxmlformats.org/presentationml/2006/main">
   <p:cSld>
@@ -10429,39 +11588,201 @@
           <a:chExt cx="0" cy="0"/>
         </a:xfrm>
       </p:grpSpPr>
-      <p:pic>
-        <p:nvPicPr>
-          <p:cNvPr id="1026" name="Picture 2"/>
-          <p:cNvPicPr>
-            <a:picLocks noChangeAspect="1" noChangeArrowheads="1"/>
-          </p:cNvPicPr>
+      <p:sp>
+        <p:nvSpPr>
+          <p:cNvPr id="2" name="TextBox 1"/>
+          <p:cNvSpPr txBox="1"/>
           <p:nvPr/>
-        </p:nvPicPr>
-        <p:blipFill>
-          <a:blip r:embed="rId2" cstate="print"/>
-          <a:srcRect/>
-          <a:stretch>
-            <a:fillRect/>
-          </a:stretch>
-        </p:blipFill>
-        <p:spPr bwMode="auto">
-          <a:xfrm>
-            <a:off x="323528" y="836712"/>
-            <a:ext cx="8496944" cy="5566868"/>
+        </p:nvSpPr>
+        <p:spPr>
+          <a:xfrm>
+            <a:off x="425724" y="836712"/>
+            <a:ext cx="8712968" cy="4893647"/>
           </a:xfrm>
           <a:prstGeom prst="rect">
             <a:avLst/>
           </a:prstGeom>
           <a:noFill/>
-          <a:ln w="9525">
-            <a:noFill/>
-            <a:miter lim="800000"/>
-            <a:headEnd/>
-            <a:tailEnd/>
-          </a:ln>
-          <a:effectLst/>
-        </p:spPr>
-      </p:pic>
+        </p:spPr>
+        <p:txBody>
+          <a:bodyPr wrap="square" rtlCol="0">
+            <a:spAutoFit/>
+          </a:bodyPr>
+          <a:lstStyle/>
+          <a:p>
+            <a:pPr>
+              <a:buFont typeface="Arial" pitchFamily="34" charset="0"/>
+              <a:buChar char="•"/>
+            </a:pPr>
+            <a:r>
+              <a:rPr lang="ru-RU" sz="2400" dirty="0" smtClean="0">
+                <a:latin typeface="Proxima Nova"/>
+              </a:rPr>
+              <a:t>  Создан потребитель данных из </a:t>
+            </a:r>
+            <a:r>
+              <a:rPr lang="en-US" sz="2400" dirty="0" smtClean="0">
+                <a:latin typeface="Proxima Nova"/>
+              </a:rPr>
+              <a:t>Kafka</a:t>
+            </a:r>
+            <a:r>
+              <a:rPr lang="ru-RU" sz="2400" dirty="0" smtClean="0">
+                <a:latin typeface="Proxima Nova"/>
+              </a:rPr>
+              <a:t>, который способен преобразовывать поток объемом 300 строк в секунду.</a:t>
+            </a:r>
+            <a:endParaRPr lang="en-US" sz="2400" dirty="0" smtClean="0">
+              <a:latin typeface="Proxima Nova"/>
+            </a:endParaRPr>
+          </a:p>
+          <a:p>
+            <a:endParaRPr lang="en-US" sz="2400" dirty="0" smtClean="0">
+              <a:latin typeface="Proxima Nova"/>
+            </a:endParaRPr>
+          </a:p>
+          <a:p>
+            <a:pPr>
+              <a:buFont typeface="Arial" pitchFamily="34" charset="0"/>
+              <a:buChar char="•"/>
+            </a:pPr>
+            <a:r>
+              <a:rPr lang="ru-RU" sz="2400" dirty="0" smtClean="0">
+                <a:latin typeface="Proxima Nova"/>
+              </a:rPr>
+              <a:t> Реализована агрегация данных для трансформации объемов за</a:t>
+            </a:r>
+            <a:r>
+              <a:rPr lang="en-US" sz="2400" dirty="0" smtClean="0">
+                <a:latin typeface="Proxima Nova"/>
+              </a:rPr>
+              <a:t> 1 </a:t>
+            </a:r>
+            <a:r>
+              <a:rPr lang="ru-RU" sz="2400" dirty="0" smtClean="0">
+                <a:latin typeface="Proxima Nova"/>
+              </a:rPr>
+              <a:t>и </a:t>
+            </a:r>
+            <a:r>
+              <a:rPr lang="en-US" sz="2400" dirty="0" smtClean="0">
+                <a:latin typeface="Proxima Nova"/>
+              </a:rPr>
+              <a:t>15 </a:t>
+            </a:r>
+            <a:r>
+              <a:rPr lang="ru-RU" sz="2400" dirty="0" smtClean="0">
+                <a:latin typeface="Proxima Nova"/>
+              </a:rPr>
+              <a:t>минут в объекты: </a:t>
+            </a:r>
+            <a:r>
+              <a:rPr lang="en-US" sz="2400" dirty="0" err="1" smtClean="0">
+                <a:latin typeface="Proxima Nova"/>
+              </a:rPr>
+              <a:t>AggregatedTradeVolume</a:t>
+            </a:r>
+            <a:r>
+              <a:rPr lang="en-US" sz="2400" dirty="0" smtClean="0">
+                <a:latin typeface="Proxima Nova"/>
+              </a:rPr>
+              <a:t> </a:t>
+            </a:r>
+            <a:r>
+              <a:rPr lang="ru-RU" sz="2400" dirty="0" smtClean="0">
+                <a:latin typeface="Proxima Nova"/>
+              </a:rPr>
+              <a:t>и </a:t>
+            </a:r>
+            <a:r>
+              <a:rPr lang="en-US" sz="2400" dirty="0" smtClean="0">
+                <a:latin typeface="Proxima Nova"/>
+              </a:rPr>
+              <a:t>Candle</a:t>
+            </a:r>
+            <a:r>
+              <a:rPr lang="ru-RU" sz="2400" dirty="0" smtClean="0">
+                <a:latin typeface="Proxima Nova"/>
+              </a:rPr>
+              <a:t>, </a:t>
+            </a:r>
+            <a:r>
+              <a:rPr lang="ru-RU" sz="2400" dirty="0" err="1" smtClean="0">
+                <a:latin typeface="Proxima Nova"/>
+              </a:rPr>
+              <a:t>соотвественно</a:t>
+            </a:r>
+            <a:r>
+              <a:rPr lang="ru-RU" sz="2400" dirty="0" smtClean="0">
+                <a:latin typeface="Proxima Nova"/>
+              </a:rPr>
+              <a:t>.</a:t>
+            </a:r>
+          </a:p>
+          <a:p>
+            <a:pPr>
+              <a:buFont typeface="Arial" pitchFamily="34" charset="0"/>
+              <a:buChar char="•"/>
+            </a:pPr>
+            <a:endParaRPr lang="en-US" sz="2400" dirty="0" smtClean="0">
+              <a:latin typeface="Proxima Nova"/>
+            </a:endParaRPr>
+          </a:p>
+          <a:p>
+            <a:pPr>
+              <a:buFont typeface="Arial" pitchFamily="34" charset="0"/>
+              <a:buChar char="•"/>
+            </a:pPr>
+            <a:r>
+              <a:rPr lang="en-US" sz="2400" dirty="0" smtClean="0">
+                <a:latin typeface="Proxima Nova"/>
+              </a:rPr>
+              <a:t> </a:t>
+            </a:r>
+            <a:r>
+              <a:rPr lang="ru-RU" sz="2400" dirty="0" smtClean="0">
+                <a:latin typeface="Proxima Nova"/>
+              </a:rPr>
+              <a:t>Использованы методы: среднее, стандартное отклонение, дисперсия, максимум, минимум, сумма.</a:t>
+            </a:r>
+          </a:p>
+          <a:p>
+            <a:pPr>
+              <a:buFont typeface="Arial" pitchFamily="34" charset="0"/>
+              <a:buChar char="•"/>
+            </a:pPr>
+            <a:endParaRPr lang="ru-RU" sz="2400" dirty="0" smtClean="0">
+              <a:latin typeface="Proxima Nova"/>
+            </a:endParaRPr>
+          </a:p>
+          <a:p>
+            <a:pPr>
+              <a:buFont typeface="Arial" pitchFamily="34" charset="0"/>
+              <a:buChar char="•"/>
+            </a:pPr>
+            <a:r>
+              <a:rPr lang="ru-RU" sz="2400" dirty="0" smtClean="0">
+                <a:latin typeface="Proxima Nova"/>
+              </a:rPr>
+              <a:t>  Запись агрегированных объектов осуществляется в таблицу </a:t>
+            </a:r>
+            <a:r>
+              <a:rPr lang="en-US" sz="2400" dirty="0" err="1" smtClean="0">
+                <a:latin typeface="Proxima Nova"/>
+              </a:rPr>
+              <a:t>Postgres</a:t>
+            </a:r>
+            <a:endParaRPr lang="en-US" sz="2400" dirty="0" smtClean="0">
+              <a:latin typeface="Proxima Nova"/>
+            </a:endParaRPr>
+          </a:p>
+          <a:p>
+            <a:endParaRPr lang="ru-RU" sz="2400" dirty="0">
+              <a:latin typeface="Proxima Nova"/>
+            </a:endParaRPr>
+          </a:p>
+        </p:txBody>
+      </p:sp>
       <p:sp>
         <p:nvSpPr>
           <p:cNvPr id="3" name="Прямоугольник 2"/>
@@ -10470,8 +11791,8 @@
         </p:nvSpPr>
         <p:spPr>
           <a:xfrm>
-            <a:off x="251520" y="260648"/>
-            <a:ext cx="8081251" cy="400110"/>
+            <a:off x="395536" y="188640"/>
+            <a:ext cx="5796843" cy="461665"/>
           </a:xfrm>
           <a:prstGeom prst="rect">
             <a:avLst/>
@@ -10484,38 +11805,15 @@
           <a:lstStyle/>
           <a:p>
             <a:r>
-              <a:rPr lang="ru-RU" sz="2000" b="1" dirty="0" smtClean="0">
+              <a:rPr lang="en-US" sz="2400" b="1" dirty="0" smtClean="0">
                 <a:latin typeface="Proxima Nova"/>
                 <a:ea typeface="Proxima Nova"/>
                 <a:cs typeface="Proxima Nova"/>
                 <a:sym typeface="Proxima Nova"/>
               </a:rPr>
-              <a:t>Корреляционная матриц параметров </a:t>
-            </a:r>
-            <a:r>
-              <a:rPr lang="en-US" sz="2000" b="1" dirty="0" err="1" smtClean="0">
-                <a:latin typeface="Proxima Nova"/>
-                <a:ea typeface="Proxima Nova"/>
-                <a:cs typeface="Proxima Nova"/>
-                <a:sym typeface="Proxima Nova"/>
-              </a:rPr>
-              <a:t>AggregatedTradeVolume</a:t>
-            </a:r>
-            <a:r>
-              <a:rPr lang="en-US" sz="2000" b="1" dirty="0" smtClean="0">
-                <a:latin typeface="Proxima Nova"/>
-                <a:ea typeface="Proxima Nova"/>
-                <a:cs typeface="Proxima Nova"/>
-                <a:sym typeface="Proxima Nova"/>
-              </a:rPr>
-              <a:t> </a:t>
-            </a:r>
-            <a:endParaRPr lang="ru-RU" sz="2000" b="1" dirty="0">
-              <a:latin typeface="Proxima Nova"/>
-              <a:ea typeface="Proxima Nova"/>
-              <a:cs typeface="Proxima Nova"/>
-              <a:sym typeface="Proxima Nova"/>
-            </a:endParaRPr>
+              <a:t>AGGREGATOR_KAFKA_CONSUMER</a:t>
+            </a:r>
+            <a:endParaRPr lang="ru-RU" sz="2400" b="1" dirty="0"/>
           </a:p>
         </p:txBody>
       </p:sp>
@@ -10524,6 +11822,13 @@
   <p:clrMapOvr>
     <a:masterClrMapping/>
   </p:clrMapOvr>
+  <p:timing>
+    <p:tnLst>
+      <p:par>
+        <p:cTn id="1" dur="indefinite" restart="never" nodeType="tmRoot"/>
+      </p:par>
+    </p:tnLst>
+  </p:timing>
 </p:sld>
 </file>
 
@@ -10544,49 +11849,168 @@
           <a:chExt cx="0" cy="0"/>
         </a:xfrm>
       </p:grpSpPr>
-      <p:pic>
-        <p:nvPicPr>
-          <p:cNvPr id="2051" name="Picture 3"/>
-          <p:cNvPicPr>
-            <a:picLocks noChangeAspect="1" noChangeArrowheads="1"/>
-          </p:cNvPicPr>
-          <p:nvPr/>
-        </p:nvPicPr>
-        <p:blipFill>
-          <a:blip r:embed="rId2" cstate="print"/>
-          <a:srcRect/>
-          <a:stretch>
-            <a:fillRect/>
-          </a:stretch>
-        </p:blipFill>
-        <p:spPr bwMode="auto">
-          <a:xfrm>
-            <a:off x="251520" y="836712"/>
-            <a:ext cx="8552646" cy="5708377"/>
-          </a:xfrm>
-          <a:prstGeom prst="rect">
-            <a:avLst/>
-          </a:prstGeom>
-          <a:noFill/>
-          <a:ln w="9525">
-            <a:noFill/>
-            <a:miter lim="800000"/>
-            <a:headEnd/>
-            <a:tailEnd/>
-          </a:ln>
-          <a:effectLst/>
-        </p:spPr>
-      </p:pic>
-      <p:sp>
-        <p:nvSpPr>
-          <p:cNvPr id="7" name="Прямоугольник 6"/>
+      <p:sp>
+        <p:nvSpPr>
+          <p:cNvPr id="2" name="Прямоугольник 1"/>
           <p:cNvSpPr/>
           <p:nvPr/>
         </p:nvSpPr>
         <p:spPr>
           <a:xfrm>
-            <a:off x="251520" y="260648"/>
-            <a:ext cx="6989349" cy="461665"/>
+            <a:off x="395536" y="836712"/>
+            <a:ext cx="8748464" cy="5206554"/>
+          </a:xfrm>
+          <a:prstGeom prst="rect">
+            <a:avLst/>
+          </a:prstGeom>
+        </p:spPr>
+        <p:txBody>
+          <a:bodyPr wrap="square">
+            <a:spAutoFit/>
+          </a:bodyPr>
+          <a:lstStyle/>
+          <a:p>
+            <a:pPr indent="449580">
+              <a:lnSpc>
+                <a:spcPct val="115000"/>
+              </a:lnSpc>
+              <a:spcAft>
+                <a:spcPts val="1000"/>
+              </a:spcAft>
+            </a:pPr>
+            <a:r>
+              <a:rPr lang="ru-RU" sz="2000" dirty="0" smtClean="0">
+                <a:latin typeface="Calibri" panose="020F0502020204030204" pitchFamily="34" charset="0"/>
+                <a:ea typeface="Calibri" panose="020F0502020204030204" pitchFamily="34" charset="0"/>
+                <a:cs typeface="Times New Roman" panose="02020603050405020304" pitchFamily="18" charset="0"/>
+              </a:rPr>
+              <a:t>При </a:t>
+            </a:r>
+            <a:r>
+              <a:rPr lang="ru-RU" sz="2000" dirty="0">
+                <a:latin typeface="Calibri" panose="020F0502020204030204" pitchFamily="34" charset="0"/>
+                <a:ea typeface="Calibri" panose="020F0502020204030204" pitchFamily="34" charset="0"/>
+                <a:cs typeface="Times New Roman" panose="02020603050405020304" pitchFamily="18" charset="0"/>
+              </a:rPr>
+              <a:t>анализе исходных торговых данных в первую очередь стоит обратить внимание на покупки и продажи, они могут содержать колоссальную разницу в объемах, за счет разницы в состоянии игрока. Эти параметры требуют усреднения и расчета математических величин. </a:t>
+            </a:r>
+            <a:endParaRPr lang="ru-RU" sz="2000" dirty="0" smtClean="0">
+              <a:latin typeface="Calibri" panose="020F0502020204030204" pitchFamily="34" charset="0"/>
+              <a:ea typeface="Calibri" panose="020F0502020204030204" pitchFamily="34" charset="0"/>
+              <a:cs typeface="Times New Roman" panose="02020603050405020304" pitchFamily="18" charset="0"/>
+            </a:endParaRPr>
+          </a:p>
+          <a:p>
+            <a:pPr indent="449580">
+              <a:lnSpc>
+                <a:spcPct val="115000"/>
+              </a:lnSpc>
+              <a:spcAft>
+                <a:spcPts val="1000"/>
+              </a:spcAft>
+            </a:pPr>
+            <a:endParaRPr lang="ru-RU" sz="2000" dirty="0">
+              <a:latin typeface="Calibri" panose="020F0502020204030204" pitchFamily="34" charset="0"/>
+              <a:ea typeface="Calibri" panose="020F0502020204030204" pitchFamily="34" charset="0"/>
+              <a:cs typeface="Times New Roman" panose="02020603050405020304" pitchFamily="18" charset="0"/>
+            </a:endParaRPr>
+          </a:p>
+          <a:p>
+            <a:pPr indent="449580">
+              <a:lnSpc>
+                <a:spcPct val="115000"/>
+              </a:lnSpc>
+              <a:spcAft>
+                <a:spcPts val="1000"/>
+              </a:spcAft>
+            </a:pPr>
+            <a:r>
+              <a:rPr lang="ru-RU" sz="2000" dirty="0" smtClean="0">
+                <a:latin typeface="Calibri" panose="020F0502020204030204" pitchFamily="34" charset="0"/>
+                <a:ea typeface="Calibri" panose="020F0502020204030204" pitchFamily="34" charset="0"/>
+                <a:cs typeface="Times New Roman" panose="02020603050405020304" pitchFamily="18" charset="0"/>
+              </a:rPr>
+              <a:t>Чем </a:t>
+            </a:r>
+            <a:r>
+              <a:rPr lang="ru-RU" sz="2000" dirty="0">
+                <a:latin typeface="Calibri" panose="020F0502020204030204" pitchFamily="34" charset="0"/>
+                <a:ea typeface="Calibri" panose="020F0502020204030204" pitchFamily="34" charset="0"/>
+                <a:cs typeface="Times New Roman" panose="02020603050405020304" pitchFamily="18" charset="0"/>
+              </a:rPr>
+              <a:t>дольше набирается позиция, тем большим получится её объем и, соответственно, тем сильнее будет движение в ту или иную сторону. [3, с. 96]</a:t>
+            </a:r>
+            <a:r>
+              <a:rPr lang="ru-RU" sz="2000" dirty="0">
+                <a:solidFill>
+                  <a:srgbClr val="558ED5"/>
+                </a:solidFill>
+                <a:latin typeface="Calibri" panose="020F0502020204030204" pitchFamily="34" charset="0"/>
+                <a:ea typeface="Calibri" panose="020F0502020204030204" pitchFamily="34" charset="0"/>
+                <a:cs typeface="Times New Roman" panose="02020603050405020304" pitchFamily="18" charset="0"/>
+              </a:rPr>
+              <a:t> </a:t>
+            </a:r>
+            <a:endParaRPr lang="ru-RU" sz="2000" dirty="0" smtClean="0">
+              <a:latin typeface="Calibri" panose="020F0502020204030204" pitchFamily="34" charset="0"/>
+              <a:ea typeface="Calibri" panose="020F0502020204030204" pitchFamily="34" charset="0"/>
+              <a:cs typeface="Times New Roman" panose="02020603050405020304" pitchFamily="18" charset="0"/>
+            </a:endParaRPr>
+          </a:p>
+          <a:p>
+            <a:pPr indent="449580">
+              <a:lnSpc>
+                <a:spcPct val="115000"/>
+              </a:lnSpc>
+              <a:spcAft>
+                <a:spcPts val="1000"/>
+              </a:spcAft>
+            </a:pPr>
+            <a:endParaRPr lang="ru-RU" sz="2000" dirty="0">
+              <a:latin typeface="Calibri" panose="020F0502020204030204" pitchFamily="34" charset="0"/>
+              <a:ea typeface="Calibri" panose="020F0502020204030204" pitchFamily="34" charset="0"/>
+              <a:cs typeface="Times New Roman" panose="02020603050405020304" pitchFamily="18" charset="0"/>
+            </a:endParaRPr>
+          </a:p>
+          <a:p>
+            <a:pPr indent="449580">
+              <a:lnSpc>
+                <a:spcPct val="115000"/>
+              </a:lnSpc>
+              <a:spcAft>
+                <a:spcPts val="1000"/>
+              </a:spcAft>
+            </a:pPr>
+            <a:r>
+              <a:rPr lang="ru-RU" sz="2000" dirty="0" smtClean="0">
+                <a:latin typeface="Calibri" panose="020F0502020204030204" pitchFamily="34" charset="0"/>
+                <a:ea typeface="Calibri" panose="020F0502020204030204" pitchFamily="34" charset="0"/>
+                <a:cs typeface="Times New Roman" panose="02020603050405020304" pitchFamily="18" charset="0"/>
+              </a:rPr>
+              <a:t>Данная </a:t>
+            </a:r>
+            <a:r>
+              <a:rPr lang="ru-RU" sz="2000" dirty="0">
+                <a:latin typeface="Calibri" panose="020F0502020204030204" pitchFamily="34" charset="0"/>
+                <a:ea typeface="Calibri" panose="020F0502020204030204" pitchFamily="34" charset="0"/>
+                <a:cs typeface="Times New Roman" panose="02020603050405020304" pitchFamily="18" charset="0"/>
+              </a:rPr>
+              <a:t>особенность набора данных может трактоваться как шумы, однако, ход торгов валютной пары не может быть удален, т.к. это влечет за собой потерю объективности. Эти данные должны быть учтены в модели и записаны как “Стандартное отклонение” и “Дисперсия”, а так-же более простые математические методы: Среднее, Максимум, Минимум, Сумма.</a:t>
+            </a:r>
+            <a:endParaRPr lang="ru-RU" sz="2000" dirty="0"/>
+          </a:p>
+        </p:txBody>
+      </p:sp>
+      <p:sp>
+        <p:nvSpPr>
+          <p:cNvPr id="3" name="Прямоугольник 2"/>
+          <p:cNvSpPr/>
+          <p:nvPr/>
+        </p:nvSpPr>
+        <p:spPr>
+          <a:xfrm>
+            <a:off x="395536" y="188640"/>
+            <a:ext cx="4819717" cy="461665"/>
           </a:xfrm>
           <a:prstGeom prst="rect">
             <a:avLst/>
@@ -10605,22 +12029,18 @@
                 <a:cs typeface="Proxima Nova"/>
                 <a:sym typeface="Proxima Nova"/>
               </a:rPr>
-              <a:t>Корреляционная матриц параметров </a:t>
-            </a:r>
-            <a:r>
-              <a:rPr lang="en-US" sz="2400" b="1" dirty="0" smtClean="0">
-                <a:latin typeface="Proxima Nova"/>
-                <a:ea typeface="Proxima Nova"/>
-                <a:cs typeface="Proxima Nova"/>
-                <a:sym typeface="Proxima Nova"/>
-              </a:rPr>
-              <a:t>Candle</a:t>
-            </a:r>
-            <a:endParaRPr lang="ru-RU" sz="2400" dirty="0"/>
+              <a:t>Особенность набора данных</a:t>
+            </a:r>
+            <a:endParaRPr lang="ru-RU" sz="2400" b="1" dirty="0"/>
           </a:p>
         </p:txBody>
       </p:sp>
     </p:spTree>
+    <p:extLst>
+      <p:ext uri="{BB962C8B-B14F-4D97-AF65-F5344CB8AC3E}">
+        <p14:creationId xmlns:p14="http://schemas.microsoft.com/office/powerpoint/2010/main" val="967258468"/>
+      </p:ext>
+    </p:extLst>
   </p:cSld>
   <p:clrMapOvr>
     <a:masterClrMapping/>

--- a/Netology_Презентация_Стерхов В.pptx
+++ b/Netology_Презентация_Стерхов В.pptx
@@ -243,7 +243,7 @@
             <a:fld id="{B6F1A6AF-CCE8-45EA-99A7-B72B1284A583}" type="datetimeFigureOut">
               <a:rPr lang="ru-RU" smtClean="0"/>
               <a:pPr/>
-              <a:t>03.07.2023</a:t>
+              <a:t>20.07.2023</a:t>
             </a:fld>
             <a:endParaRPr lang="ru-RU"/>
           </a:p>
@@ -1189,7 +1189,7 @@
             <a:fld id="{5B106E36-FD25-4E2D-B0AA-010F637433A0}" type="datetimeFigureOut">
               <a:rPr lang="ru-RU" smtClean="0"/>
               <a:pPr/>
-              <a:t>03.07.2023</a:t>
+              <a:t>20.07.2023</a:t>
             </a:fld>
             <a:endParaRPr lang="ru-RU"/>
           </a:p>
@@ -1356,7 +1356,7 @@
             <a:fld id="{5B106E36-FD25-4E2D-B0AA-010F637433A0}" type="datetimeFigureOut">
               <a:rPr lang="ru-RU" smtClean="0"/>
               <a:pPr/>
-              <a:t>03.07.2023</a:t>
+              <a:t>20.07.2023</a:t>
             </a:fld>
             <a:endParaRPr lang="ru-RU"/>
           </a:p>
@@ -1533,7 +1533,7 @@
             <a:fld id="{5B106E36-FD25-4E2D-B0AA-010F637433A0}" type="datetimeFigureOut">
               <a:rPr lang="ru-RU" smtClean="0"/>
               <a:pPr/>
-              <a:t>03.07.2023</a:t>
+              <a:t>20.07.2023</a:t>
             </a:fld>
             <a:endParaRPr lang="ru-RU"/>
           </a:p>
@@ -1986,7 +1986,7 @@
             <a:fld id="{5B106E36-FD25-4E2D-B0AA-010F637433A0}" type="datetimeFigureOut">
               <a:rPr lang="ru-RU" smtClean="0"/>
               <a:pPr/>
-              <a:t>03.07.2023</a:t>
+              <a:t>20.07.2023</a:t>
             </a:fld>
             <a:endParaRPr lang="ru-RU"/>
           </a:p>
@@ -2229,7 +2229,7 @@
             <a:fld id="{5B106E36-FD25-4E2D-B0AA-010F637433A0}" type="datetimeFigureOut">
               <a:rPr lang="ru-RU" smtClean="0"/>
               <a:pPr/>
-              <a:t>03.07.2023</a:t>
+              <a:t>20.07.2023</a:t>
             </a:fld>
             <a:endParaRPr lang="ru-RU"/>
           </a:p>
@@ -2514,7 +2514,7 @@
             <a:fld id="{5B106E36-FD25-4E2D-B0AA-010F637433A0}" type="datetimeFigureOut">
               <a:rPr lang="ru-RU" smtClean="0"/>
               <a:pPr/>
-              <a:t>03.07.2023</a:t>
+              <a:t>20.07.2023</a:t>
             </a:fld>
             <a:endParaRPr lang="ru-RU"/>
           </a:p>
@@ -2933,7 +2933,7 @@
             <a:fld id="{5B106E36-FD25-4E2D-B0AA-010F637433A0}" type="datetimeFigureOut">
               <a:rPr lang="ru-RU" smtClean="0"/>
               <a:pPr/>
-              <a:t>03.07.2023</a:t>
+              <a:t>20.07.2023</a:t>
             </a:fld>
             <a:endParaRPr lang="ru-RU"/>
           </a:p>
@@ -3048,7 +3048,7 @@
             <a:fld id="{5B106E36-FD25-4E2D-B0AA-010F637433A0}" type="datetimeFigureOut">
               <a:rPr lang="ru-RU" smtClean="0"/>
               <a:pPr/>
-              <a:t>03.07.2023</a:t>
+              <a:t>20.07.2023</a:t>
             </a:fld>
             <a:endParaRPr lang="ru-RU"/>
           </a:p>
@@ -3140,7 +3140,7 @@
             <a:fld id="{5B106E36-FD25-4E2D-B0AA-010F637433A0}" type="datetimeFigureOut">
               <a:rPr lang="ru-RU" smtClean="0"/>
               <a:pPr/>
-              <a:t>03.07.2023</a:t>
+              <a:t>20.07.2023</a:t>
             </a:fld>
             <a:endParaRPr lang="ru-RU"/>
           </a:p>
@@ -3414,7 +3414,7 @@
             <a:fld id="{5B106E36-FD25-4E2D-B0AA-010F637433A0}" type="datetimeFigureOut">
               <a:rPr lang="ru-RU" smtClean="0"/>
               <a:pPr/>
-              <a:t>03.07.2023</a:t>
+              <a:t>20.07.2023</a:t>
             </a:fld>
             <a:endParaRPr lang="ru-RU"/>
           </a:p>
@@ -3664,7 +3664,7 @@
             <a:fld id="{5B106E36-FD25-4E2D-B0AA-010F637433A0}" type="datetimeFigureOut">
               <a:rPr lang="ru-RU" smtClean="0"/>
               <a:pPr/>
-              <a:t>03.07.2023</a:t>
+              <a:t>20.07.2023</a:t>
             </a:fld>
             <a:endParaRPr lang="ru-RU"/>
           </a:p>
@@ -3874,7 +3874,7 @@
             <a:fld id="{5B106E36-FD25-4E2D-B0AA-010F637433A0}" type="datetimeFigureOut">
               <a:rPr lang="ru-RU" smtClean="0"/>
               <a:pPr/>
-              <a:t>03.07.2023</a:t>
+              <a:t>20.07.2023</a:t>
             </a:fld>
             <a:endParaRPr lang="ru-RU"/>
           </a:p>
@@ -4528,16 +4528,7 @@
                 <a:cs typeface="Proxima Nova"/>
                 <a:sym typeface="Proxima Nova"/>
               </a:rPr>
-              <a:t>Формулы </a:t>
-            </a:r>
-            <a:r>
-              <a:rPr lang="ru-RU" sz="2400" b="1" dirty="0" smtClean="0">
-                <a:latin typeface="Proxima Nova"/>
-                <a:ea typeface="Proxima Nova"/>
-                <a:cs typeface="Proxima Nova"/>
-                <a:sym typeface="Proxima Nova"/>
-              </a:rPr>
-              <a:t>для расчета математических величин</a:t>
+              <a:t>Формулы для расчета математических величин</a:t>
             </a:r>
             <a:endParaRPr lang="ru-RU" sz="2400" b="1" dirty="0"/>
           </a:p>
@@ -5853,15 +5844,7 @@
           <a:p>
             <a:r>
               <a:rPr lang="en-US" sz="1400" dirty="0" smtClean="0"/>
-              <a:t>Accuracy </a:t>
-            </a:r>
-            <a:r>
-              <a:rPr lang="en-US" sz="1400" dirty="0" smtClean="0"/>
-              <a:t>linear </a:t>
-            </a:r>
-            <a:r>
-              <a:rPr lang="en-US" sz="1400" dirty="0" smtClean="0"/>
-              <a:t>regression:  0.6017759562841529</a:t>
+              <a:t>Accuracy linear regression:  0.6017759562841529</a:t>
             </a:r>
           </a:p>
           <a:p>
